--- a/img/Notacion.pptx
+++ b/img/Notacion.pptx
@@ -6,7 +6,7 @@
   </p:sldMasterIdLst>
   <p:sldIdLst>
     <p:sldId id="256" r:id="rId2"/>
-    <p:sldId id="258" r:id="rId3"/>
+    <p:sldId id="259" r:id="rId3"/>
   </p:sldIdLst>
   <p:sldSz cx="9144000" cy="6858000" type="screen4x3"/>
   <p:notesSz cx="6858000" cy="9144000"/>
@@ -289,6 +289,7 @@
           <a:p>
             <a:fld id="{89AD7B5F-393D-44F0-AFF0-56AE819965EB}" type="datetimeFigureOut">
               <a:rPr lang="es-CO" smtClean="0"/>
+              <a:pPr/>
               <a:t>19/06/2019</a:t>
             </a:fld>
             <a:endParaRPr lang="es-CO" dirty="0"/>
@@ -331,6 +332,7 @@
           <a:p>
             <a:fld id="{F886EDE1-1EE2-46FF-B82F-9C5AEABB1574}" type="slidenum">
               <a:rPr lang="es-CO" smtClean="0"/>
+              <a:pPr/>
               <a:t>‹Nº›</a:t>
             </a:fld>
             <a:endParaRPr lang="es-CO" dirty="0"/>
@@ -454,6 +456,7 @@
           <a:p>
             <a:fld id="{89AD7B5F-393D-44F0-AFF0-56AE819965EB}" type="datetimeFigureOut">
               <a:rPr lang="es-CO" smtClean="0"/>
+              <a:pPr/>
               <a:t>19/06/2019</a:t>
             </a:fld>
             <a:endParaRPr lang="es-CO" dirty="0"/>
@@ -496,6 +499,7 @@
           <a:p>
             <a:fld id="{F886EDE1-1EE2-46FF-B82F-9C5AEABB1574}" type="slidenum">
               <a:rPr lang="es-CO" smtClean="0"/>
+              <a:pPr/>
               <a:t>‹Nº›</a:t>
             </a:fld>
             <a:endParaRPr lang="es-CO" dirty="0"/>
@@ -629,6 +633,7 @@
           <a:p>
             <a:fld id="{89AD7B5F-393D-44F0-AFF0-56AE819965EB}" type="datetimeFigureOut">
               <a:rPr lang="es-CO" smtClean="0"/>
+              <a:pPr/>
               <a:t>19/06/2019</a:t>
             </a:fld>
             <a:endParaRPr lang="es-CO" dirty="0"/>
@@ -671,6 +676,7 @@
           <a:p>
             <a:fld id="{F886EDE1-1EE2-46FF-B82F-9C5AEABB1574}" type="slidenum">
               <a:rPr lang="es-CO" smtClean="0"/>
+              <a:pPr/>
               <a:t>‹Nº›</a:t>
             </a:fld>
             <a:endParaRPr lang="es-CO" dirty="0"/>
@@ -794,6 +800,7 @@
           <a:p>
             <a:fld id="{89AD7B5F-393D-44F0-AFF0-56AE819965EB}" type="datetimeFigureOut">
               <a:rPr lang="es-CO" smtClean="0"/>
+              <a:pPr/>
               <a:t>19/06/2019</a:t>
             </a:fld>
             <a:endParaRPr lang="es-CO" dirty="0"/>
@@ -836,6 +843,7 @@
           <a:p>
             <a:fld id="{F886EDE1-1EE2-46FF-B82F-9C5AEABB1574}" type="slidenum">
               <a:rPr lang="es-CO" smtClean="0"/>
+              <a:pPr/>
               <a:t>‹Nº›</a:t>
             </a:fld>
             <a:endParaRPr lang="es-CO" dirty="0"/>
@@ -1035,6 +1043,7 @@
           <a:p>
             <a:fld id="{89AD7B5F-393D-44F0-AFF0-56AE819965EB}" type="datetimeFigureOut">
               <a:rPr lang="es-CO" smtClean="0"/>
+              <a:pPr/>
               <a:t>19/06/2019</a:t>
             </a:fld>
             <a:endParaRPr lang="es-CO" dirty="0"/>
@@ -1077,6 +1086,7 @@
           <a:p>
             <a:fld id="{F886EDE1-1EE2-46FF-B82F-9C5AEABB1574}" type="slidenum">
               <a:rPr lang="es-CO" smtClean="0"/>
+              <a:pPr/>
               <a:t>‹Nº›</a:t>
             </a:fld>
             <a:endParaRPr lang="es-CO" dirty="0"/>
@@ -1318,6 +1328,7 @@
           <a:p>
             <a:fld id="{89AD7B5F-393D-44F0-AFF0-56AE819965EB}" type="datetimeFigureOut">
               <a:rPr lang="es-CO" smtClean="0"/>
+              <a:pPr/>
               <a:t>19/06/2019</a:t>
             </a:fld>
             <a:endParaRPr lang="es-CO" dirty="0"/>
@@ -1360,6 +1371,7 @@
           <a:p>
             <a:fld id="{F886EDE1-1EE2-46FF-B82F-9C5AEABB1574}" type="slidenum">
               <a:rPr lang="es-CO" smtClean="0"/>
+              <a:pPr/>
               <a:t>‹Nº›</a:t>
             </a:fld>
             <a:endParaRPr lang="es-CO" dirty="0"/>
@@ -1735,6 +1747,7 @@
           <a:p>
             <a:fld id="{89AD7B5F-393D-44F0-AFF0-56AE819965EB}" type="datetimeFigureOut">
               <a:rPr lang="es-CO" smtClean="0"/>
+              <a:pPr/>
               <a:t>19/06/2019</a:t>
             </a:fld>
             <a:endParaRPr lang="es-CO" dirty="0"/>
@@ -1777,6 +1790,7 @@
           <a:p>
             <a:fld id="{F886EDE1-1EE2-46FF-B82F-9C5AEABB1574}" type="slidenum">
               <a:rPr lang="es-CO" smtClean="0"/>
+              <a:pPr/>
               <a:t>‹Nº›</a:t>
             </a:fld>
             <a:endParaRPr lang="es-CO" dirty="0"/>
@@ -1848,6 +1862,7 @@
           <a:p>
             <a:fld id="{89AD7B5F-393D-44F0-AFF0-56AE819965EB}" type="datetimeFigureOut">
               <a:rPr lang="es-CO" smtClean="0"/>
+              <a:pPr/>
               <a:t>19/06/2019</a:t>
             </a:fld>
             <a:endParaRPr lang="es-CO" dirty="0"/>
@@ -1890,6 +1905,7 @@
           <a:p>
             <a:fld id="{F886EDE1-1EE2-46FF-B82F-9C5AEABB1574}" type="slidenum">
               <a:rPr lang="es-CO" smtClean="0"/>
+              <a:pPr/>
               <a:t>‹Nº›</a:t>
             </a:fld>
             <a:endParaRPr lang="es-CO" dirty="0"/>
@@ -1938,6 +1954,7 @@
           <a:p>
             <a:fld id="{89AD7B5F-393D-44F0-AFF0-56AE819965EB}" type="datetimeFigureOut">
               <a:rPr lang="es-CO" smtClean="0"/>
+              <a:pPr/>
               <a:t>19/06/2019</a:t>
             </a:fld>
             <a:endParaRPr lang="es-CO" dirty="0"/>
@@ -1980,6 +1997,7 @@
           <a:p>
             <a:fld id="{F886EDE1-1EE2-46FF-B82F-9C5AEABB1574}" type="slidenum">
               <a:rPr lang="es-CO" smtClean="0"/>
+              <a:pPr/>
               <a:t>‹Nº›</a:t>
             </a:fld>
             <a:endParaRPr lang="es-CO" dirty="0"/>
@@ -2210,6 +2228,7 @@
           <a:p>
             <a:fld id="{89AD7B5F-393D-44F0-AFF0-56AE819965EB}" type="datetimeFigureOut">
               <a:rPr lang="es-CO" smtClean="0"/>
+              <a:pPr/>
               <a:t>19/06/2019</a:t>
             </a:fld>
             <a:endParaRPr lang="es-CO" dirty="0"/>
@@ -2252,6 +2271,7 @@
           <a:p>
             <a:fld id="{F886EDE1-1EE2-46FF-B82F-9C5AEABB1574}" type="slidenum">
               <a:rPr lang="es-CO" smtClean="0"/>
+              <a:pPr/>
               <a:t>‹Nº›</a:t>
             </a:fld>
             <a:endParaRPr lang="es-CO" dirty="0"/>
@@ -2458,6 +2478,7 @@
           <a:p>
             <a:fld id="{89AD7B5F-393D-44F0-AFF0-56AE819965EB}" type="datetimeFigureOut">
               <a:rPr lang="es-CO" smtClean="0"/>
+              <a:pPr/>
               <a:t>19/06/2019</a:t>
             </a:fld>
             <a:endParaRPr lang="es-CO" dirty="0"/>
@@ -2500,6 +2521,7 @@
           <a:p>
             <a:fld id="{F886EDE1-1EE2-46FF-B82F-9C5AEABB1574}" type="slidenum">
               <a:rPr lang="es-CO" smtClean="0"/>
+              <a:pPr/>
               <a:t>‹Nº›</a:t>
             </a:fld>
             <a:endParaRPr lang="es-CO" dirty="0"/>
@@ -2666,6 +2688,7 @@
           <a:p>
             <a:fld id="{89AD7B5F-393D-44F0-AFF0-56AE819965EB}" type="datetimeFigureOut">
               <a:rPr lang="es-CO" smtClean="0"/>
+              <a:pPr/>
               <a:t>19/06/2019</a:t>
             </a:fld>
             <a:endParaRPr lang="es-CO" dirty="0"/>
@@ -2744,6 +2767,7 @@
           <a:p>
             <a:fld id="{F886EDE1-1EE2-46FF-B82F-9C5AEABB1574}" type="slidenum">
               <a:rPr lang="es-CO" smtClean="0"/>
+              <a:pPr/>
               <a:t>‹Nº›</a:t>
             </a:fld>
             <a:endParaRPr lang="es-CO" dirty="0"/>
@@ -3173,13 +3197,6 @@
               </a:rPr>
               <a:t>AngularJS</a:t>
             </a:r>
-            <a:endParaRPr lang="es-CO" sz="1600" dirty="0" smtClean="0">
-              <a:solidFill>
-                <a:schemeClr val="bg1">
-                  <a:lumMod val="50000"/>
-                </a:schemeClr>
-              </a:solidFill>
-            </a:endParaRPr>
           </a:p>
           <a:p>
             <a:r>
@@ -3204,13 +3221,6 @@
               </a:rPr>
               <a:t>CPlusPlus</a:t>
             </a:r>
-            <a:endParaRPr lang="es-CO" sz="1600" dirty="0" smtClean="0">
-              <a:solidFill>
-                <a:schemeClr val="bg1">
-                  <a:lumMod val="50000"/>
-                </a:schemeClr>
-              </a:solidFill>
-            </a:endParaRPr>
           </a:p>
           <a:p>
             <a:r>
@@ -3221,8 +3231,10 @@
                   </a:schemeClr>
                 </a:solidFill>
               </a:rPr>
-              <a:t>CSharp</a:t>
-            </a:r>
+              <a:t>CSharp,</a:t>
+            </a:r>
+          </a:p>
+          <a:p>
             <a:r>
               <a:rPr lang="es-CO" sz="1600" dirty="0" smtClean="0">
                 <a:solidFill>
@@ -3231,7 +3243,7 @@
                   </a:schemeClr>
                 </a:solidFill>
               </a:rPr>
-              <a:t>,</a:t>
+              <a:t>CSS</a:t>
             </a:r>
           </a:p>
           <a:p>
@@ -3243,7 +3255,7 @@
                   </a:schemeClr>
                 </a:solidFill>
               </a:rPr>
-              <a:t>CSS</a:t>
+              <a:t>HTML5</a:t>
             </a:r>
           </a:p>
           <a:p>
@@ -3255,7 +3267,7 @@
                   </a:schemeClr>
                 </a:solidFill>
               </a:rPr>
-              <a:t>HTML5</a:t>
+              <a:t>Java</a:t>
             </a:r>
           </a:p>
           <a:p>
@@ -3267,7 +3279,7 @@
                   </a:schemeClr>
                 </a:solidFill>
               </a:rPr>
-              <a:t>Java</a:t>
+              <a:t>JavaScript,</a:t>
             </a:r>
           </a:p>
           <a:p>
@@ -3279,7 +3291,7 @@
                   </a:schemeClr>
                 </a:solidFill>
               </a:rPr>
-              <a:t>JavaScript,</a:t>
+              <a:t>jQuery</a:t>
             </a:r>
           </a:p>
           <a:p>
@@ -3291,7 +3303,7 @@
                   </a:schemeClr>
                 </a:solidFill>
               </a:rPr>
-              <a:t>jQuery</a:t>
+              <a:t>Nodejs</a:t>
             </a:r>
           </a:p>
           <a:p>
@@ -3303,7 +3315,7 @@
                   </a:schemeClr>
                 </a:solidFill>
               </a:rPr>
-              <a:t>Nodejs</a:t>
+              <a:t>ObjectiveC</a:t>
             </a:r>
           </a:p>
           <a:p>
@@ -3315,7 +3327,7 @@
                   </a:schemeClr>
                 </a:solidFill>
               </a:rPr>
-              <a:t>ObjectiveC</a:t>
+              <a:t>Perl</a:t>
             </a:r>
           </a:p>
           <a:p>
@@ -3327,7 +3339,7 @@
                   </a:schemeClr>
                 </a:solidFill>
               </a:rPr>
-              <a:t>Perl</a:t>
+              <a:t>PHP</a:t>
             </a:r>
           </a:p>
           <a:p>
@@ -3339,7 +3351,7 @@
                   </a:schemeClr>
                 </a:solidFill>
               </a:rPr>
-              <a:t>PHP</a:t>
+              <a:t> Python</a:t>
             </a:r>
           </a:p>
           <a:p>
@@ -3351,8 +3363,10 @@
                   </a:schemeClr>
                 </a:solidFill>
               </a:rPr>
-              <a:t> </a:t>
-            </a:r>
+              <a:t>Ruby</a:t>
+            </a:r>
+          </a:p>
+          <a:p>
             <a:r>
               <a:rPr lang="es-CO" sz="1600" dirty="0" smtClean="0">
                 <a:solidFill>
@@ -3361,15 +3375,8 @@
                   </a:schemeClr>
                 </a:solidFill>
               </a:rPr>
-              <a:t>Python</a:t>
-            </a:r>
-            <a:endParaRPr lang="es-CO" sz="1600" dirty="0" smtClean="0">
-              <a:solidFill>
-                <a:schemeClr val="bg1">
-                  <a:lumMod val="50000"/>
-                </a:schemeClr>
-              </a:solidFill>
-            </a:endParaRPr>
+              <a:t>SQL</a:t>
+            </a:r>
           </a:p>
           <a:p>
             <a:r>
@@ -3380,46 +3387,8 @@
                   </a:schemeClr>
                 </a:solidFill>
               </a:rPr>
-              <a:t>Ruby</a:t>
-            </a:r>
-            <a:endParaRPr lang="es-CO" sz="1600" dirty="0" smtClean="0">
-              <a:solidFill>
-                <a:schemeClr val="bg1">
-                  <a:lumMod val="50000"/>
-                </a:schemeClr>
-              </a:solidFill>
-            </a:endParaRPr>
-          </a:p>
-          <a:p>
-            <a:r>
-              <a:rPr lang="es-CO" sz="1600" dirty="0" smtClean="0">
-                <a:solidFill>
-                  <a:schemeClr val="bg1">
-                    <a:lumMod val="50000"/>
-                  </a:schemeClr>
-                </a:solidFill>
-              </a:rPr>
-              <a:t>SQL</a:t>
-            </a:r>
-          </a:p>
-          <a:p>
-            <a:r>
-              <a:rPr lang="es-CO" sz="1600" dirty="0" smtClean="0">
-                <a:solidFill>
-                  <a:schemeClr val="bg1">
-                    <a:lumMod val="50000"/>
-                  </a:schemeClr>
-                </a:solidFill>
-              </a:rPr>
               <a:t>SQL_Server</a:t>
             </a:r>
-            <a:endParaRPr lang="es-CO" sz="1600" dirty="0" smtClean="0">
-              <a:solidFill>
-                <a:schemeClr val="bg1">
-                  <a:lumMod val="50000"/>
-                </a:schemeClr>
-              </a:solidFill>
-            </a:endParaRPr>
           </a:p>
           <a:p>
             <a:r>
@@ -4363,851 +4332,30 @@
           <a:chExt cx="0" cy="0"/>
         </a:xfrm>
       </p:grpSpPr>
-      <p:sp>
-        <p:nvSpPr>
-          <p:cNvPr id="4" name="3 CuadroTexto"/>
-          <p:cNvSpPr txBox="1"/>
+      <p:cxnSp>
+        <p:nvCxnSpPr>
+          <p:cNvPr id="77" name="76 Conector recto"/>
+          <p:cNvCxnSpPr/>
           <p:nvPr/>
-        </p:nvSpPr>
-        <p:spPr>
-          <a:xfrm>
-            <a:off x="3571868" y="285728"/>
-            <a:ext cx="1357322" cy="6247864"/>
-          </a:xfrm>
-          <a:prstGeom prst="rect">
+        </p:nvCxnSpPr>
+        <p:spPr>
+          <a:xfrm rot="16200000" flipV="1">
+            <a:off x="3750463" y="1893083"/>
+            <a:ext cx="285752" cy="71438"/>
+          </a:xfrm>
+          <a:prstGeom prst="line">
             <a:avLst/>
           </a:prstGeom>
+          <a:ln w="19050"/>
         </p:spPr>
         <p:style>
           <a:lnRef idx="2">
             <a:schemeClr val="dk1"/>
           </a:lnRef>
-          <a:fillRef idx="1">
-            <a:schemeClr val="lt1"/>
+          <a:fillRef idx="0">
+            <a:schemeClr val="dk1"/>
           </a:fillRef>
-          <a:effectRef idx="0">
-            <a:schemeClr val="dk1"/>
-          </a:effectRef>
-          <a:fontRef idx="minor">
-            <a:schemeClr val="dk1"/>
-          </a:fontRef>
-        </p:style>
-        <p:txBody>
-          <a:bodyPr wrap="square" rtlCol="0">
-            <a:spAutoFit/>
-          </a:bodyPr>
-          <a:lstStyle/>
-          <a:p>
-            <a:pPr algn="ctr"/>
-            <a:r>
-              <a:rPr lang="es-CO" sz="1600" b="1" dirty="0" smtClean="0">
-                <a:solidFill>
-                  <a:schemeClr val="bg1">
-                    <a:lumMod val="50000"/>
-                  </a:schemeClr>
-                </a:solidFill>
-              </a:rPr>
-              <a:t>ENCUESTAS</a:t>
-            </a:r>
-          </a:p>
-          <a:p>
-            <a:r>
-              <a:rPr lang="es-CO" sz="1600" dirty="0" smtClean="0">
-                <a:solidFill>
-                  <a:schemeClr val="bg1">
-                    <a:lumMod val="50000"/>
-                  </a:schemeClr>
-                </a:solidFill>
-              </a:rPr>
-              <a:t>Year</a:t>
-            </a:r>
-          </a:p>
-          <a:p>
-            <a:r>
-              <a:rPr lang="es-CO" sz="1600" dirty="0" smtClean="0">
-                <a:solidFill>
-                  <a:schemeClr val="bg1">
-                    <a:lumMod val="50000"/>
-                  </a:schemeClr>
-                </a:solidFill>
-              </a:rPr>
-              <a:t>Id_Country</a:t>
-            </a:r>
-            <a:endParaRPr lang="es-CO" sz="1600" dirty="0">
-              <a:solidFill>
-                <a:schemeClr val="bg1">
-                  <a:lumMod val="50000"/>
-                </a:schemeClr>
-              </a:solidFill>
-            </a:endParaRPr>
-          </a:p>
-          <a:p>
-            <a:r>
-              <a:rPr lang="es-CO" sz="1600" dirty="0" smtClean="0">
-                <a:solidFill>
-                  <a:schemeClr val="bg1">
-                    <a:lumMod val="50000"/>
-                  </a:schemeClr>
-                </a:solidFill>
-              </a:rPr>
-              <a:t>Id_Experience</a:t>
-            </a:r>
-          </a:p>
-          <a:p>
-            <a:r>
-              <a:rPr lang="es-CO" sz="1600" dirty="0" smtClean="0">
-                <a:solidFill>
-                  <a:schemeClr val="bg1">
-                    <a:lumMod val="50000"/>
-                  </a:schemeClr>
-                </a:solidFill>
-              </a:rPr>
-              <a:t>Id_Salary</a:t>
-            </a:r>
-          </a:p>
-          <a:p>
-            <a:r>
-              <a:rPr lang="es-CO" sz="1600" dirty="0" smtClean="0">
-                <a:solidFill>
-                  <a:schemeClr val="bg1">
-                    <a:lumMod val="50000"/>
-                  </a:schemeClr>
-                </a:solidFill>
-              </a:rPr>
-              <a:t>Id_Age</a:t>
-            </a:r>
-          </a:p>
-          <a:p>
-            <a:r>
-              <a:rPr lang="es-CO" sz="1600" dirty="0" smtClean="0">
-                <a:solidFill>
-                  <a:schemeClr val="bg1">
-                    <a:lumMod val="50000"/>
-                  </a:schemeClr>
-                </a:solidFill>
-              </a:rPr>
-              <a:t>Id_Gender</a:t>
-            </a:r>
-          </a:p>
-          <a:p>
-            <a:r>
-              <a:rPr lang="es-CO" sz="1600" dirty="0" smtClean="0">
-                <a:solidFill>
-                  <a:schemeClr val="bg1">
-                    <a:lumMod val="50000"/>
-                  </a:schemeClr>
-                </a:solidFill>
-              </a:rPr>
-              <a:t>AngularJS</a:t>
-            </a:r>
-            <a:endParaRPr lang="es-CO" sz="1600" dirty="0" smtClean="0">
-              <a:solidFill>
-                <a:schemeClr val="bg1">
-                  <a:lumMod val="50000"/>
-                </a:schemeClr>
-              </a:solidFill>
-            </a:endParaRPr>
-          </a:p>
-          <a:p>
-            <a:r>
-              <a:rPr lang="es-CO" sz="1600" dirty="0" smtClean="0">
-                <a:solidFill>
-                  <a:schemeClr val="bg1">
-                    <a:lumMod val="50000"/>
-                  </a:schemeClr>
-                </a:solidFill>
-              </a:rPr>
-              <a:t>C</a:t>
-            </a:r>
-          </a:p>
-          <a:p>
-            <a:r>
-              <a:rPr lang="es-CO" sz="1600" dirty="0" smtClean="0">
-                <a:solidFill>
-                  <a:schemeClr val="bg1">
-                    <a:lumMod val="50000"/>
-                  </a:schemeClr>
-                </a:solidFill>
-              </a:rPr>
-              <a:t>CPlusPlus</a:t>
-            </a:r>
-            <a:endParaRPr lang="es-CO" sz="1600" dirty="0" smtClean="0">
-              <a:solidFill>
-                <a:schemeClr val="bg1">
-                  <a:lumMod val="50000"/>
-                </a:schemeClr>
-              </a:solidFill>
-            </a:endParaRPr>
-          </a:p>
-          <a:p>
-            <a:r>
-              <a:rPr lang="es-CO" sz="1600" dirty="0" smtClean="0">
-                <a:solidFill>
-                  <a:schemeClr val="bg1">
-                    <a:lumMod val="50000"/>
-                  </a:schemeClr>
-                </a:solidFill>
-              </a:rPr>
-              <a:t>CSharp</a:t>
-            </a:r>
-            <a:r>
-              <a:rPr lang="es-CO" sz="1600" dirty="0" smtClean="0">
-                <a:solidFill>
-                  <a:schemeClr val="bg1">
-                    <a:lumMod val="50000"/>
-                  </a:schemeClr>
-                </a:solidFill>
-              </a:rPr>
-              <a:t>,</a:t>
-            </a:r>
-          </a:p>
-          <a:p>
-            <a:r>
-              <a:rPr lang="es-CO" sz="1600" dirty="0" smtClean="0">
-                <a:solidFill>
-                  <a:schemeClr val="bg1">
-                    <a:lumMod val="50000"/>
-                  </a:schemeClr>
-                </a:solidFill>
-              </a:rPr>
-              <a:t>CSS</a:t>
-            </a:r>
-          </a:p>
-          <a:p>
-            <a:r>
-              <a:rPr lang="es-CO" sz="1600" dirty="0" smtClean="0">
-                <a:solidFill>
-                  <a:schemeClr val="bg1">
-                    <a:lumMod val="50000"/>
-                  </a:schemeClr>
-                </a:solidFill>
-              </a:rPr>
-              <a:t>HTML5</a:t>
-            </a:r>
-          </a:p>
-          <a:p>
-            <a:r>
-              <a:rPr lang="es-CO" sz="1600" dirty="0" smtClean="0">
-                <a:solidFill>
-                  <a:schemeClr val="bg1">
-                    <a:lumMod val="50000"/>
-                  </a:schemeClr>
-                </a:solidFill>
-              </a:rPr>
-              <a:t>Java</a:t>
-            </a:r>
-          </a:p>
-          <a:p>
-            <a:r>
-              <a:rPr lang="es-CO" sz="1600" dirty="0" smtClean="0">
-                <a:solidFill>
-                  <a:schemeClr val="bg1">
-                    <a:lumMod val="50000"/>
-                  </a:schemeClr>
-                </a:solidFill>
-              </a:rPr>
-              <a:t>JavaScript,</a:t>
-            </a:r>
-          </a:p>
-          <a:p>
-            <a:r>
-              <a:rPr lang="es-CO" sz="1600" dirty="0" smtClean="0">
-                <a:solidFill>
-                  <a:schemeClr val="bg1">
-                    <a:lumMod val="50000"/>
-                  </a:schemeClr>
-                </a:solidFill>
-              </a:rPr>
-              <a:t>jQuery</a:t>
-            </a:r>
-          </a:p>
-          <a:p>
-            <a:r>
-              <a:rPr lang="es-CO" sz="1600" dirty="0" smtClean="0">
-                <a:solidFill>
-                  <a:schemeClr val="bg1">
-                    <a:lumMod val="50000"/>
-                  </a:schemeClr>
-                </a:solidFill>
-              </a:rPr>
-              <a:t>Nodejs</a:t>
-            </a:r>
-          </a:p>
-          <a:p>
-            <a:r>
-              <a:rPr lang="es-CO" sz="1600" dirty="0" smtClean="0">
-                <a:solidFill>
-                  <a:schemeClr val="bg1">
-                    <a:lumMod val="50000"/>
-                  </a:schemeClr>
-                </a:solidFill>
-              </a:rPr>
-              <a:t>ObjectiveC</a:t>
-            </a:r>
-          </a:p>
-          <a:p>
-            <a:r>
-              <a:rPr lang="es-CO" sz="1600" dirty="0" smtClean="0">
-                <a:solidFill>
-                  <a:schemeClr val="bg1">
-                    <a:lumMod val="50000"/>
-                  </a:schemeClr>
-                </a:solidFill>
-              </a:rPr>
-              <a:t>Perl</a:t>
-            </a:r>
-          </a:p>
-          <a:p>
-            <a:r>
-              <a:rPr lang="es-CO" sz="1600" dirty="0" smtClean="0">
-                <a:solidFill>
-                  <a:schemeClr val="bg1">
-                    <a:lumMod val="50000"/>
-                  </a:schemeClr>
-                </a:solidFill>
-              </a:rPr>
-              <a:t>PHP</a:t>
-            </a:r>
-          </a:p>
-          <a:p>
-            <a:r>
-              <a:rPr lang="es-CO" sz="1600" dirty="0" smtClean="0">
-                <a:solidFill>
-                  <a:schemeClr val="bg1">
-                    <a:lumMod val="50000"/>
-                  </a:schemeClr>
-                </a:solidFill>
-              </a:rPr>
-              <a:t> </a:t>
-            </a:r>
-            <a:r>
-              <a:rPr lang="es-CO" sz="1600" dirty="0" smtClean="0">
-                <a:solidFill>
-                  <a:schemeClr val="bg1">
-                    <a:lumMod val="50000"/>
-                  </a:schemeClr>
-                </a:solidFill>
-              </a:rPr>
-              <a:t>Python</a:t>
-            </a:r>
-            <a:endParaRPr lang="es-CO" sz="1600" dirty="0" smtClean="0">
-              <a:solidFill>
-                <a:schemeClr val="bg1">
-                  <a:lumMod val="50000"/>
-                </a:schemeClr>
-              </a:solidFill>
-            </a:endParaRPr>
-          </a:p>
-          <a:p>
-            <a:r>
-              <a:rPr lang="es-CO" sz="1600" dirty="0" smtClean="0">
-                <a:solidFill>
-                  <a:schemeClr val="bg1">
-                    <a:lumMod val="50000"/>
-                  </a:schemeClr>
-                </a:solidFill>
-              </a:rPr>
-              <a:t>Ruby</a:t>
-            </a:r>
-            <a:endParaRPr lang="es-CO" sz="1600" dirty="0" smtClean="0">
-              <a:solidFill>
-                <a:schemeClr val="bg1">
-                  <a:lumMod val="50000"/>
-                </a:schemeClr>
-              </a:solidFill>
-            </a:endParaRPr>
-          </a:p>
-          <a:p>
-            <a:r>
-              <a:rPr lang="es-CO" sz="1600" dirty="0" smtClean="0">
-                <a:solidFill>
-                  <a:schemeClr val="bg1">
-                    <a:lumMod val="50000"/>
-                  </a:schemeClr>
-                </a:solidFill>
-              </a:rPr>
-              <a:t>SQL</a:t>
-            </a:r>
-          </a:p>
-          <a:p>
-            <a:r>
-              <a:rPr lang="es-CO" sz="1600" dirty="0" smtClean="0">
-                <a:solidFill>
-                  <a:schemeClr val="bg1">
-                    <a:lumMod val="50000"/>
-                  </a:schemeClr>
-                </a:solidFill>
-              </a:rPr>
-              <a:t>SQL_Server</a:t>
-            </a:r>
-            <a:endParaRPr lang="es-CO" sz="1600" dirty="0" smtClean="0">
-              <a:solidFill>
-                <a:schemeClr val="bg1">
-                  <a:lumMod val="50000"/>
-                </a:schemeClr>
-              </a:solidFill>
-            </a:endParaRPr>
-          </a:p>
-          <a:p>
-            <a:r>
-              <a:rPr lang="es-CO" sz="1600" dirty="0" smtClean="0">
-                <a:solidFill>
-                  <a:schemeClr val="bg1">
-                    <a:lumMod val="50000"/>
-                  </a:schemeClr>
-                </a:solidFill>
-              </a:rPr>
-              <a:t>TypeScript</a:t>
-            </a:r>
-            <a:endParaRPr lang="es-CO" sz="1600" dirty="0">
-              <a:solidFill>
-                <a:schemeClr val="bg1">
-                  <a:lumMod val="50000"/>
-                </a:schemeClr>
-              </a:solidFill>
-            </a:endParaRPr>
-          </a:p>
-        </p:txBody>
-      </p:sp>
-      <p:sp>
-        <p:nvSpPr>
-          <p:cNvPr id="5" name="4 CuadroTexto"/>
-          <p:cNvSpPr txBox="1"/>
-          <p:nvPr/>
-        </p:nvSpPr>
-        <p:spPr>
-          <a:xfrm>
-            <a:off x="642910" y="1026367"/>
-            <a:ext cx="1857388" cy="830997"/>
-          </a:xfrm>
-          <a:prstGeom prst="rect">
-            <a:avLst/>
-          </a:prstGeom>
-        </p:spPr>
-        <p:style>
-          <a:lnRef idx="2">
-            <a:schemeClr val="dk1"/>
-          </a:lnRef>
-          <a:fillRef idx="1">
-            <a:schemeClr val="lt1"/>
-          </a:fillRef>
-          <a:effectRef idx="0">
-            <a:schemeClr val="dk1"/>
-          </a:effectRef>
-          <a:fontRef idx="minor">
-            <a:schemeClr val="dk1"/>
-          </a:fontRef>
-        </p:style>
-        <p:txBody>
-          <a:bodyPr wrap="square" rtlCol="0">
-            <a:spAutoFit/>
-          </a:bodyPr>
-          <a:lstStyle/>
-          <a:p>
-            <a:pPr algn="ctr"/>
-            <a:r>
-              <a:rPr lang="es-CO" sz="1600" b="1" dirty="0" smtClean="0">
-                <a:solidFill>
-                  <a:schemeClr val="bg1">
-                    <a:lumMod val="50000"/>
-                  </a:schemeClr>
-                </a:solidFill>
-              </a:rPr>
-              <a:t>COUNTRY</a:t>
-            </a:r>
-          </a:p>
-          <a:p>
-            <a:r>
-              <a:rPr lang="es-CO" sz="1600" dirty="0" smtClean="0">
-                <a:solidFill>
-                  <a:schemeClr val="bg1">
-                    <a:lumMod val="50000"/>
-                  </a:schemeClr>
-                </a:solidFill>
-              </a:rPr>
-              <a:t>Id_Country</a:t>
-            </a:r>
-          </a:p>
-          <a:p>
-            <a:r>
-              <a:rPr lang="es-CO" sz="1600" dirty="0" smtClean="0">
-                <a:solidFill>
-                  <a:schemeClr val="bg1">
-                    <a:lumMod val="50000"/>
-                  </a:schemeClr>
-                </a:solidFill>
-              </a:rPr>
-              <a:t>Des_Country</a:t>
-            </a:r>
-            <a:endParaRPr lang="es-CO" sz="1600" dirty="0">
-              <a:solidFill>
-                <a:schemeClr val="bg1">
-                  <a:lumMod val="50000"/>
-                </a:schemeClr>
-              </a:solidFill>
-            </a:endParaRPr>
-          </a:p>
-        </p:txBody>
-      </p:sp>
-      <p:sp>
-        <p:nvSpPr>
-          <p:cNvPr id="6" name="5 CuadroTexto"/>
-          <p:cNvSpPr txBox="1"/>
-          <p:nvPr/>
-        </p:nvSpPr>
-        <p:spPr>
-          <a:xfrm>
-            <a:off x="642909" y="4955457"/>
-            <a:ext cx="1945835" cy="830997"/>
-          </a:xfrm>
-          <a:prstGeom prst="rect">
-            <a:avLst/>
-          </a:prstGeom>
-        </p:spPr>
-        <p:style>
-          <a:lnRef idx="2">
-            <a:schemeClr val="dk1"/>
-          </a:lnRef>
-          <a:fillRef idx="1">
-            <a:schemeClr val="lt1"/>
-          </a:fillRef>
-          <a:effectRef idx="0">
-            <a:schemeClr val="dk1"/>
-          </a:effectRef>
-          <a:fontRef idx="minor">
-            <a:schemeClr val="dk1"/>
-          </a:fontRef>
-        </p:style>
-        <p:txBody>
-          <a:bodyPr wrap="square" rtlCol="0">
-            <a:spAutoFit/>
-          </a:bodyPr>
-          <a:lstStyle/>
-          <a:p>
-            <a:pPr algn="ctr"/>
-            <a:r>
-              <a:rPr lang="es-CO" sz="1600" b="1" dirty="0">
-                <a:solidFill>
-                  <a:schemeClr val="bg1">
-                    <a:lumMod val="50000"/>
-                  </a:schemeClr>
-                </a:solidFill>
-              </a:rPr>
-              <a:t>A</a:t>
-            </a:r>
-            <a:r>
-              <a:rPr lang="es-CO" sz="1600" b="1" dirty="0" smtClean="0">
-                <a:solidFill>
-                  <a:schemeClr val="bg1">
-                    <a:lumMod val="50000"/>
-                  </a:schemeClr>
-                </a:solidFill>
-              </a:rPr>
-              <a:t>GE</a:t>
-            </a:r>
-          </a:p>
-          <a:p>
-            <a:r>
-              <a:rPr lang="es-CO" sz="1600" dirty="0" smtClean="0">
-                <a:solidFill>
-                  <a:schemeClr val="bg1">
-                    <a:lumMod val="50000"/>
-                  </a:schemeClr>
-                </a:solidFill>
-              </a:rPr>
-              <a:t>Id_Age</a:t>
-            </a:r>
-          </a:p>
-          <a:p>
-            <a:r>
-              <a:rPr lang="es-CO" sz="1600" dirty="0" smtClean="0">
-                <a:solidFill>
-                  <a:schemeClr val="bg1">
-                    <a:lumMod val="50000"/>
-                  </a:schemeClr>
-                </a:solidFill>
-              </a:rPr>
-              <a:t>Desc_Age</a:t>
-            </a:r>
-            <a:endParaRPr lang="es-CO" sz="1600" dirty="0">
-              <a:solidFill>
-                <a:schemeClr val="bg1">
-                  <a:lumMod val="50000"/>
-                </a:schemeClr>
-              </a:solidFill>
-            </a:endParaRPr>
-          </a:p>
-        </p:txBody>
-      </p:sp>
-      <p:sp>
-        <p:nvSpPr>
-          <p:cNvPr id="7" name="6 CuadroTexto"/>
-          <p:cNvSpPr txBox="1"/>
-          <p:nvPr/>
-        </p:nvSpPr>
-        <p:spPr>
-          <a:xfrm>
-            <a:off x="6143636" y="1026367"/>
-            <a:ext cx="1857388" cy="830997"/>
-          </a:xfrm>
-          <a:prstGeom prst="rect">
-            <a:avLst/>
-          </a:prstGeom>
-        </p:spPr>
-        <p:style>
-          <a:lnRef idx="2">
-            <a:schemeClr val="dk1"/>
-          </a:lnRef>
-          <a:fillRef idx="1">
-            <a:schemeClr val="lt1"/>
-          </a:fillRef>
-          <a:effectRef idx="0">
-            <a:schemeClr val="dk1"/>
-          </a:effectRef>
-          <a:fontRef idx="minor">
-            <a:schemeClr val="dk1"/>
-          </a:fontRef>
-        </p:style>
-        <p:txBody>
-          <a:bodyPr wrap="square" rtlCol="0">
-            <a:spAutoFit/>
-          </a:bodyPr>
-          <a:lstStyle/>
-          <a:p>
-            <a:pPr algn="ctr"/>
-            <a:r>
-              <a:rPr lang="es-CO" sz="1600" b="1" dirty="0" smtClean="0">
-                <a:solidFill>
-                  <a:schemeClr val="bg1">
-                    <a:lumMod val="50000"/>
-                  </a:schemeClr>
-                </a:solidFill>
-              </a:rPr>
-              <a:t>SALARY</a:t>
-            </a:r>
-          </a:p>
-          <a:p>
-            <a:r>
-              <a:rPr lang="es-CO" sz="1600" dirty="0" smtClean="0">
-                <a:solidFill>
-                  <a:schemeClr val="bg1">
-                    <a:lumMod val="50000"/>
-                  </a:schemeClr>
-                </a:solidFill>
-              </a:rPr>
-              <a:t>Id_Salary</a:t>
-            </a:r>
-          </a:p>
-          <a:p>
-            <a:r>
-              <a:rPr lang="es-CO" sz="1600" dirty="0" smtClean="0">
-                <a:solidFill>
-                  <a:schemeClr val="bg1">
-                    <a:lumMod val="50000"/>
-                  </a:schemeClr>
-                </a:solidFill>
-              </a:rPr>
-              <a:t>Desc_Country</a:t>
-            </a:r>
-            <a:endParaRPr lang="es-CO" sz="1600" dirty="0">
-              <a:solidFill>
-                <a:schemeClr val="bg1">
-                  <a:lumMod val="50000"/>
-                </a:schemeClr>
-              </a:solidFill>
-            </a:endParaRPr>
-          </a:p>
-        </p:txBody>
-      </p:sp>
-      <p:sp>
-        <p:nvSpPr>
-          <p:cNvPr id="8" name="7 CuadroTexto"/>
-          <p:cNvSpPr txBox="1"/>
-          <p:nvPr/>
-        </p:nvSpPr>
-        <p:spPr>
-          <a:xfrm>
-            <a:off x="6143635" y="4955457"/>
-            <a:ext cx="1945835" cy="830997"/>
-          </a:xfrm>
-          <a:prstGeom prst="rect">
-            <a:avLst/>
-          </a:prstGeom>
-        </p:spPr>
-        <p:style>
-          <a:lnRef idx="2">
-            <a:schemeClr val="dk1"/>
-          </a:lnRef>
-          <a:fillRef idx="1">
-            <a:schemeClr val="lt1"/>
-          </a:fillRef>
-          <a:effectRef idx="0">
-            <a:schemeClr val="dk1"/>
-          </a:effectRef>
-          <a:fontRef idx="minor">
-            <a:schemeClr val="dk1"/>
-          </a:fontRef>
-        </p:style>
-        <p:txBody>
-          <a:bodyPr wrap="square" rtlCol="0">
-            <a:spAutoFit/>
-          </a:bodyPr>
-          <a:lstStyle/>
-          <a:p>
-            <a:pPr algn="ctr"/>
-            <a:r>
-              <a:rPr lang="es-CO" sz="1600" b="1" dirty="0" smtClean="0">
-                <a:solidFill>
-                  <a:schemeClr val="bg1">
-                    <a:lumMod val="50000"/>
-                  </a:schemeClr>
-                </a:solidFill>
-              </a:rPr>
-              <a:t>GENDER</a:t>
-            </a:r>
-          </a:p>
-          <a:p>
-            <a:r>
-              <a:rPr lang="es-CO" sz="1600" dirty="0" smtClean="0">
-                <a:solidFill>
-                  <a:schemeClr val="bg1">
-                    <a:lumMod val="50000"/>
-                  </a:schemeClr>
-                </a:solidFill>
-              </a:rPr>
-              <a:t>Id_Gender</a:t>
-            </a:r>
-          </a:p>
-          <a:p>
-            <a:r>
-              <a:rPr lang="es-CO" sz="1600" dirty="0" smtClean="0">
-                <a:solidFill>
-                  <a:schemeClr val="bg1">
-                    <a:lumMod val="50000"/>
-                  </a:schemeClr>
-                </a:solidFill>
-              </a:rPr>
-              <a:t>Desc_Gender</a:t>
-            </a:r>
-            <a:endParaRPr lang="es-CO" sz="1600" dirty="0">
-              <a:solidFill>
-                <a:schemeClr val="bg1">
-                  <a:lumMod val="50000"/>
-                </a:schemeClr>
-              </a:solidFill>
-            </a:endParaRPr>
-          </a:p>
-        </p:txBody>
-      </p:sp>
-      <p:sp>
-        <p:nvSpPr>
-          <p:cNvPr id="9" name="8 CuadroTexto"/>
-          <p:cNvSpPr txBox="1"/>
-          <p:nvPr/>
-        </p:nvSpPr>
-        <p:spPr>
-          <a:xfrm>
-            <a:off x="6357950" y="3000372"/>
-            <a:ext cx="1857388" cy="830997"/>
-          </a:xfrm>
-          <a:prstGeom prst="rect">
-            <a:avLst/>
-          </a:prstGeom>
-        </p:spPr>
-        <p:style>
-          <a:lnRef idx="2">
-            <a:schemeClr val="dk1"/>
-          </a:lnRef>
-          <a:fillRef idx="1">
-            <a:schemeClr val="lt1"/>
-          </a:fillRef>
-          <a:effectRef idx="0">
-            <a:schemeClr val="dk1"/>
-          </a:effectRef>
-          <a:fontRef idx="minor">
-            <a:schemeClr val="dk1"/>
-          </a:fontRef>
-        </p:style>
-        <p:txBody>
-          <a:bodyPr wrap="square" rtlCol="0">
-            <a:spAutoFit/>
-          </a:bodyPr>
-          <a:lstStyle/>
-          <a:p>
-            <a:pPr algn="ctr"/>
-            <a:r>
-              <a:rPr lang="es-CO" sz="1600" b="1" dirty="0" smtClean="0">
-                <a:solidFill>
-                  <a:schemeClr val="bg1">
-                    <a:lumMod val="50000"/>
-                  </a:schemeClr>
-                </a:solidFill>
-              </a:rPr>
-              <a:t>EXPERIENCE</a:t>
-            </a:r>
-          </a:p>
-          <a:p>
-            <a:r>
-              <a:rPr lang="es-CO" sz="1600" dirty="0" smtClean="0">
-                <a:solidFill>
-                  <a:schemeClr val="bg1">
-                    <a:lumMod val="50000"/>
-                  </a:schemeClr>
-                </a:solidFill>
-              </a:rPr>
-              <a:t>Id_Experience</a:t>
-            </a:r>
-          </a:p>
-          <a:p>
-            <a:r>
-              <a:rPr lang="es-CO" sz="1600" dirty="0" smtClean="0">
-                <a:solidFill>
-                  <a:schemeClr val="bg1">
-                    <a:lumMod val="50000"/>
-                  </a:schemeClr>
-                </a:solidFill>
-              </a:rPr>
-              <a:t>Desc_Experience</a:t>
-            </a:r>
-            <a:endParaRPr lang="es-CO" sz="1600" dirty="0">
-              <a:solidFill>
-                <a:schemeClr val="bg1">
-                  <a:lumMod val="50000"/>
-                </a:schemeClr>
-              </a:solidFill>
-            </a:endParaRPr>
-          </a:p>
-        </p:txBody>
-      </p:sp>
-      <p:cxnSp>
-        <p:nvCxnSpPr>
-          <p:cNvPr id="11" name="10 Conector recto de flecha"/>
-          <p:cNvCxnSpPr>
-            <a:stCxn id="4" idx="3"/>
-            <a:endCxn id="7" idx="1"/>
-          </p:cNvCxnSpPr>
-          <p:nvPr/>
-        </p:nvCxnSpPr>
-        <p:spPr>
-          <a:xfrm flipV="1">
-            <a:off x="4929190" y="1441866"/>
-            <a:ext cx="1214446" cy="1967794"/>
-          </a:xfrm>
-          <a:prstGeom prst="straightConnector1">
-            <a:avLst/>
-          </a:prstGeom>
-          <a:ln>
-            <a:tailEnd type="arrow"/>
-          </a:ln>
-        </p:spPr>
-        <p:style>
-          <a:lnRef idx="3">
-            <a:schemeClr val="dk1"/>
-          </a:lnRef>
-          <a:fillRef idx="0">
-            <a:schemeClr val="dk1"/>
-          </a:fillRef>
-          <a:effectRef idx="2">
+          <a:effectRef idx="1">
             <a:schemeClr val="dk1"/>
           </a:effectRef>
           <a:fontRef idx="minor">
@@ -5217,33 +4365,28 @@
       </p:cxnSp>
       <p:cxnSp>
         <p:nvCxnSpPr>
-          <p:cNvPr id="12" name="11 Conector recto de flecha"/>
-          <p:cNvCxnSpPr>
-            <a:stCxn id="4" idx="3"/>
-            <a:endCxn id="9" idx="1"/>
-          </p:cNvCxnSpPr>
+          <p:cNvPr id="79" name="78 Conector recto"/>
+          <p:cNvCxnSpPr/>
           <p:nvPr/>
         </p:nvCxnSpPr>
         <p:spPr>
-          <a:xfrm>
-            <a:off x="4929190" y="3409660"/>
-            <a:ext cx="1428760" cy="6211"/>
-          </a:xfrm>
-          <a:prstGeom prst="straightConnector1">
+          <a:xfrm rot="10800000">
+            <a:off x="3857620" y="1785926"/>
+            <a:ext cx="285752" cy="71438"/>
+          </a:xfrm>
+          <a:prstGeom prst="line">
             <a:avLst/>
           </a:prstGeom>
-          <a:ln>
-            <a:tailEnd type="arrow"/>
-          </a:ln>
+          <a:ln w="19050"/>
         </p:spPr>
         <p:style>
-          <a:lnRef idx="3">
+          <a:lnRef idx="2">
             <a:schemeClr val="dk1"/>
           </a:lnRef>
           <a:fillRef idx="0">
             <a:schemeClr val="dk1"/>
           </a:fillRef>
-          <a:effectRef idx="2">
+          <a:effectRef idx="1">
             <a:schemeClr val="dk1"/>
           </a:effectRef>
           <a:fontRef idx="minor">
@@ -5253,33 +4396,28 @@
       </p:cxnSp>
       <p:cxnSp>
         <p:nvCxnSpPr>
-          <p:cNvPr id="15" name="14 Conector recto de flecha"/>
-          <p:cNvCxnSpPr>
-            <a:stCxn id="4" idx="1"/>
-            <a:endCxn id="5" idx="3"/>
-          </p:cNvCxnSpPr>
+          <p:cNvPr id="72" name="71 Conector recto"/>
+          <p:cNvCxnSpPr/>
           <p:nvPr/>
         </p:nvCxnSpPr>
         <p:spPr>
-          <a:xfrm rot="10800000">
-            <a:off x="2500298" y="1441866"/>
-            <a:ext cx="1071570" cy="1967794"/>
-          </a:xfrm>
-          <a:prstGeom prst="straightConnector1">
+          <a:xfrm rot="16200000" flipH="1">
+            <a:off x="3036083" y="2321711"/>
+            <a:ext cx="214314" cy="142876"/>
+          </a:xfrm>
+          <a:prstGeom prst="line">
             <a:avLst/>
           </a:prstGeom>
-          <a:ln>
-            <a:tailEnd type="arrow"/>
-          </a:ln>
+          <a:ln w="19050"/>
         </p:spPr>
         <p:style>
-          <a:lnRef idx="3">
+          <a:lnRef idx="2">
             <a:schemeClr val="dk1"/>
           </a:lnRef>
           <a:fillRef idx="0">
             <a:schemeClr val="dk1"/>
           </a:fillRef>
-          <a:effectRef idx="2">
+          <a:effectRef idx="1">
             <a:schemeClr val="dk1"/>
           </a:effectRef>
           <a:fontRef idx="minor">
@@ -5289,32 +4427,28 @@
       </p:cxnSp>
       <p:cxnSp>
         <p:nvCxnSpPr>
-          <p:cNvPr id="18" name="17 Conector recto de flecha"/>
-          <p:cNvCxnSpPr>
-            <a:stCxn id="4" idx="1"/>
-          </p:cNvCxnSpPr>
+          <p:cNvPr id="66" name="65 Conector recto"/>
+          <p:cNvCxnSpPr/>
           <p:nvPr/>
         </p:nvCxnSpPr>
         <p:spPr>
-          <a:xfrm rot="10800000" flipV="1">
-            <a:off x="2571736" y="3409659"/>
-            <a:ext cx="1000132" cy="1948167"/>
-          </a:xfrm>
-          <a:prstGeom prst="straightConnector1">
+          <a:xfrm flipV="1">
+            <a:off x="3071802" y="2214554"/>
+            <a:ext cx="571504" cy="71438"/>
+          </a:xfrm>
+          <a:prstGeom prst="line">
             <a:avLst/>
           </a:prstGeom>
-          <a:ln>
-            <a:tailEnd type="arrow"/>
-          </a:ln>
+          <a:ln w="19050"/>
         </p:spPr>
         <p:style>
-          <a:lnRef idx="3">
+          <a:lnRef idx="2">
             <a:schemeClr val="dk1"/>
           </a:lnRef>
           <a:fillRef idx="0">
             <a:schemeClr val="dk1"/>
           </a:fillRef>
-          <a:effectRef idx="2">
+          <a:effectRef idx="1">
             <a:schemeClr val="dk1"/>
           </a:effectRef>
           <a:fontRef idx="minor">
@@ -5324,33 +4458,28 @@
       </p:cxnSp>
       <p:cxnSp>
         <p:nvCxnSpPr>
-          <p:cNvPr id="20" name="19 Conector recto de flecha"/>
-          <p:cNvCxnSpPr>
-            <a:stCxn id="4" idx="3"/>
-            <a:endCxn id="8" idx="1"/>
-          </p:cNvCxnSpPr>
+          <p:cNvPr id="64" name="63 Conector recto"/>
+          <p:cNvCxnSpPr/>
           <p:nvPr/>
         </p:nvCxnSpPr>
         <p:spPr>
-          <a:xfrm>
-            <a:off x="4929190" y="3409660"/>
-            <a:ext cx="1214445" cy="1961296"/>
-          </a:xfrm>
-          <a:prstGeom prst="straightConnector1">
+          <a:xfrm rot="5400000">
+            <a:off x="3536149" y="2964653"/>
+            <a:ext cx="285752" cy="71438"/>
+          </a:xfrm>
+          <a:prstGeom prst="line">
             <a:avLst/>
           </a:prstGeom>
-          <a:ln>
-            <a:tailEnd type="arrow"/>
-          </a:ln>
+          <a:ln w="19050"/>
         </p:spPr>
         <p:style>
-          <a:lnRef idx="3">
+          <a:lnRef idx="2">
             <a:schemeClr val="dk1"/>
           </a:lnRef>
           <a:fillRef idx="0">
             <a:schemeClr val="dk1"/>
           </a:fillRef>
-          <a:effectRef idx="2">
+          <a:effectRef idx="1">
             <a:schemeClr val="dk1"/>
           </a:effectRef>
           <a:fontRef idx="minor">
@@ -5358,318 +4487,1120 @@
           </a:fontRef>
         </p:style>
       </p:cxnSp>
-      <p:sp>
-        <p:nvSpPr>
-          <p:cNvPr id="25" name="24 CuadroTexto"/>
+      <p:cxnSp>
+        <p:nvCxnSpPr>
+          <p:cNvPr id="57" name="56 Conector recto"/>
+          <p:cNvCxnSpPr/>
+          <p:nvPr/>
+        </p:nvCxnSpPr>
+        <p:spPr>
+          <a:xfrm>
+            <a:off x="4786314" y="2928934"/>
+            <a:ext cx="357190" cy="71438"/>
+          </a:xfrm>
+          <a:prstGeom prst="line">
+            <a:avLst/>
+          </a:prstGeom>
+          <a:ln w="19050"/>
+        </p:spPr>
+        <p:style>
+          <a:lnRef idx="2">
+            <a:schemeClr val="dk1"/>
+          </a:lnRef>
+          <a:fillRef idx="0">
+            <a:schemeClr val="dk1"/>
+          </a:fillRef>
+          <a:effectRef idx="1">
+            <a:schemeClr val="dk1"/>
+          </a:effectRef>
+          <a:fontRef idx="minor">
+            <a:schemeClr val="tx1"/>
+          </a:fontRef>
+        </p:style>
+      </p:cxnSp>
+      <p:cxnSp>
+        <p:nvCxnSpPr>
+          <p:cNvPr id="59" name="58 Conector recto"/>
+          <p:cNvCxnSpPr/>
+          <p:nvPr/>
+        </p:nvCxnSpPr>
+        <p:spPr>
+          <a:xfrm rot="16200000" flipH="1">
+            <a:off x="4929190" y="2786058"/>
+            <a:ext cx="285752" cy="142876"/>
+          </a:xfrm>
+          <a:prstGeom prst="line">
+            <a:avLst/>
+          </a:prstGeom>
+          <a:ln w="19050"/>
+        </p:spPr>
+        <p:style>
+          <a:lnRef idx="2">
+            <a:schemeClr val="dk1"/>
+          </a:lnRef>
+          <a:fillRef idx="0">
+            <a:schemeClr val="dk1"/>
+          </a:fillRef>
+          <a:effectRef idx="1">
+            <a:schemeClr val="dk1"/>
+          </a:effectRef>
+          <a:fontRef idx="minor">
+            <a:schemeClr val="tx1"/>
+          </a:fontRef>
+        </p:style>
+      </p:cxnSp>
+      <p:sp>
+        <p:nvSpPr>
+          <p:cNvPr id="14" name="13 Rectángulo redondeado"/>
+          <p:cNvSpPr/>
+          <p:nvPr/>
+        </p:nvSpPr>
+        <p:spPr>
+          <a:xfrm>
+            <a:off x="3714744" y="3643314"/>
+            <a:ext cx="1000132" cy="3071834"/>
+          </a:xfrm>
+          <a:prstGeom prst="roundRect">
+            <a:avLst/>
+          </a:prstGeom>
+        </p:spPr>
+        <p:style>
+          <a:lnRef idx="2">
+            <a:schemeClr val="dk1"/>
+          </a:lnRef>
+          <a:fillRef idx="1">
+            <a:schemeClr val="lt1"/>
+          </a:fillRef>
+          <a:effectRef idx="0">
+            <a:schemeClr val="dk1"/>
+          </a:effectRef>
+          <a:fontRef idx="minor">
+            <a:schemeClr val="dk1"/>
+          </a:fontRef>
+        </p:style>
+        <p:txBody>
+          <a:bodyPr rtlCol="0" anchor="ctr"/>
+          <a:lstStyle/>
+          <a:p>
+            <a:r>
+              <a:rPr lang="es-CO" sz="1000" dirty="0" smtClean="0">
+                <a:solidFill>
+                  <a:schemeClr val="bg1">
+                    <a:lumMod val="50000"/>
+                  </a:schemeClr>
+                </a:solidFill>
+              </a:rPr>
+              <a:t>AngularJS</a:t>
+            </a:r>
+          </a:p>
+          <a:p>
+            <a:r>
+              <a:rPr lang="es-CO" sz="1000" dirty="0" smtClean="0">
+                <a:solidFill>
+                  <a:schemeClr val="bg1">
+                    <a:lumMod val="50000"/>
+                  </a:schemeClr>
+                </a:solidFill>
+              </a:rPr>
+              <a:t>C</a:t>
+            </a:r>
+          </a:p>
+          <a:p>
+            <a:r>
+              <a:rPr lang="es-CO" sz="1000" dirty="0" smtClean="0">
+                <a:solidFill>
+                  <a:schemeClr val="bg1">
+                    <a:lumMod val="50000"/>
+                  </a:schemeClr>
+                </a:solidFill>
+              </a:rPr>
+              <a:t>CPlusPlus</a:t>
+            </a:r>
+          </a:p>
+          <a:p>
+            <a:r>
+              <a:rPr lang="es-CO" sz="1000" dirty="0" smtClean="0">
+                <a:solidFill>
+                  <a:schemeClr val="bg1">
+                    <a:lumMod val="50000"/>
+                  </a:schemeClr>
+                </a:solidFill>
+              </a:rPr>
+              <a:t>CSharp,</a:t>
+            </a:r>
+          </a:p>
+          <a:p>
+            <a:r>
+              <a:rPr lang="es-CO" sz="1000" dirty="0" smtClean="0">
+                <a:solidFill>
+                  <a:schemeClr val="bg1">
+                    <a:lumMod val="50000"/>
+                  </a:schemeClr>
+                </a:solidFill>
+              </a:rPr>
+              <a:t>CSS</a:t>
+            </a:r>
+          </a:p>
+          <a:p>
+            <a:r>
+              <a:rPr lang="es-CO" sz="1000" dirty="0" smtClean="0">
+                <a:solidFill>
+                  <a:schemeClr val="bg1">
+                    <a:lumMod val="50000"/>
+                  </a:schemeClr>
+                </a:solidFill>
+              </a:rPr>
+              <a:t>HTML5</a:t>
+            </a:r>
+          </a:p>
+          <a:p>
+            <a:r>
+              <a:rPr lang="es-CO" sz="1000" dirty="0" smtClean="0">
+                <a:solidFill>
+                  <a:schemeClr val="bg1">
+                    <a:lumMod val="50000"/>
+                  </a:schemeClr>
+                </a:solidFill>
+              </a:rPr>
+              <a:t>Java</a:t>
+            </a:r>
+          </a:p>
+          <a:p>
+            <a:r>
+              <a:rPr lang="es-CO" sz="1000" dirty="0" smtClean="0">
+                <a:solidFill>
+                  <a:schemeClr val="bg1">
+                    <a:lumMod val="50000"/>
+                  </a:schemeClr>
+                </a:solidFill>
+              </a:rPr>
+              <a:t>JavaScript,</a:t>
+            </a:r>
+          </a:p>
+          <a:p>
+            <a:r>
+              <a:rPr lang="es-CO" sz="1000" dirty="0" smtClean="0">
+                <a:solidFill>
+                  <a:schemeClr val="bg1">
+                    <a:lumMod val="50000"/>
+                  </a:schemeClr>
+                </a:solidFill>
+              </a:rPr>
+              <a:t>jQuery</a:t>
+            </a:r>
+          </a:p>
+          <a:p>
+            <a:r>
+              <a:rPr lang="es-CO" sz="1000" dirty="0" smtClean="0">
+                <a:solidFill>
+                  <a:schemeClr val="bg1">
+                    <a:lumMod val="50000"/>
+                  </a:schemeClr>
+                </a:solidFill>
+              </a:rPr>
+              <a:t>Nodejs</a:t>
+            </a:r>
+          </a:p>
+          <a:p>
+            <a:r>
+              <a:rPr lang="es-CO" sz="1000" dirty="0" smtClean="0">
+                <a:solidFill>
+                  <a:schemeClr val="bg1">
+                    <a:lumMod val="50000"/>
+                  </a:schemeClr>
+                </a:solidFill>
+              </a:rPr>
+              <a:t>ObjectiveC</a:t>
+            </a:r>
+          </a:p>
+          <a:p>
+            <a:r>
+              <a:rPr lang="es-CO" sz="1000" dirty="0" smtClean="0">
+                <a:solidFill>
+                  <a:schemeClr val="bg1">
+                    <a:lumMod val="50000"/>
+                  </a:schemeClr>
+                </a:solidFill>
+              </a:rPr>
+              <a:t>Perl</a:t>
+            </a:r>
+          </a:p>
+          <a:p>
+            <a:r>
+              <a:rPr lang="es-CO" sz="1000" dirty="0" smtClean="0">
+                <a:solidFill>
+                  <a:schemeClr val="bg1">
+                    <a:lumMod val="50000"/>
+                  </a:schemeClr>
+                </a:solidFill>
+              </a:rPr>
+              <a:t>PHP</a:t>
+            </a:r>
+          </a:p>
+          <a:p>
+            <a:r>
+              <a:rPr lang="es-CO" sz="1000" dirty="0" smtClean="0">
+                <a:solidFill>
+                  <a:schemeClr val="bg1">
+                    <a:lumMod val="50000"/>
+                  </a:schemeClr>
+                </a:solidFill>
+              </a:rPr>
+              <a:t> Python</a:t>
+            </a:r>
+          </a:p>
+          <a:p>
+            <a:r>
+              <a:rPr lang="es-CO" sz="1000" dirty="0" smtClean="0">
+                <a:solidFill>
+                  <a:schemeClr val="bg1">
+                    <a:lumMod val="50000"/>
+                  </a:schemeClr>
+                </a:solidFill>
+              </a:rPr>
+              <a:t>Ruby</a:t>
+            </a:r>
+          </a:p>
+          <a:p>
+            <a:r>
+              <a:rPr lang="es-CO" sz="1000" dirty="0" smtClean="0">
+                <a:solidFill>
+                  <a:schemeClr val="bg1">
+                    <a:lumMod val="50000"/>
+                  </a:schemeClr>
+                </a:solidFill>
+              </a:rPr>
+              <a:t>SQL</a:t>
+            </a:r>
+          </a:p>
+          <a:p>
+            <a:r>
+              <a:rPr lang="es-CO" sz="1000" dirty="0" smtClean="0">
+                <a:solidFill>
+                  <a:schemeClr val="bg1">
+                    <a:lumMod val="50000"/>
+                  </a:schemeClr>
+                </a:solidFill>
+              </a:rPr>
+              <a:t>SQL_Server</a:t>
+            </a:r>
+          </a:p>
+          <a:p>
+            <a:r>
+              <a:rPr lang="es-CO" sz="1000" dirty="0" smtClean="0">
+                <a:solidFill>
+                  <a:schemeClr val="bg1">
+                    <a:lumMod val="50000"/>
+                  </a:schemeClr>
+                </a:solidFill>
+              </a:rPr>
+              <a:t>TypeScript</a:t>
+            </a:r>
+            <a:endParaRPr lang="es-CO" sz="1000" dirty="0">
+              <a:solidFill>
+                <a:schemeClr val="bg1">
+                  <a:lumMod val="50000"/>
+                </a:schemeClr>
+              </a:solidFill>
+            </a:endParaRPr>
+          </a:p>
+        </p:txBody>
+      </p:sp>
+      <p:cxnSp>
+        <p:nvCxnSpPr>
+          <p:cNvPr id="15" name="14 Conector recto"/>
+          <p:cNvCxnSpPr/>
+          <p:nvPr/>
+        </p:nvCxnSpPr>
+        <p:spPr>
+          <a:xfrm rot="10800000" flipV="1">
+            <a:off x="2928926" y="3000372"/>
+            <a:ext cx="857257" cy="785819"/>
+          </a:xfrm>
+          <a:prstGeom prst="line">
+            <a:avLst/>
+          </a:prstGeom>
+          <a:ln w="28575"/>
+        </p:spPr>
+        <p:style>
+          <a:lnRef idx="3">
+            <a:schemeClr val="dk1"/>
+          </a:lnRef>
+          <a:fillRef idx="0">
+            <a:schemeClr val="dk1"/>
+          </a:fillRef>
+          <a:effectRef idx="2">
+            <a:schemeClr val="dk1"/>
+          </a:effectRef>
+          <a:fontRef idx="minor">
+            <a:schemeClr val="tx1"/>
+          </a:fontRef>
+        </p:style>
+      </p:cxnSp>
+      <p:cxnSp>
+        <p:nvCxnSpPr>
+          <p:cNvPr id="17" name="16 Conector recto"/>
+          <p:cNvCxnSpPr/>
+          <p:nvPr/>
+        </p:nvCxnSpPr>
+        <p:spPr>
+          <a:xfrm rot="10800000" flipV="1">
+            <a:off x="5000628" y="1571611"/>
+            <a:ext cx="1000132" cy="785819"/>
+          </a:xfrm>
+          <a:prstGeom prst="line">
+            <a:avLst/>
+          </a:prstGeom>
+          <a:ln w="28575"/>
+        </p:spPr>
+        <p:style>
+          <a:lnRef idx="3">
+            <a:schemeClr val="dk1"/>
+          </a:lnRef>
+          <a:fillRef idx="0">
+            <a:schemeClr val="dk1"/>
+          </a:fillRef>
+          <a:effectRef idx="2">
+            <a:schemeClr val="dk1"/>
+          </a:effectRef>
+          <a:fontRef idx="minor">
+            <a:schemeClr val="tx1"/>
+          </a:fontRef>
+        </p:style>
+      </p:cxnSp>
+      <p:cxnSp>
+        <p:nvCxnSpPr>
+          <p:cNvPr id="18" name="17 Conector recto"/>
+          <p:cNvCxnSpPr/>
+          <p:nvPr/>
+        </p:nvCxnSpPr>
+        <p:spPr>
+          <a:xfrm rot="10800000">
+            <a:off x="4929190" y="2857496"/>
+            <a:ext cx="1000132" cy="642942"/>
+          </a:xfrm>
+          <a:prstGeom prst="line">
+            <a:avLst/>
+          </a:prstGeom>
+          <a:ln w="28575"/>
+        </p:spPr>
+        <p:style>
+          <a:lnRef idx="3">
+            <a:schemeClr val="dk1"/>
+          </a:lnRef>
+          <a:fillRef idx="0">
+            <a:schemeClr val="dk1"/>
+          </a:fillRef>
+          <a:effectRef idx="2">
+            <a:schemeClr val="dk1"/>
+          </a:effectRef>
+          <a:fontRef idx="minor">
+            <a:schemeClr val="tx1"/>
+          </a:fontRef>
+        </p:style>
+      </p:cxnSp>
+      <p:cxnSp>
+        <p:nvCxnSpPr>
+          <p:cNvPr id="23" name="22 Conector recto"/>
+          <p:cNvCxnSpPr>
+            <a:endCxn id="33" idx="3"/>
+          </p:cNvCxnSpPr>
+          <p:nvPr/>
+        </p:nvCxnSpPr>
+        <p:spPr>
+          <a:xfrm rot="10800000">
+            <a:off x="2071670" y="2201426"/>
+            <a:ext cx="1357322" cy="156005"/>
+          </a:xfrm>
+          <a:prstGeom prst="line">
+            <a:avLst/>
+          </a:prstGeom>
+          <a:ln w="28575"/>
+        </p:spPr>
+        <p:style>
+          <a:lnRef idx="3">
+            <a:schemeClr val="dk1"/>
+          </a:lnRef>
+          <a:fillRef idx="0">
+            <a:schemeClr val="dk1"/>
+          </a:fillRef>
+          <a:effectRef idx="2">
+            <a:schemeClr val="dk1"/>
+          </a:effectRef>
+          <a:fontRef idx="minor">
+            <a:schemeClr val="tx1"/>
+          </a:fontRef>
+        </p:style>
+      </p:cxnSp>
+      <p:cxnSp>
+        <p:nvCxnSpPr>
+          <p:cNvPr id="26" name="25 Conector recto"/>
+          <p:cNvCxnSpPr/>
+          <p:nvPr/>
+        </p:nvCxnSpPr>
+        <p:spPr>
+          <a:xfrm rot="10800000">
+            <a:off x="3000364" y="1000108"/>
+            <a:ext cx="1000132" cy="928694"/>
+          </a:xfrm>
+          <a:prstGeom prst="line">
+            <a:avLst/>
+          </a:prstGeom>
+          <a:ln w="28575"/>
+        </p:spPr>
+        <p:style>
+          <a:lnRef idx="3">
+            <a:schemeClr val="dk1"/>
+          </a:lnRef>
+          <a:fillRef idx="0">
+            <a:schemeClr val="dk1"/>
+          </a:fillRef>
+          <a:effectRef idx="2">
+            <a:schemeClr val="dk1"/>
+          </a:effectRef>
+          <a:fontRef idx="minor">
+            <a:schemeClr val="tx1"/>
+          </a:fontRef>
+        </p:style>
+      </p:cxnSp>
+      <p:sp>
+        <p:nvSpPr>
+          <p:cNvPr id="32" name="31 CuadroTexto"/>
           <p:cNvSpPr txBox="1"/>
           <p:nvPr/>
         </p:nvSpPr>
         <p:spPr>
           <a:xfrm>
-            <a:off x="2643174" y="1214422"/>
-            <a:ext cx="142876" cy="400110"/>
+            <a:off x="1142976" y="571480"/>
+            <a:ext cx="1857388" cy="830997"/>
           </a:xfrm>
           <a:prstGeom prst="rect">
             <a:avLst/>
           </a:prstGeom>
-          <a:noFill/>
-        </p:spPr>
+        </p:spPr>
+        <p:style>
+          <a:lnRef idx="2">
+            <a:schemeClr val="dk1"/>
+          </a:lnRef>
+          <a:fillRef idx="1">
+            <a:schemeClr val="lt1"/>
+          </a:fillRef>
+          <a:effectRef idx="0">
+            <a:schemeClr val="dk1"/>
+          </a:effectRef>
+          <a:fontRef idx="minor">
+            <a:schemeClr val="dk1"/>
+          </a:fontRef>
+        </p:style>
         <p:txBody>
           <a:bodyPr wrap="square" rtlCol="0">
             <a:spAutoFit/>
           </a:bodyPr>
           <a:lstStyle/>
           <a:p>
-            <a:r>
-              <a:rPr lang="es-CO" sz="2000" b="1" dirty="0" smtClean="0"/>
-              <a:t>1</a:t>
-            </a:r>
-            <a:endParaRPr lang="es-CO" sz="2000" b="1" dirty="0"/>
-          </a:p>
-        </p:txBody>
-      </p:sp>
-      <p:sp>
-        <p:nvSpPr>
-          <p:cNvPr id="26" name="25 CuadroTexto"/>
+            <a:pPr algn="ctr"/>
+            <a:r>
+              <a:rPr lang="es-CO" sz="1600" b="1" dirty="0" smtClean="0">
+                <a:solidFill>
+                  <a:schemeClr val="bg1">
+                    <a:lumMod val="50000"/>
+                  </a:schemeClr>
+                </a:solidFill>
+              </a:rPr>
+              <a:t>COUNTRY</a:t>
+            </a:r>
+          </a:p>
+          <a:p>
+            <a:r>
+              <a:rPr lang="es-CO" sz="1600" dirty="0" smtClean="0">
+                <a:solidFill>
+                  <a:schemeClr val="bg1">
+                    <a:lumMod val="50000"/>
+                  </a:schemeClr>
+                </a:solidFill>
+              </a:rPr>
+              <a:t>Id_Country</a:t>
+            </a:r>
+          </a:p>
+          <a:p>
+            <a:r>
+              <a:rPr lang="es-CO" sz="1600" dirty="0" smtClean="0">
+                <a:solidFill>
+                  <a:schemeClr val="bg1">
+                    <a:lumMod val="50000"/>
+                  </a:schemeClr>
+                </a:solidFill>
+              </a:rPr>
+              <a:t>Des_Country</a:t>
+            </a:r>
+            <a:endParaRPr lang="es-CO" sz="1600" dirty="0">
+              <a:solidFill>
+                <a:schemeClr val="bg1">
+                  <a:lumMod val="50000"/>
+                </a:schemeClr>
+              </a:solidFill>
+            </a:endParaRPr>
+          </a:p>
+        </p:txBody>
+      </p:sp>
+      <p:sp>
+        <p:nvSpPr>
+          <p:cNvPr id="33" name="32 CuadroTexto"/>
           <p:cNvSpPr txBox="1"/>
           <p:nvPr/>
         </p:nvSpPr>
         <p:spPr>
           <a:xfrm>
-            <a:off x="5857884" y="4572008"/>
-            <a:ext cx="142876" cy="400110"/>
+            <a:off x="125835" y="1785926"/>
+            <a:ext cx="1945835" cy="830997"/>
           </a:xfrm>
           <a:prstGeom prst="rect">
             <a:avLst/>
           </a:prstGeom>
-          <a:noFill/>
-        </p:spPr>
+        </p:spPr>
+        <p:style>
+          <a:lnRef idx="2">
+            <a:schemeClr val="dk1"/>
+          </a:lnRef>
+          <a:fillRef idx="1">
+            <a:schemeClr val="lt1"/>
+          </a:fillRef>
+          <a:effectRef idx="0">
+            <a:schemeClr val="dk1"/>
+          </a:effectRef>
+          <a:fontRef idx="minor">
+            <a:schemeClr val="dk1"/>
+          </a:fontRef>
+        </p:style>
         <p:txBody>
           <a:bodyPr wrap="square" rtlCol="0">
             <a:spAutoFit/>
           </a:bodyPr>
           <a:lstStyle/>
           <a:p>
-            <a:r>
-              <a:rPr lang="es-CO" sz="2000" b="1" dirty="0" smtClean="0"/>
-              <a:t>1</a:t>
-            </a:r>
-            <a:endParaRPr lang="es-CO" sz="2000" b="1" dirty="0"/>
-          </a:p>
-        </p:txBody>
-      </p:sp>
-      <p:sp>
-        <p:nvSpPr>
-          <p:cNvPr id="27" name="26 CuadroTexto"/>
+            <a:pPr algn="ctr"/>
+            <a:r>
+              <a:rPr lang="es-CO" sz="1600" b="1" dirty="0">
+                <a:solidFill>
+                  <a:schemeClr val="bg1">
+                    <a:lumMod val="50000"/>
+                  </a:schemeClr>
+                </a:solidFill>
+              </a:rPr>
+              <a:t>A</a:t>
+            </a:r>
+            <a:r>
+              <a:rPr lang="es-CO" sz="1600" b="1" dirty="0" smtClean="0">
+                <a:solidFill>
+                  <a:schemeClr val="bg1">
+                    <a:lumMod val="50000"/>
+                  </a:schemeClr>
+                </a:solidFill>
+              </a:rPr>
+              <a:t>GE</a:t>
+            </a:r>
+          </a:p>
+          <a:p>
+            <a:r>
+              <a:rPr lang="es-CO" sz="1600" dirty="0" smtClean="0">
+                <a:solidFill>
+                  <a:schemeClr val="bg1">
+                    <a:lumMod val="50000"/>
+                  </a:schemeClr>
+                </a:solidFill>
+              </a:rPr>
+              <a:t>Id_Age</a:t>
+            </a:r>
+          </a:p>
+          <a:p>
+            <a:r>
+              <a:rPr lang="es-CO" sz="1600" dirty="0" smtClean="0">
+                <a:solidFill>
+                  <a:schemeClr val="bg1">
+                    <a:lumMod val="50000"/>
+                  </a:schemeClr>
+                </a:solidFill>
+              </a:rPr>
+              <a:t>Desc_Age</a:t>
+            </a:r>
+            <a:endParaRPr lang="es-CO" sz="1600" dirty="0">
+              <a:solidFill>
+                <a:schemeClr val="bg1">
+                  <a:lumMod val="50000"/>
+                </a:schemeClr>
+              </a:solidFill>
+            </a:endParaRPr>
+          </a:p>
+        </p:txBody>
+      </p:sp>
+      <p:sp>
+        <p:nvSpPr>
+          <p:cNvPr id="34" name="33 CuadroTexto"/>
           <p:cNvSpPr txBox="1"/>
           <p:nvPr/>
         </p:nvSpPr>
         <p:spPr>
           <a:xfrm>
-            <a:off x="5929322" y="3000372"/>
-            <a:ext cx="142876" cy="400110"/>
+            <a:off x="6000760" y="1071546"/>
+            <a:ext cx="1857388" cy="830997"/>
           </a:xfrm>
           <a:prstGeom prst="rect">
             <a:avLst/>
           </a:prstGeom>
-          <a:noFill/>
-        </p:spPr>
+        </p:spPr>
+        <p:style>
+          <a:lnRef idx="2">
+            <a:schemeClr val="dk1"/>
+          </a:lnRef>
+          <a:fillRef idx="1">
+            <a:schemeClr val="lt1"/>
+          </a:fillRef>
+          <a:effectRef idx="0">
+            <a:schemeClr val="dk1"/>
+          </a:effectRef>
+          <a:fontRef idx="minor">
+            <a:schemeClr val="dk1"/>
+          </a:fontRef>
+        </p:style>
         <p:txBody>
           <a:bodyPr wrap="square" rtlCol="0">
             <a:spAutoFit/>
           </a:bodyPr>
           <a:lstStyle/>
           <a:p>
-            <a:r>
-              <a:rPr lang="es-CO" sz="2000" b="1" dirty="0" smtClean="0"/>
-              <a:t>1</a:t>
-            </a:r>
-            <a:endParaRPr lang="es-CO" sz="2000" b="1" dirty="0"/>
-          </a:p>
-        </p:txBody>
-      </p:sp>
-      <p:sp>
-        <p:nvSpPr>
-          <p:cNvPr id="28" name="27 CuadroTexto"/>
+            <a:pPr algn="ctr"/>
+            <a:r>
+              <a:rPr lang="es-CO" sz="1600" b="1" dirty="0" smtClean="0">
+                <a:solidFill>
+                  <a:schemeClr val="bg1">
+                    <a:lumMod val="50000"/>
+                  </a:schemeClr>
+                </a:solidFill>
+              </a:rPr>
+              <a:t>SALARY</a:t>
+            </a:r>
+          </a:p>
+          <a:p>
+            <a:r>
+              <a:rPr lang="es-CO" sz="1600" dirty="0" smtClean="0">
+                <a:solidFill>
+                  <a:schemeClr val="bg1">
+                    <a:lumMod val="50000"/>
+                  </a:schemeClr>
+                </a:solidFill>
+              </a:rPr>
+              <a:t>Id_Salary</a:t>
+            </a:r>
+          </a:p>
+          <a:p>
+            <a:r>
+              <a:rPr lang="es-CO" sz="1600" dirty="0" smtClean="0">
+                <a:solidFill>
+                  <a:schemeClr val="bg1">
+                    <a:lumMod val="50000"/>
+                  </a:schemeClr>
+                </a:solidFill>
+              </a:rPr>
+              <a:t>Desc_Country</a:t>
+            </a:r>
+            <a:endParaRPr lang="es-CO" sz="1600" dirty="0">
+              <a:solidFill>
+                <a:schemeClr val="bg1">
+                  <a:lumMod val="50000"/>
+                </a:schemeClr>
+              </a:solidFill>
+            </a:endParaRPr>
+          </a:p>
+        </p:txBody>
+      </p:sp>
+      <p:sp>
+        <p:nvSpPr>
+          <p:cNvPr id="35" name="34 CuadroTexto"/>
           <p:cNvSpPr txBox="1"/>
           <p:nvPr/>
         </p:nvSpPr>
         <p:spPr>
           <a:xfrm>
-            <a:off x="5786446" y="1214422"/>
-            <a:ext cx="142876" cy="400110"/>
+            <a:off x="1000100" y="3357562"/>
+            <a:ext cx="1945835" cy="830997"/>
           </a:xfrm>
           <a:prstGeom prst="rect">
             <a:avLst/>
           </a:prstGeom>
-          <a:noFill/>
-        </p:spPr>
+        </p:spPr>
+        <p:style>
+          <a:lnRef idx="2">
+            <a:schemeClr val="dk1"/>
+          </a:lnRef>
+          <a:fillRef idx="1">
+            <a:schemeClr val="lt1"/>
+          </a:fillRef>
+          <a:effectRef idx="0">
+            <a:schemeClr val="dk1"/>
+          </a:effectRef>
+          <a:fontRef idx="minor">
+            <a:schemeClr val="dk1"/>
+          </a:fontRef>
+        </p:style>
         <p:txBody>
           <a:bodyPr wrap="square" rtlCol="0">
             <a:spAutoFit/>
           </a:bodyPr>
           <a:lstStyle/>
           <a:p>
-            <a:r>
-              <a:rPr lang="es-CO" sz="2000" b="1" dirty="0" smtClean="0"/>
-              <a:t>1</a:t>
-            </a:r>
-            <a:endParaRPr lang="es-CO" sz="2000" b="1" dirty="0"/>
-          </a:p>
-        </p:txBody>
-      </p:sp>
-      <p:sp>
-        <p:nvSpPr>
-          <p:cNvPr id="29" name="28 CuadroTexto"/>
+            <a:pPr algn="ctr"/>
+            <a:r>
+              <a:rPr lang="es-CO" sz="1600" b="1" dirty="0" smtClean="0">
+                <a:solidFill>
+                  <a:schemeClr val="bg1">
+                    <a:lumMod val="50000"/>
+                  </a:schemeClr>
+                </a:solidFill>
+              </a:rPr>
+              <a:t>GENDER</a:t>
+            </a:r>
+          </a:p>
+          <a:p>
+            <a:r>
+              <a:rPr lang="es-CO" sz="1600" dirty="0" smtClean="0">
+                <a:solidFill>
+                  <a:schemeClr val="bg1">
+                    <a:lumMod val="50000"/>
+                  </a:schemeClr>
+                </a:solidFill>
+              </a:rPr>
+              <a:t>Id_Gender</a:t>
+            </a:r>
+          </a:p>
+          <a:p>
+            <a:r>
+              <a:rPr lang="es-CO" sz="1600" dirty="0" smtClean="0">
+                <a:solidFill>
+                  <a:schemeClr val="bg1">
+                    <a:lumMod val="50000"/>
+                  </a:schemeClr>
+                </a:solidFill>
+              </a:rPr>
+              <a:t>Desc_Gender</a:t>
+            </a:r>
+            <a:endParaRPr lang="es-CO" sz="1600" dirty="0">
+              <a:solidFill>
+                <a:schemeClr val="bg1">
+                  <a:lumMod val="50000"/>
+                </a:schemeClr>
+              </a:solidFill>
+            </a:endParaRPr>
+          </a:p>
+        </p:txBody>
+      </p:sp>
+      <p:sp>
+        <p:nvSpPr>
+          <p:cNvPr id="36" name="35 CuadroTexto"/>
           <p:cNvSpPr txBox="1"/>
           <p:nvPr/>
         </p:nvSpPr>
         <p:spPr>
           <a:xfrm>
-            <a:off x="2571736" y="4600526"/>
-            <a:ext cx="142876" cy="400110"/>
+            <a:off x="5929322" y="3071810"/>
+            <a:ext cx="1857388" cy="830997"/>
           </a:xfrm>
           <a:prstGeom prst="rect">
             <a:avLst/>
           </a:prstGeom>
-          <a:noFill/>
-        </p:spPr>
+        </p:spPr>
+        <p:style>
+          <a:lnRef idx="2">
+            <a:schemeClr val="dk1"/>
+          </a:lnRef>
+          <a:fillRef idx="1">
+            <a:schemeClr val="lt1"/>
+          </a:fillRef>
+          <a:effectRef idx="0">
+            <a:schemeClr val="dk1"/>
+          </a:effectRef>
+          <a:fontRef idx="minor">
+            <a:schemeClr val="dk1"/>
+          </a:fontRef>
+        </p:style>
         <p:txBody>
           <a:bodyPr wrap="square" rtlCol="0">
             <a:spAutoFit/>
           </a:bodyPr>
           <a:lstStyle/>
           <a:p>
-            <a:r>
-              <a:rPr lang="es-CO" sz="2000" b="1" dirty="0" smtClean="0"/>
-              <a:t>1</a:t>
-            </a:r>
-            <a:endParaRPr lang="es-CO" sz="2000" b="1" dirty="0"/>
-          </a:p>
-        </p:txBody>
-      </p:sp>
-      <p:sp>
-        <p:nvSpPr>
-          <p:cNvPr id="31" name="30 CuadroTexto"/>
-          <p:cNvSpPr txBox="1"/>
+            <a:pPr algn="ctr"/>
+            <a:r>
+              <a:rPr lang="es-CO" sz="1600" b="1" dirty="0" smtClean="0">
+                <a:solidFill>
+                  <a:schemeClr val="bg1">
+                    <a:lumMod val="50000"/>
+                  </a:schemeClr>
+                </a:solidFill>
+              </a:rPr>
+              <a:t>EXPERIENCE</a:t>
+            </a:r>
+          </a:p>
+          <a:p>
+            <a:r>
+              <a:rPr lang="es-CO" sz="1600" dirty="0" smtClean="0">
+                <a:solidFill>
+                  <a:schemeClr val="bg1">
+                    <a:lumMod val="50000"/>
+                  </a:schemeClr>
+                </a:solidFill>
+              </a:rPr>
+              <a:t>Id_Experience</a:t>
+            </a:r>
+          </a:p>
+          <a:p>
+            <a:r>
+              <a:rPr lang="es-CO" sz="1600" dirty="0" smtClean="0">
+                <a:solidFill>
+                  <a:schemeClr val="bg1">
+                    <a:lumMod val="50000"/>
+                  </a:schemeClr>
+                </a:solidFill>
+              </a:rPr>
+              <a:t>Desc_Experience</a:t>
+            </a:r>
+            <a:endParaRPr lang="es-CO" sz="1600" dirty="0">
+              <a:solidFill>
+                <a:schemeClr val="bg1">
+                  <a:lumMod val="50000"/>
+                </a:schemeClr>
+              </a:solidFill>
+            </a:endParaRPr>
+          </a:p>
+        </p:txBody>
+      </p:sp>
+      <p:cxnSp>
+        <p:nvCxnSpPr>
+          <p:cNvPr id="42" name="41 Conector recto"/>
+          <p:cNvCxnSpPr/>
           <p:nvPr/>
-        </p:nvSpPr>
-        <p:spPr>
-          <a:xfrm>
-            <a:off x="3214678" y="2457386"/>
-            <a:ext cx="142876" cy="400110"/>
-          </a:xfrm>
-          <a:prstGeom prst="rect">
+        </p:nvCxnSpPr>
+        <p:spPr>
+          <a:xfrm flipV="1">
+            <a:off x="4929190" y="2143116"/>
+            <a:ext cx="357190" cy="71438"/>
+          </a:xfrm>
+          <a:prstGeom prst="line">
             <a:avLst/>
           </a:prstGeom>
-          <a:noFill/>
-        </p:spPr>
-        <p:txBody>
-          <a:bodyPr wrap="square" rtlCol="0">
-            <a:spAutoFit/>
-          </a:bodyPr>
-          <a:lstStyle/>
-          <a:p>
-            <a:r>
-              <a:rPr lang="es-CO" sz="2000" b="1" dirty="0" smtClean="0"/>
-              <a:t>M</a:t>
-            </a:r>
-            <a:endParaRPr lang="es-CO" sz="2000" b="1" dirty="0"/>
-          </a:p>
-        </p:txBody>
-      </p:sp>
-      <p:sp>
-        <p:nvSpPr>
-          <p:cNvPr id="32" name="31 CuadroTexto"/>
-          <p:cNvSpPr txBox="1"/>
+          <a:ln w="19050"/>
+        </p:spPr>
+        <p:style>
+          <a:lnRef idx="2">
+            <a:schemeClr val="dk1"/>
+          </a:lnRef>
+          <a:fillRef idx="0">
+            <a:schemeClr val="dk1"/>
+          </a:fillRef>
+          <a:effectRef idx="1">
+            <a:schemeClr val="dk1"/>
+          </a:effectRef>
+          <a:fontRef idx="minor">
+            <a:schemeClr val="tx1"/>
+          </a:fontRef>
+        </p:style>
+      </p:cxnSp>
+      <p:cxnSp>
+        <p:nvCxnSpPr>
+          <p:cNvPr id="47" name="46 Conector recto"/>
+          <p:cNvCxnSpPr/>
           <p:nvPr/>
-        </p:nvSpPr>
-        <p:spPr>
-          <a:xfrm>
-            <a:off x="3143240" y="3314642"/>
-            <a:ext cx="142876" cy="400110"/>
-          </a:xfrm>
-          <a:prstGeom prst="rect">
+        </p:nvCxnSpPr>
+        <p:spPr>
+          <a:xfrm rot="5400000" flipH="1" flipV="1">
+            <a:off x="5072066" y="2214554"/>
+            <a:ext cx="285752" cy="142876"/>
+          </a:xfrm>
+          <a:prstGeom prst="line">
             <a:avLst/>
           </a:prstGeom>
-          <a:noFill/>
-        </p:spPr>
-        <p:txBody>
-          <a:bodyPr wrap="square" rtlCol="0">
-            <a:spAutoFit/>
-          </a:bodyPr>
-          <a:lstStyle/>
-          <a:p>
-            <a:r>
-              <a:rPr lang="es-CO" sz="2000" b="1" dirty="0" smtClean="0"/>
-              <a:t>M</a:t>
-            </a:r>
-            <a:endParaRPr lang="es-CO" sz="2000" b="1" dirty="0"/>
-          </a:p>
-        </p:txBody>
-      </p:sp>
-      <p:sp>
-        <p:nvSpPr>
-          <p:cNvPr id="33" name="32 CuadroTexto"/>
-          <p:cNvSpPr txBox="1"/>
+          <a:ln w="19050"/>
+        </p:spPr>
+        <p:style>
+          <a:lnRef idx="2">
+            <a:schemeClr val="dk1"/>
+          </a:lnRef>
+          <a:fillRef idx="0">
+            <a:schemeClr val="dk1"/>
+          </a:fillRef>
+          <a:effectRef idx="1">
+            <a:schemeClr val="dk1"/>
+          </a:effectRef>
+          <a:fontRef idx="minor">
+            <a:schemeClr val="tx1"/>
+          </a:fontRef>
+        </p:style>
+      </p:cxnSp>
+      <p:grpSp>
+        <p:nvGrpSpPr>
+          <p:cNvPr id="13" name="12 Grupo"/>
+          <p:cNvGrpSpPr/>
           <p:nvPr/>
-        </p:nvSpPr>
-        <p:spPr>
+        </p:nvGrpSpPr>
+        <p:grpSpPr>
           <a:xfrm>
-            <a:off x="4929190" y="2500306"/>
-            <a:ext cx="142876" cy="400110"/>
-          </a:xfrm>
-          <a:prstGeom prst="rect">
+            <a:off x="3071802" y="1785926"/>
+            <a:ext cx="2357454" cy="1857387"/>
+            <a:chOff x="3071802" y="2571744"/>
+            <a:chExt cx="2357454" cy="1857387"/>
+          </a:xfrm>
+        </p:grpSpPr>
+        <p:sp>
+          <p:nvSpPr>
+            <p:cNvPr id="2" name="1 Decisión"/>
+            <p:cNvSpPr/>
+            <p:nvPr/>
+          </p:nvSpPr>
+          <p:spPr>
+            <a:xfrm>
+              <a:off x="3071802" y="2571744"/>
+              <a:ext cx="2357454" cy="1500198"/>
+            </a:xfrm>
+            <a:prstGeom prst="flowChartDecision">
+              <a:avLst/>
+            </a:prstGeom>
+            <a:ln w="28575"/>
+          </p:spPr>
+          <p:style>
+            <a:lnRef idx="1">
+              <a:schemeClr val="dk1"/>
+            </a:lnRef>
+            <a:fillRef idx="2">
+              <a:schemeClr val="dk1"/>
+            </a:fillRef>
+            <a:effectRef idx="1">
+              <a:schemeClr val="dk1"/>
+            </a:effectRef>
+            <a:fontRef idx="minor">
+              <a:schemeClr val="dk1"/>
+            </a:fontRef>
+          </p:style>
+          <p:txBody>
+            <a:bodyPr rtlCol="0" anchor="ctr"/>
+            <a:lstStyle/>
+            <a:p>
+              <a:pPr algn="ctr"/>
+              <a:endParaRPr lang="es-CO" dirty="0"/>
+            </a:p>
+          </p:txBody>
+        </p:sp>
+        <p:sp>
+          <p:nvSpPr>
+            <p:cNvPr id="3" name="2 CuadroTexto"/>
+            <p:cNvSpPr txBox="1"/>
+            <p:nvPr/>
+          </p:nvSpPr>
+          <p:spPr>
+            <a:xfrm>
+              <a:off x="3500430" y="3071810"/>
+              <a:ext cx="1500198" cy="369332"/>
+            </a:xfrm>
+            <a:prstGeom prst="rect">
+              <a:avLst/>
+            </a:prstGeom>
+            <a:noFill/>
+          </p:spPr>
+          <p:txBody>
+            <a:bodyPr wrap="square" rtlCol="0">
+              <a:spAutoFit/>
+            </a:bodyPr>
+            <a:lstStyle/>
+            <a:p>
+              <a:pPr algn="ctr"/>
+              <a:r>
+                <a:rPr lang="es-CO" b="1" dirty="0" smtClean="0">
+                  <a:solidFill>
+                    <a:schemeClr val="bg1">
+                      <a:lumMod val="50000"/>
+                    </a:schemeClr>
+                  </a:solidFill>
+                </a:rPr>
+                <a:t>LENGUAJES</a:t>
+              </a:r>
+              <a:endParaRPr lang="es-CO" b="1" dirty="0">
+                <a:solidFill>
+                  <a:schemeClr val="bg1">
+                    <a:lumMod val="50000"/>
+                  </a:schemeClr>
+                </a:solidFill>
+              </a:endParaRPr>
+            </a:p>
+          </p:txBody>
+        </p:sp>
+        <p:cxnSp>
+          <p:nvCxnSpPr>
+            <p:cNvPr id="5" name="4 Conector recto"/>
+            <p:cNvCxnSpPr>
+              <a:stCxn id="2" idx="2"/>
+            </p:cNvCxnSpPr>
+            <p:nvPr/>
+          </p:nvCxnSpPr>
+          <p:spPr>
+            <a:xfrm rot="16200000" flipH="1">
+              <a:off x="4071934" y="4250536"/>
+              <a:ext cx="357190" cy="0"/>
+            </a:xfrm>
+            <a:prstGeom prst="line">
+              <a:avLst/>
+            </a:prstGeom>
+            <a:ln w="28575"/>
+          </p:spPr>
+          <p:style>
+            <a:lnRef idx="3">
+              <a:schemeClr val="dk1"/>
+            </a:lnRef>
+            <a:fillRef idx="0">
+              <a:schemeClr val="dk1"/>
+            </a:fillRef>
+            <a:effectRef idx="2">
+              <a:schemeClr val="dk1"/>
+            </a:effectRef>
+            <a:fontRef idx="minor">
+              <a:schemeClr val="tx1"/>
+            </a:fontRef>
+          </p:style>
+        </p:cxnSp>
+      </p:grpSp>
+      <p:cxnSp>
+        <p:nvCxnSpPr>
+          <p:cNvPr id="62" name="61 Conector recto"/>
+          <p:cNvCxnSpPr/>
+          <p:nvPr/>
+        </p:nvCxnSpPr>
+        <p:spPr>
+          <a:xfrm flipV="1">
+            <a:off x="3643306" y="3071810"/>
+            <a:ext cx="285752" cy="71438"/>
+          </a:xfrm>
+          <a:prstGeom prst="line">
             <a:avLst/>
           </a:prstGeom>
-          <a:noFill/>
-        </p:spPr>
-        <p:txBody>
-          <a:bodyPr wrap="square" rtlCol="0">
-            <a:spAutoFit/>
-          </a:bodyPr>
-          <a:lstStyle/>
-          <a:p>
-            <a:r>
-              <a:rPr lang="es-CO" sz="2000" b="1" dirty="0" smtClean="0"/>
-              <a:t>M</a:t>
-            </a:r>
-            <a:endParaRPr lang="es-CO" sz="2000" b="1" dirty="0"/>
-          </a:p>
-        </p:txBody>
-      </p:sp>
-      <p:sp>
-        <p:nvSpPr>
-          <p:cNvPr id="34" name="33 CuadroTexto"/>
-          <p:cNvSpPr txBox="1"/>
-          <p:nvPr/>
-        </p:nvSpPr>
-        <p:spPr>
-          <a:xfrm>
-            <a:off x="5143504" y="3028890"/>
-            <a:ext cx="142876" cy="400110"/>
-          </a:xfrm>
-          <a:prstGeom prst="rect">
-            <a:avLst/>
-          </a:prstGeom>
-          <a:noFill/>
-        </p:spPr>
-        <p:txBody>
-          <a:bodyPr wrap="square" rtlCol="0">
-            <a:spAutoFit/>
-          </a:bodyPr>
-          <a:lstStyle/>
-          <a:p>
-            <a:r>
-              <a:rPr lang="es-CO" sz="2000" b="1" dirty="0" smtClean="0"/>
-              <a:t>M</a:t>
-            </a:r>
-            <a:endParaRPr lang="es-CO" sz="2000" b="1" dirty="0"/>
-          </a:p>
-        </p:txBody>
-      </p:sp>
-      <p:sp>
-        <p:nvSpPr>
-          <p:cNvPr id="35" name="34 CuadroTexto"/>
-          <p:cNvSpPr txBox="1"/>
-          <p:nvPr/>
-        </p:nvSpPr>
-        <p:spPr>
-          <a:xfrm>
-            <a:off x="5214942" y="3528956"/>
-            <a:ext cx="142876" cy="400110"/>
-          </a:xfrm>
-          <a:prstGeom prst="rect">
-            <a:avLst/>
-          </a:prstGeom>
-          <a:noFill/>
-        </p:spPr>
-        <p:txBody>
-          <a:bodyPr wrap="square" rtlCol="0">
-            <a:spAutoFit/>
-          </a:bodyPr>
-          <a:lstStyle/>
-          <a:p>
-            <a:r>
-              <a:rPr lang="es-CO" sz="2000" b="1" dirty="0" smtClean="0"/>
-              <a:t>M</a:t>
-            </a:r>
-            <a:endParaRPr lang="es-CO" sz="2000" b="1" dirty="0"/>
-          </a:p>
-        </p:txBody>
-      </p:sp>
+          <a:ln w="19050"/>
+        </p:spPr>
+        <p:style>
+          <a:lnRef idx="2">
+            <a:schemeClr val="dk1"/>
+          </a:lnRef>
+          <a:fillRef idx="0">
+            <a:schemeClr val="dk1"/>
+          </a:fillRef>
+          <a:effectRef idx="1">
+            <a:schemeClr val="dk1"/>
+          </a:effectRef>
+          <a:fontRef idx="minor">
+            <a:schemeClr val="tx1"/>
+          </a:fontRef>
+        </p:style>
+      </p:cxnSp>
     </p:spTree>
   </p:cSld>
   <p:clrMapOvr>
     <a:masterClrMapping/>
   </p:clrMapOvr>
-  <p:timing>
-    <p:tnLst>
-      <p:par>
-        <p:cTn id="1" dur="indefinite" restart="never" nodeType="tmRoot"/>
-      </p:par>
-    </p:tnLst>
-  </p:timing>
 </p:sld>
 </file>
 

--- a/img/Notacion.pptx
+++ b/img/Notacion.pptx
@@ -7,6 +7,7 @@
   <p:sldIdLst>
     <p:sldId id="256" r:id="rId2"/>
     <p:sldId id="259" r:id="rId3"/>
+    <p:sldId id="260" r:id="rId4"/>
   </p:sldIdLst>
   <p:sldSz cx="9144000" cy="6858000" type="screen4x3"/>
   <p:notesSz cx="6858000" cy="9144000"/>
@@ -5596,6 +5597,3846 @@
           </a:fontRef>
         </p:style>
       </p:cxnSp>
+    </p:spTree>
+  </p:cSld>
+  <p:clrMapOvr>
+    <a:masterClrMapping/>
+  </p:clrMapOvr>
+</p:sld>
+</file>
+
+<file path=ppt/slides/slide3.xml><?xml version="1.0" encoding="utf-8"?>
+<p:sld xmlns:a="http://schemas.openxmlformats.org/drawingml/2006/main" xmlns:r="http://schemas.openxmlformats.org/officeDocument/2006/relationships" xmlns:p="http://schemas.openxmlformats.org/presentationml/2006/main">
+  <p:cSld>
+    <p:spTree>
+      <p:nvGrpSpPr>
+        <p:cNvPr id="1" name=""/>
+        <p:cNvGrpSpPr/>
+        <p:nvPr/>
+      </p:nvGrpSpPr>
+      <p:grpSpPr>
+        <a:xfrm>
+          <a:off x="0" y="0"/>
+          <a:ext cx="0" cy="0"/>
+          <a:chOff x="0" y="0"/>
+          <a:chExt cx="0" cy="0"/>
+        </a:xfrm>
+      </p:grpSpPr>
+      <p:cxnSp>
+        <p:nvCxnSpPr>
+          <p:cNvPr id="5" name="4 Conector recto"/>
+          <p:cNvCxnSpPr/>
+          <p:nvPr/>
+        </p:nvCxnSpPr>
+        <p:spPr>
+          <a:xfrm flipV="1">
+            <a:off x="1285852" y="269032"/>
+            <a:ext cx="2214578" cy="1571636"/>
+          </a:xfrm>
+          <a:prstGeom prst="line">
+            <a:avLst/>
+          </a:prstGeom>
+        </p:spPr>
+        <p:style>
+          <a:lnRef idx="2">
+            <a:schemeClr val="dk1"/>
+          </a:lnRef>
+          <a:fillRef idx="0">
+            <a:schemeClr val="dk1"/>
+          </a:fillRef>
+          <a:effectRef idx="1">
+            <a:schemeClr val="dk1"/>
+          </a:effectRef>
+          <a:fontRef idx="minor">
+            <a:schemeClr val="tx1"/>
+          </a:fontRef>
+        </p:style>
+      </p:cxnSp>
+      <p:cxnSp>
+        <p:nvCxnSpPr>
+          <p:cNvPr id="7" name="6 Conector recto"/>
+          <p:cNvCxnSpPr/>
+          <p:nvPr/>
+        </p:nvCxnSpPr>
+        <p:spPr>
+          <a:xfrm flipV="1">
+            <a:off x="5572132" y="269032"/>
+            <a:ext cx="2214578" cy="1571636"/>
+          </a:xfrm>
+          <a:prstGeom prst="line">
+            <a:avLst/>
+          </a:prstGeom>
+        </p:spPr>
+        <p:style>
+          <a:lnRef idx="2">
+            <a:schemeClr val="dk1"/>
+          </a:lnRef>
+          <a:fillRef idx="0">
+            <a:schemeClr val="dk1"/>
+          </a:fillRef>
+          <a:effectRef idx="1">
+            <a:schemeClr val="dk1"/>
+          </a:effectRef>
+          <a:fontRef idx="minor">
+            <a:schemeClr val="tx1"/>
+          </a:fontRef>
+        </p:style>
+      </p:cxnSp>
+      <p:cxnSp>
+        <p:nvCxnSpPr>
+          <p:cNvPr id="9" name="8 Conector recto"/>
+          <p:cNvCxnSpPr/>
+          <p:nvPr/>
+        </p:nvCxnSpPr>
+        <p:spPr>
+          <a:xfrm flipV="1">
+            <a:off x="2000232" y="269032"/>
+            <a:ext cx="2214578" cy="1571636"/>
+          </a:xfrm>
+          <a:prstGeom prst="line">
+            <a:avLst/>
+          </a:prstGeom>
+        </p:spPr>
+        <p:style>
+          <a:lnRef idx="2">
+            <a:schemeClr val="dk1"/>
+          </a:lnRef>
+          <a:fillRef idx="0">
+            <a:schemeClr val="dk1"/>
+          </a:fillRef>
+          <a:effectRef idx="1">
+            <a:schemeClr val="dk1"/>
+          </a:effectRef>
+          <a:fontRef idx="minor">
+            <a:schemeClr val="tx1"/>
+          </a:fontRef>
+        </p:style>
+      </p:cxnSp>
+      <p:cxnSp>
+        <p:nvCxnSpPr>
+          <p:cNvPr id="10" name="9 Conector recto"/>
+          <p:cNvCxnSpPr/>
+          <p:nvPr/>
+        </p:nvCxnSpPr>
+        <p:spPr>
+          <a:xfrm flipV="1">
+            <a:off x="2714612" y="269032"/>
+            <a:ext cx="2214578" cy="1571636"/>
+          </a:xfrm>
+          <a:prstGeom prst="line">
+            <a:avLst/>
+          </a:prstGeom>
+        </p:spPr>
+        <p:style>
+          <a:lnRef idx="2">
+            <a:schemeClr val="dk1"/>
+          </a:lnRef>
+          <a:fillRef idx="0">
+            <a:schemeClr val="dk1"/>
+          </a:fillRef>
+          <a:effectRef idx="1">
+            <a:schemeClr val="dk1"/>
+          </a:effectRef>
+          <a:fontRef idx="minor">
+            <a:schemeClr val="tx1"/>
+          </a:fontRef>
+        </p:style>
+      </p:cxnSp>
+      <p:cxnSp>
+        <p:nvCxnSpPr>
+          <p:cNvPr id="11" name="10 Conector recto"/>
+          <p:cNvCxnSpPr/>
+          <p:nvPr/>
+        </p:nvCxnSpPr>
+        <p:spPr>
+          <a:xfrm flipV="1">
+            <a:off x="3428992" y="269032"/>
+            <a:ext cx="2214578" cy="1571636"/>
+          </a:xfrm>
+          <a:prstGeom prst="line">
+            <a:avLst/>
+          </a:prstGeom>
+        </p:spPr>
+        <p:style>
+          <a:lnRef idx="2">
+            <a:schemeClr val="dk1"/>
+          </a:lnRef>
+          <a:fillRef idx="0">
+            <a:schemeClr val="dk1"/>
+          </a:fillRef>
+          <a:effectRef idx="1">
+            <a:schemeClr val="dk1"/>
+          </a:effectRef>
+          <a:fontRef idx="minor">
+            <a:schemeClr val="tx1"/>
+          </a:fontRef>
+        </p:style>
+      </p:cxnSp>
+      <p:cxnSp>
+        <p:nvCxnSpPr>
+          <p:cNvPr id="28" name="27 Conector recto"/>
+          <p:cNvCxnSpPr/>
+          <p:nvPr/>
+        </p:nvCxnSpPr>
+        <p:spPr>
+          <a:xfrm rot="5400000" flipH="1" flipV="1">
+            <a:off x="3786976" y="3626618"/>
+            <a:ext cx="3571106" cy="794"/>
+          </a:xfrm>
+          <a:prstGeom prst="line">
+            <a:avLst/>
+          </a:prstGeom>
+        </p:spPr>
+        <p:style>
+          <a:lnRef idx="2">
+            <a:schemeClr val="dk1"/>
+          </a:lnRef>
+          <a:fillRef idx="0">
+            <a:schemeClr val="dk1"/>
+          </a:fillRef>
+          <a:effectRef idx="1">
+            <a:schemeClr val="dk1"/>
+          </a:effectRef>
+          <a:fontRef idx="minor">
+            <a:schemeClr val="tx1"/>
+          </a:fontRef>
+        </p:style>
+      </p:cxnSp>
+      <p:cxnSp>
+        <p:nvCxnSpPr>
+          <p:cNvPr id="29" name="28 Conector recto"/>
+          <p:cNvCxnSpPr/>
+          <p:nvPr/>
+        </p:nvCxnSpPr>
+        <p:spPr>
+          <a:xfrm rot="5400000" flipH="1" flipV="1">
+            <a:off x="6000760" y="2054188"/>
+            <a:ext cx="3571106" cy="794"/>
+          </a:xfrm>
+          <a:prstGeom prst="line">
+            <a:avLst/>
+          </a:prstGeom>
+        </p:spPr>
+        <p:style>
+          <a:lnRef idx="2">
+            <a:schemeClr val="dk1"/>
+          </a:lnRef>
+          <a:fillRef idx="0">
+            <a:schemeClr val="dk1"/>
+          </a:fillRef>
+          <a:effectRef idx="1">
+            <a:schemeClr val="dk1"/>
+          </a:effectRef>
+          <a:fontRef idx="minor">
+            <a:schemeClr val="tx1"/>
+          </a:fontRef>
+        </p:style>
+      </p:cxnSp>
+      <p:cxnSp>
+        <p:nvCxnSpPr>
+          <p:cNvPr id="30" name="29 Conector recto"/>
+          <p:cNvCxnSpPr/>
+          <p:nvPr/>
+        </p:nvCxnSpPr>
+        <p:spPr>
+          <a:xfrm rot="10800000">
+            <a:off x="1285852" y="1840668"/>
+            <a:ext cx="4286280" cy="1588"/>
+          </a:xfrm>
+          <a:prstGeom prst="line">
+            <a:avLst/>
+          </a:prstGeom>
+        </p:spPr>
+        <p:style>
+          <a:lnRef idx="2">
+            <a:schemeClr val="dk1"/>
+          </a:lnRef>
+          <a:fillRef idx="0">
+            <a:schemeClr val="dk1"/>
+          </a:fillRef>
+          <a:effectRef idx="1">
+            <a:schemeClr val="dk1"/>
+          </a:effectRef>
+          <a:fontRef idx="minor">
+            <a:schemeClr val="tx1"/>
+          </a:fontRef>
+        </p:style>
+      </p:cxnSp>
+      <p:cxnSp>
+        <p:nvCxnSpPr>
+          <p:cNvPr id="34" name="33 Conector recto"/>
+          <p:cNvCxnSpPr/>
+          <p:nvPr/>
+        </p:nvCxnSpPr>
+        <p:spPr>
+          <a:xfrm rot="10800000">
+            <a:off x="1285852" y="5412568"/>
+            <a:ext cx="4286280" cy="1588"/>
+          </a:xfrm>
+          <a:prstGeom prst="line">
+            <a:avLst/>
+          </a:prstGeom>
+        </p:spPr>
+        <p:style>
+          <a:lnRef idx="2">
+            <a:schemeClr val="dk1"/>
+          </a:lnRef>
+          <a:fillRef idx="0">
+            <a:schemeClr val="dk1"/>
+          </a:fillRef>
+          <a:effectRef idx="1">
+            <a:schemeClr val="dk1"/>
+          </a:effectRef>
+          <a:fontRef idx="minor">
+            <a:schemeClr val="tx1"/>
+          </a:fontRef>
+        </p:style>
+      </p:cxnSp>
+      <p:cxnSp>
+        <p:nvCxnSpPr>
+          <p:cNvPr id="35" name="34 Conector recto"/>
+          <p:cNvCxnSpPr/>
+          <p:nvPr/>
+        </p:nvCxnSpPr>
+        <p:spPr>
+          <a:xfrm rot="10800000">
+            <a:off x="3500430" y="269032"/>
+            <a:ext cx="4286280" cy="1588"/>
+          </a:xfrm>
+          <a:prstGeom prst="line">
+            <a:avLst/>
+          </a:prstGeom>
+        </p:spPr>
+        <p:style>
+          <a:lnRef idx="2">
+            <a:schemeClr val="dk1"/>
+          </a:lnRef>
+          <a:fillRef idx="0">
+            <a:schemeClr val="dk1"/>
+          </a:fillRef>
+          <a:effectRef idx="1">
+            <a:schemeClr val="dk1"/>
+          </a:effectRef>
+          <a:fontRef idx="minor">
+            <a:schemeClr val="tx1"/>
+          </a:fontRef>
+        </p:style>
+      </p:cxnSp>
+      <p:cxnSp>
+        <p:nvCxnSpPr>
+          <p:cNvPr id="37" name="36 Conector recto"/>
+          <p:cNvCxnSpPr/>
+          <p:nvPr/>
+        </p:nvCxnSpPr>
+        <p:spPr>
+          <a:xfrm flipV="1">
+            <a:off x="4143372" y="269032"/>
+            <a:ext cx="2214578" cy="1571636"/>
+          </a:xfrm>
+          <a:prstGeom prst="line">
+            <a:avLst/>
+          </a:prstGeom>
+        </p:spPr>
+        <p:style>
+          <a:lnRef idx="2">
+            <a:schemeClr val="dk1"/>
+          </a:lnRef>
+          <a:fillRef idx="0">
+            <a:schemeClr val="dk1"/>
+          </a:fillRef>
+          <a:effectRef idx="1">
+            <a:schemeClr val="dk1"/>
+          </a:effectRef>
+          <a:fontRef idx="minor">
+            <a:schemeClr val="tx1"/>
+          </a:fontRef>
+        </p:style>
+      </p:cxnSp>
+      <p:cxnSp>
+        <p:nvCxnSpPr>
+          <p:cNvPr id="38" name="37 Conector recto"/>
+          <p:cNvCxnSpPr/>
+          <p:nvPr/>
+        </p:nvCxnSpPr>
+        <p:spPr>
+          <a:xfrm flipV="1">
+            <a:off x="4857752" y="269032"/>
+            <a:ext cx="2214578" cy="1571636"/>
+          </a:xfrm>
+          <a:prstGeom prst="line">
+            <a:avLst/>
+          </a:prstGeom>
+        </p:spPr>
+        <p:style>
+          <a:lnRef idx="2">
+            <a:schemeClr val="dk1"/>
+          </a:lnRef>
+          <a:fillRef idx="0">
+            <a:schemeClr val="dk1"/>
+          </a:fillRef>
+          <a:effectRef idx="1">
+            <a:schemeClr val="dk1"/>
+          </a:effectRef>
+          <a:fontRef idx="minor">
+            <a:schemeClr val="tx1"/>
+          </a:fontRef>
+        </p:style>
+      </p:cxnSp>
+      <p:cxnSp>
+        <p:nvCxnSpPr>
+          <p:cNvPr id="46" name="45 Conector recto"/>
+          <p:cNvCxnSpPr/>
+          <p:nvPr/>
+        </p:nvCxnSpPr>
+        <p:spPr>
+          <a:xfrm flipV="1">
+            <a:off x="5572132" y="3840932"/>
+            <a:ext cx="2214578" cy="1571636"/>
+          </a:xfrm>
+          <a:prstGeom prst="line">
+            <a:avLst/>
+          </a:prstGeom>
+        </p:spPr>
+        <p:style>
+          <a:lnRef idx="2">
+            <a:schemeClr val="dk1"/>
+          </a:lnRef>
+          <a:fillRef idx="0">
+            <a:schemeClr val="dk1"/>
+          </a:fillRef>
+          <a:effectRef idx="1">
+            <a:schemeClr val="dk1"/>
+          </a:effectRef>
+          <a:fontRef idx="minor">
+            <a:schemeClr val="tx1"/>
+          </a:fontRef>
+        </p:style>
+      </p:cxnSp>
+      <p:cxnSp>
+        <p:nvCxnSpPr>
+          <p:cNvPr id="49" name="48 Conector recto"/>
+          <p:cNvCxnSpPr/>
+          <p:nvPr/>
+        </p:nvCxnSpPr>
+        <p:spPr>
+          <a:xfrm rot="5400000" flipH="1" flipV="1">
+            <a:off x="-499304" y="3625824"/>
+            <a:ext cx="3571106" cy="794"/>
+          </a:xfrm>
+          <a:prstGeom prst="line">
+            <a:avLst/>
+          </a:prstGeom>
+        </p:spPr>
+        <p:style>
+          <a:lnRef idx="2">
+            <a:schemeClr val="dk1"/>
+          </a:lnRef>
+          <a:fillRef idx="0">
+            <a:schemeClr val="dk1"/>
+          </a:fillRef>
+          <a:effectRef idx="1">
+            <a:schemeClr val="dk1"/>
+          </a:effectRef>
+          <a:fontRef idx="minor">
+            <a:schemeClr val="tx1"/>
+          </a:fontRef>
+        </p:style>
+      </p:cxnSp>
+      <p:cxnSp>
+        <p:nvCxnSpPr>
+          <p:cNvPr id="50" name="49 Conector recto"/>
+          <p:cNvCxnSpPr/>
+          <p:nvPr/>
+        </p:nvCxnSpPr>
+        <p:spPr>
+          <a:xfrm rot="5400000" flipH="1" flipV="1">
+            <a:off x="215076" y="3625824"/>
+            <a:ext cx="3571106" cy="794"/>
+          </a:xfrm>
+          <a:prstGeom prst="line">
+            <a:avLst/>
+          </a:prstGeom>
+        </p:spPr>
+        <p:style>
+          <a:lnRef idx="2">
+            <a:schemeClr val="dk1"/>
+          </a:lnRef>
+          <a:fillRef idx="0">
+            <a:schemeClr val="dk1"/>
+          </a:fillRef>
+          <a:effectRef idx="1">
+            <a:schemeClr val="dk1"/>
+          </a:effectRef>
+          <a:fontRef idx="minor">
+            <a:schemeClr val="tx1"/>
+          </a:fontRef>
+        </p:style>
+      </p:cxnSp>
+      <p:cxnSp>
+        <p:nvCxnSpPr>
+          <p:cNvPr id="51" name="50 Conector recto"/>
+          <p:cNvCxnSpPr/>
+          <p:nvPr/>
+        </p:nvCxnSpPr>
+        <p:spPr>
+          <a:xfrm rot="5400000" flipH="1" flipV="1">
+            <a:off x="929456" y="3625824"/>
+            <a:ext cx="3571106" cy="794"/>
+          </a:xfrm>
+          <a:prstGeom prst="line">
+            <a:avLst/>
+          </a:prstGeom>
+        </p:spPr>
+        <p:style>
+          <a:lnRef idx="2">
+            <a:schemeClr val="dk1"/>
+          </a:lnRef>
+          <a:fillRef idx="0">
+            <a:schemeClr val="dk1"/>
+          </a:fillRef>
+          <a:effectRef idx="1">
+            <a:schemeClr val="dk1"/>
+          </a:effectRef>
+          <a:fontRef idx="minor">
+            <a:schemeClr val="tx1"/>
+          </a:fontRef>
+        </p:style>
+      </p:cxnSp>
+      <p:cxnSp>
+        <p:nvCxnSpPr>
+          <p:cNvPr id="52" name="51 Conector recto"/>
+          <p:cNvCxnSpPr/>
+          <p:nvPr/>
+        </p:nvCxnSpPr>
+        <p:spPr>
+          <a:xfrm rot="5400000" flipH="1" flipV="1">
+            <a:off x="1643836" y="3625824"/>
+            <a:ext cx="3571106" cy="794"/>
+          </a:xfrm>
+          <a:prstGeom prst="line">
+            <a:avLst/>
+          </a:prstGeom>
+        </p:spPr>
+        <p:style>
+          <a:lnRef idx="2">
+            <a:schemeClr val="dk1"/>
+          </a:lnRef>
+          <a:fillRef idx="0">
+            <a:schemeClr val="dk1"/>
+          </a:fillRef>
+          <a:effectRef idx="1">
+            <a:schemeClr val="dk1"/>
+          </a:effectRef>
+          <a:fontRef idx="minor">
+            <a:schemeClr val="tx1"/>
+          </a:fontRef>
+        </p:style>
+      </p:cxnSp>
+      <p:cxnSp>
+        <p:nvCxnSpPr>
+          <p:cNvPr id="53" name="52 Conector recto"/>
+          <p:cNvCxnSpPr/>
+          <p:nvPr/>
+        </p:nvCxnSpPr>
+        <p:spPr>
+          <a:xfrm rot="5400000" flipH="1" flipV="1">
+            <a:off x="2358216" y="3625824"/>
+            <a:ext cx="3571106" cy="794"/>
+          </a:xfrm>
+          <a:prstGeom prst="line">
+            <a:avLst/>
+          </a:prstGeom>
+        </p:spPr>
+        <p:style>
+          <a:lnRef idx="2">
+            <a:schemeClr val="dk1"/>
+          </a:lnRef>
+          <a:fillRef idx="0">
+            <a:schemeClr val="dk1"/>
+          </a:fillRef>
+          <a:effectRef idx="1">
+            <a:schemeClr val="dk1"/>
+          </a:effectRef>
+          <a:fontRef idx="minor">
+            <a:schemeClr val="tx1"/>
+          </a:fontRef>
+        </p:style>
+      </p:cxnSp>
+      <p:cxnSp>
+        <p:nvCxnSpPr>
+          <p:cNvPr id="54" name="53 Conector recto"/>
+          <p:cNvCxnSpPr/>
+          <p:nvPr/>
+        </p:nvCxnSpPr>
+        <p:spPr>
+          <a:xfrm rot="5400000" flipH="1" flipV="1">
+            <a:off x="3072596" y="3625824"/>
+            <a:ext cx="3571106" cy="794"/>
+          </a:xfrm>
+          <a:prstGeom prst="line">
+            <a:avLst/>
+          </a:prstGeom>
+        </p:spPr>
+        <p:style>
+          <a:lnRef idx="2">
+            <a:schemeClr val="dk1"/>
+          </a:lnRef>
+          <a:fillRef idx="0">
+            <a:schemeClr val="dk1"/>
+          </a:fillRef>
+          <a:effectRef idx="1">
+            <a:schemeClr val="dk1"/>
+          </a:effectRef>
+          <a:fontRef idx="minor">
+            <a:schemeClr val="tx1"/>
+          </a:fontRef>
+        </p:style>
+      </p:cxnSp>
+      <p:cxnSp>
+        <p:nvCxnSpPr>
+          <p:cNvPr id="55" name="54 Conector recto"/>
+          <p:cNvCxnSpPr/>
+          <p:nvPr/>
+        </p:nvCxnSpPr>
+        <p:spPr>
+          <a:xfrm flipV="1">
+            <a:off x="5572132" y="983412"/>
+            <a:ext cx="2214578" cy="1571636"/>
+          </a:xfrm>
+          <a:prstGeom prst="line">
+            <a:avLst/>
+          </a:prstGeom>
+        </p:spPr>
+        <p:style>
+          <a:lnRef idx="2">
+            <a:schemeClr val="dk1"/>
+          </a:lnRef>
+          <a:fillRef idx="0">
+            <a:schemeClr val="dk1"/>
+          </a:fillRef>
+          <a:effectRef idx="1">
+            <a:schemeClr val="dk1"/>
+          </a:effectRef>
+          <a:fontRef idx="minor">
+            <a:schemeClr val="tx1"/>
+          </a:fontRef>
+        </p:style>
+      </p:cxnSp>
+      <p:cxnSp>
+        <p:nvCxnSpPr>
+          <p:cNvPr id="56" name="55 Conector recto"/>
+          <p:cNvCxnSpPr/>
+          <p:nvPr/>
+        </p:nvCxnSpPr>
+        <p:spPr>
+          <a:xfrm flipV="1">
+            <a:off x="5572132" y="1697792"/>
+            <a:ext cx="2214578" cy="1571636"/>
+          </a:xfrm>
+          <a:prstGeom prst="line">
+            <a:avLst/>
+          </a:prstGeom>
+        </p:spPr>
+        <p:style>
+          <a:lnRef idx="2">
+            <a:schemeClr val="dk1"/>
+          </a:lnRef>
+          <a:fillRef idx="0">
+            <a:schemeClr val="dk1"/>
+          </a:fillRef>
+          <a:effectRef idx="1">
+            <a:schemeClr val="dk1"/>
+          </a:effectRef>
+          <a:fontRef idx="minor">
+            <a:schemeClr val="tx1"/>
+          </a:fontRef>
+        </p:style>
+      </p:cxnSp>
+      <p:cxnSp>
+        <p:nvCxnSpPr>
+          <p:cNvPr id="57" name="56 Conector recto"/>
+          <p:cNvCxnSpPr/>
+          <p:nvPr/>
+        </p:nvCxnSpPr>
+        <p:spPr>
+          <a:xfrm flipV="1">
+            <a:off x="5572132" y="2412172"/>
+            <a:ext cx="2214578" cy="1571636"/>
+          </a:xfrm>
+          <a:prstGeom prst="line">
+            <a:avLst/>
+          </a:prstGeom>
+        </p:spPr>
+        <p:style>
+          <a:lnRef idx="2">
+            <a:schemeClr val="dk1"/>
+          </a:lnRef>
+          <a:fillRef idx="0">
+            <a:schemeClr val="dk1"/>
+          </a:fillRef>
+          <a:effectRef idx="1">
+            <a:schemeClr val="dk1"/>
+          </a:effectRef>
+          <a:fontRef idx="minor">
+            <a:schemeClr val="tx1"/>
+          </a:fontRef>
+        </p:style>
+      </p:cxnSp>
+      <p:cxnSp>
+        <p:nvCxnSpPr>
+          <p:cNvPr id="58" name="57 Conector recto"/>
+          <p:cNvCxnSpPr/>
+          <p:nvPr/>
+        </p:nvCxnSpPr>
+        <p:spPr>
+          <a:xfrm flipV="1">
+            <a:off x="5572132" y="3126552"/>
+            <a:ext cx="2214578" cy="1571636"/>
+          </a:xfrm>
+          <a:prstGeom prst="line">
+            <a:avLst/>
+          </a:prstGeom>
+        </p:spPr>
+        <p:style>
+          <a:lnRef idx="2">
+            <a:schemeClr val="dk1"/>
+          </a:lnRef>
+          <a:fillRef idx="0">
+            <a:schemeClr val="dk1"/>
+          </a:fillRef>
+          <a:effectRef idx="1">
+            <a:schemeClr val="dk1"/>
+          </a:effectRef>
+          <a:fontRef idx="minor">
+            <a:schemeClr val="tx1"/>
+          </a:fontRef>
+        </p:style>
+      </p:cxnSp>
+      <p:cxnSp>
+        <p:nvCxnSpPr>
+          <p:cNvPr id="59" name="58 Conector recto"/>
+          <p:cNvCxnSpPr/>
+          <p:nvPr/>
+        </p:nvCxnSpPr>
+        <p:spPr>
+          <a:xfrm rot="10800000">
+            <a:off x="1285852" y="2553459"/>
+            <a:ext cx="4286280" cy="1588"/>
+          </a:xfrm>
+          <a:prstGeom prst="line">
+            <a:avLst/>
+          </a:prstGeom>
+        </p:spPr>
+        <p:style>
+          <a:lnRef idx="2">
+            <a:schemeClr val="dk1"/>
+          </a:lnRef>
+          <a:fillRef idx="0">
+            <a:schemeClr val="dk1"/>
+          </a:fillRef>
+          <a:effectRef idx="1">
+            <a:schemeClr val="dk1"/>
+          </a:effectRef>
+          <a:fontRef idx="minor">
+            <a:schemeClr val="tx1"/>
+          </a:fontRef>
+        </p:style>
+      </p:cxnSp>
+      <p:cxnSp>
+        <p:nvCxnSpPr>
+          <p:cNvPr id="60" name="59 Conector recto"/>
+          <p:cNvCxnSpPr/>
+          <p:nvPr/>
+        </p:nvCxnSpPr>
+        <p:spPr>
+          <a:xfrm rot="10800000">
+            <a:off x="1285852" y="3269428"/>
+            <a:ext cx="4286280" cy="1588"/>
+          </a:xfrm>
+          <a:prstGeom prst="line">
+            <a:avLst/>
+          </a:prstGeom>
+        </p:spPr>
+        <p:style>
+          <a:lnRef idx="2">
+            <a:schemeClr val="dk1"/>
+          </a:lnRef>
+          <a:fillRef idx="0">
+            <a:schemeClr val="dk1"/>
+          </a:fillRef>
+          <a:effectRef idx="1">
+            <a:schemeClr val="dk1"/>
+          </a:effectRef>
+          <a:fontRef idx="minor">
+            <a:schemeClr val="tx1"/>
+          </a:fontRef>
+        </p:style>
+      </p:cxnSp>
+      <p:cxnSp>
+        <p:nvCxnSpPr>
+          <p:cNvPr id="61" name="60 Conector recto"/>
+          <p:cNvCxnSpPr/>
+          <p:nvPr/>
+        </p:nvCxnSpPr>
+        <p:spPr>
+          <a:xfrm rot="10800000">
+            <a:off x="1285852" y="3983808"/>
+            <a:ext cx="4286280" cy="1588"/>
+          </a:xfrm>
+          <a:prstGeom prst="line">
+            <a:avLst/>
+          </a:prstGeom>
+        </p:spPr>
+        <p:style>
+          <a:lnRef idx="2">
+            <a:schemeClr val="dk1"/>
+          </a:lnRef>
+          <a:fillRef idx="0">
+            <a:schemeClr val="dk1"/>
+          </a:fillRef>
+          <a:effectRef idx="1">
+            <a:schemeClr val="dk1"/>
+          </a:effectRef>
+          <a:fontRef idx="minor">
+            <a:schemeClr val="tx1"/>
+          </a:fontRef>
+        </p:style>
+      </p:cxnSp>
+      <p:cxnSp>
+        <p:nvCxnSpPr>
+          <p:cNvPr id="62" name="61 Conector recto"/>
+          <p:cNvCxnSpPr/>
+          <p:nvPr/>
+        </p:nvCxnSpPr>
+        <p:spPr>
+          <a:xfrm rot="10800000">
+            <a:off x="1285852" y="4698188"/>
+            <a:ext cx="4286280" cy="1588"/>
+          </a:xfrm>
+          <a:prstGeom prst="line">
+            <a:avLst/>
+          </a:prstGeom>
+        </p:spPr>
+        <p:style>
+          <a:lnRef idx="2">
+            <a:schemeClr val="dk1"/>
+          </a:lnRef>
+          <a:fillRef idx="0">
+            <a:schemeClr val="dk1"/>
+          </a:fillRef>
+          <a:effectRef idx="1">
+            <a:schemeClr val="dk1"/>
+          </a:effectRef>
+          <a:fontRef idx="minor">
+            <a:schemeClr val="tx1"/>
+          </a:fontRef>
+        </p:style>
+      </p:cxnSp>
+      <p:cxnSp>
+        <p:nvCxnSpPr>
+          <p:cNvPr id="63" name="62 Conector recto"/>
+          <p:cNvCxnSpPr/>
+          <p:nvPr/>
+        </p:nvCxnSpPr>
+        <p:spPr>
+          <a:xfrm rot="10800000">
+            <a:off x="1680760" y="1554916"/>
+            <a:ext cx="4320000" cy="1588"/>
+          </a:xfrm>
+          <a:prstGeom prst="line">
+            <a:avLst/>
+          </a:prstGeom>
+        </p:spPr>
+        <p:style>
+          <a:lnRef idx="2">
+            <a:schemeClr val="dk1"/>
+          </a:lnRef>
+          <a:fillRef idx="0">
+            <a:schemeClr val="dk1"/>
+          </a:fillRef>
+          <a:effectRef idx="1">
+            <a:schemeClr val="dk1"/>
+          </a:effectRef>
+          <a:fontRef idx="minor">
+            <a:schemeClr val="tx1"/>
+          </a:fontRef>
+        </p:style>
+      </p:cxnSp>
+      <p:cxnSp>
+        <p:nvCxnSpPr>
+          <p:cNvPr id="64" name="63 Conector recto"/>
+          <p:cNvCxnSpPr/>
+          <p:nvPr/>
+        </p:nvCxnSpPr>
+        <p:spPr>
+          <a:xfrm rot="10800000">
+            <a:off x="2181388" y="1197727"/>
+            <a:ext cx="4248000" cy="1588"/>
+          </a:xfrm>
+          <a:prstGeom prst="line">
+            <a:avLst/>
+          </a:prstGeom>
+        </p:spPr>
+        <p:style>
+          <a:lnRef idx="2">
+            <a:schemeClr val="dk1"/>
+          </a:lnRef>
+          <a:fillRef idx="0">
+            <a:schemeClr val="dk1"/>
+          </a:fillRef>
+          <a:effectRef idx="1">
+            <a:schemeClr val="dk1"/>
+          </a:effectRef>
+          <a:fontRef idx="minor">
+            <a:schemeClr val="tx1"/>
+          </a:fontRef>
+        </p:style>
+      </p:cxnSp>
+      <p:cxnSp>
+        <p:nvCxnSpPr>
+          <p:cNvPr id="65" name="64 Conector recto"/>
+          <p:cNvCxnSpPr/>
+          <p:nvPr/>
+        </p:nvCxnSpPr>
+        <p:spPr>
+          <a:xfrm rot="10800000">
+            <a:off x="2571736" y="910386"/>
+            <a:ext cx="4286280" cy="1588"/>
+          </a:xfrm>
+          <a:prstGeom prst="line">
+            <a:avLst/>
+          </a:prstGeom>
+        </p:spPr>
+        <p:style>
+          <a:lnRef idx="2">
+            <a:schemeClr val="dk1"/>
+          </a:lnRef>
+          <a:fillRef idx="0">
+            <a:schemeClr val="dk1"/>
+          </a:fillRef>
+          <a:effectRef idx="1">
+            <a:schemeClr val="dk1"/>
+          </a:effectRef>
+          <a:fontRef idx="minor">
+            <a:schemeClr val="tx1"/>
+          </a:fontRef>
+        </p:style>
+      </p:cxnSp>
+      <p:cxnSp>
+        <p:nvCxnSpPr>
+          <p:cNvPr id="66" name="65 Conector recto"/>
+          <p:cNvCxnSpPr/>
+          <p:nvPr/>
+        </p:nvCxnSpPr>
+        <p:spPr>
+          <a:xfrm rot="10800000">
+            <a:off x="3000364" y="624634"/>
+            <a:ext cx="4286280" cy="1588"/>
+          </a:xfrm>
+          <a:prstGeom prst="line">
+            <a:avLst/>
+          </a:prstGeom>
+        </p:spPr>
+        <p:style>
+          <a:lnRef idx="2">
+            <a:schemeClr val="dk1"/>
+          </a:lnRef>
+          <a:fillRef idx="0">
+            <a:schemeClr val="dk1"/>
+          </a:fillRef>
+          <a:effectRef idx="1">
+            <a:schemeClr val="dk1"/>
+          </a:effectRef>
+          <a:fontRef idx="minor">
+            <a:schemeClr val="tx1"/>
+          </a:fontRef>
+        </p:style>
+      </p:cxnSp>
+      <p:cxnSp>
+        <p:nvCxnSpPr>
+          <p:cNvPr id="67" name="66 Conector recto"/>
+          <p:cNvCxnSpPr/>
+          <p:nvPr/>
+        </p:nvCxnSpPr>
+        <p:spPr>
+          <a:xfrm rot="5400000" flipH="1" flipV="1">
+            <a:off x="4215604" y="3340072"/>
+            <a:ext cx="3571106" cy="794"/>
+          </a:xfrm>
+          <a:prstGeom prst="line">
+            <a:avLst/>
+          </a:prstGeom>
+        </p:spPr>
+        <p:style>
+          <a:lnRef idx="2">
+            <a:schemeClr val="dk1"/>
+          </a:lnRef>
+          <a:fillRef idx="0">
+            <a:schemeClr val="dk1"/>
+          </a:fillRef>
+          <a:effectRef idx="1">
+            <a:schemeClr val="dk1"/>
+          </a:effectRef>
+          <a:fontRef idx="minor">
+            <a:schemeClr val="tx1"/>
+          </a:fontRef>
+        </p:style>
+      </p:cxnSp>
+      <p:cxnSp>
+        <p:nvCxnSpPr>
+          <p:cNvPr id="68" name="67 Conector recto"/>
+          <p:cNvCxnSpPr/>
+          <p:nvPr/>
+        </p:nvCxnSpPr>
+        <p:spPr>
+          <a:xfrm rot="5400000" flipH="1" flipV="1">
+            <a:off x="4629785" y="2997329"/>
+            <a:ext cx="3600000" cy="794"/>
+          </a:xfrm>
+          <a:prstGeom prst="line">
+            <a:avLst/>
+          </a:prstGeom>
+        </p:spPr>
+        <p:style>
+          <a:lnRef idx="2">
+            <a:schemeClr val="dk1"/>
+          </a:lnRef>
+          <a:fillRef idx="0">
+            <a:schemeClr val="dk1"/>
+          </a:fillRef>
+          <a:effectRef idx="1">
+            <a:schemeClr val="dk1"/>
+          </a:effectRef>
+          <a:fontRef idx="minor">
+            <a:schemeClr val="tx1"/>
+          </a:fontRef>
+        </p:style>
+      </p:cxnSp>
+      <p:cxnSp>
+        <p:nvCxnSpPr>
+          <p:cNvPr id="69" name="68 Conector recto"/>
+          <p:cNvCxnSpPr/>
+          <p:nvPr/>
+        </p:nvCxnSpPr>
+        <p:spPr>
+          <a:xfrm rot="5400000" flipH="1" flipV="1">
+            <a:off x="5072860" y="2697924"/>
+            <a:ext cx="3571106" cy="794"/>
+          </a:xfrm>
+          <a:prstGeom prst="line">
+            <a:avLst/>
+          </a:prstGeom>
+        </p:spPr>
+        <p:style>
+          <a:lnRef idx="2">
+            <a:schemeClr val="dk1"/>
+          </a:lnRef>
+          <a:fillRef idx="0">
+            <a:schemeClr val="dk1"/>
+          </a:fillRef>
+          <a:effectRef idx="1">
+            <a:schemeClr val="dk1"/>
+          </a:effectRef>
+          <a:fontRef idx="minor">
+            <a:schemeClr val="tx1"/>
+          </a:fontRef>
+        </p:style>
+      </p:cxnSp>
+      <p:cxnSp>
+        <p:nvCxnSpPr>
+          <p:cNvPr id="71" name="70 Conector recto"/>
+          <p:cNvCxnSpPr/>
+          <p:nvPr/>
+        </p:nvCxnSpPr>
+        <p:spPr>
+          <a:xfrm rot="5400000" flipH="1" flipV="1">
+            <a:off x="5501488" y="2412172"/>
+            <a:ext cx="3571106" cy="794"/>
+          </a:xfrm>
+          <a:prstGeom prst="line">
+            <a:avLst/>
+          </a:prstGeom>
+        </p:spPr>
+        <p:style>
+          <a:lnRef idx="2">
+            <a:schemeClr val="dk1"/>
+          </a:lnRef>
+          <a:fillRef idx="0">
+            <a:schemeClr val="dk1"/>
+          </a:fillRef>
+          <a:effectRef idx="1">
+            <a:schemeClr val="dk1"/>
+          </a:effectRef>
+          <a:fontRef idx="minor">
+            <a:schemeClr val="tx1"/>
+          </a:fontRef>
+        </p:style>
+      </p:cxnSp>
+      <p:sp>
+        <p:nvSpPr>
+          <p:cNvPr id="72" name="71 CuadroTexto"/>
+          <p:cNvSpPr txBox="1"/>
+          <p:nvPr/>
+        </p:nvSpPr>
+        <p:spPr>
+          <a:xfrm>
+            <a:off x="1428728" y="2054982"/>
+            <a:ext cx="428628" cy="338554"/>
+          </a:xfrm>
+          <a:prstGeom prst="rect">
+            <a:avLst/>
+          </a:prstGeom>
+          <a:noFill/>
+        </p:spPr>
+        <p:txBody>
+          <a:bodyPr wrap="square" rtlCol="0">
+            <a:spAutoFit/>
+          </a:bodyPr>
+          <a:lstStyle/>
+          <a:p>
+            <a:r>
+              <a:rPr lang="es-CO" sz="1600" dirty="0" smtClean="0"/>
+              <a:t>2</a:t>
+            </a:r>
+            <a:r>
+              <a:rPr lang="es-CO" sz="1600" dirty="0" smtClean="0"/>
+              <a:t>4</a:t>
+            </a:r>
+            <a:endParaRPr lang="es-CO" sz="1600" dirty="0"/>
+          </a:p>
+        </p:txBody>
+      </p:sp>
+      <p:sp>
+        <p:nvSpPr>
+          <p:cNvPr id="73" name="72 CuadroTexto"/>
+          <p:cNvSpPr txBox="1"/>
+          <p:nvPr/>
+        </p:nvSpPr>
+        <p:spPr>
+          <a:xfrm>
+            <a:off x="1428728" y="2697924"/>
+            <a:ext cx="428628" cy="338554"/>
+          </a:xfrm>
+          <a:prstGeom prst="rect">
+            <a:avLst/>
+          </a:prstGeom>
+          <a:noFill/>
+        </p:spPr>
+        <p:txBody>
+          <a:bodyPr wrap="square" rtlCol="0">
+            <a:spAutoFit/>
+          </a:bodyPr>
+          <a:lstStyle/>
+          <a:p>
+            <a:r>
+              <a:rPr lang="es-CO" sz="1600" dirty="0" smtClean="0"/>
+              <a:t>34</a:t>
+            </a:r>
+            <a:endParaRPr lang="es-CO" sz="1600" dirty="0"/>
+          </a:p>
+        </p:txBody>
+      </p:sp>
+      <p:sp>
+        <p:nvSpPr>
+          <p:cNvPr id="74" name="73 CuadroTexto"/>
+          <p:cNvSpPr txBox="1"/>
+          <p:nvPr/>
+        </p:nvSpPr>
+        <p:spPr>
+          <a:xfrm>
+            <a:off x="1500166" y="3471600"/>
+            <a:ext cx="428628" cy="338554"/>
+          </a:xfrm>
+          <a:prstGeom prst="rect">
+            <a:avLst/>
+          </a:prstGeom>
+          <a:noFill/>
+        </p:spPr>
+        <p:txBody>
+          <a:bodyPr wrap="square" rtlCol="0">
+            <a:spAutoFit/>
+          </a:bodyPr>
+          <a:lstStyle/>
+          <a:p>
+            <a:r>
+              <a:rPr lang="es-CO" sz="1600" dirty="0" smtClean="0"/>
+              <a:t>…</a:t>
+            </a:r>
+            <a:endParaRPr lang="es-CO" sz="1600" dirty="0"/>
+          </a:p>
+        </p:txBody>
+      </p:sp>
+      <p:sp>
+        <p:nvSpPr>
+          <p:cNvPr id="75" name="74 CuadroTexto"/>
+          <p:cNvSpPr txBox="1"/>
+          <p:nvPr/>
+        </p:nvSpPr>
+        <p:spPr>
+          <a:xfrm>
+            <a:off x="1428728" y="4126684"/>
+            <a:ext cx="428628" cy="338554"/>
+          </a:xfrm>
+          <a:prstGeom prst="rect">
+            <a:avLst/>
+          </a:prstGeom>
+          <a:noFill/>
+        </p:spPr>
+        <p:txBody>
+          <a:bodyPr wrap="square" rtlCol="0">
+            <a:spAutoFit/>
+          </a:bodyPr>
+          <a:lstStyle/>
+          <a:p>
+            <a:r>
+              <a:rPr lang="es-CO" sz="1600" dirty="0" smtClean="0"/>
+              <a:t>67</a:t>
+            </a:r>
+            <a:endParaRPr lang="es-CO" sz="1600" dirty="0"/>
+          </a:p>
+        </p:txBody>
+      </p:sp>
+      <p:sp>
+        <p:nvSpPr>
+          <p:cNvPr id="76" name="75 CuadroTexto"/>
+          <p:cNvSpPr txBox="1"/>
+          <p:nvPr/>
+        </p:nvSpPr>
+        <p:spPr>
+          <a:xfrm>
+            <a:off x="1428728" y="4900360"/>
+            <a:ext cx="428628" cy="338554"/>
+          </a:xfrm>
+          <a:prstGeom prst="rect">
+            <a:avLst/>
+          </a:prstGeom>
+          <a:noFill/>
+        </p:spPr>
+        <p:txBody>
+          <a:bodyPr wrap="square" rtlCol="0">
+            <a:spAutoFit/>
+          </a:bodyPr>
+          <a:lstStyle/>
+          <a:p>
+            <a:r>
+              <a:rPr lang="es-CO" sz="1600" dirty="0" smtClean="0"/>
+              <a:t>32</a:t>
+            </a:r>
+            <a:endParaRPr lang="es-CO" sz="1600" dirty="0"/>
+          </a:p>
+        </p:txBody>
+      </p:sp>
+      <p:sp>
+        <p:nvSpPr>
+          <p:cNvPr id="77" name="76 CuadroTexto"/>
+          <p:cNvSpPr txBox="1"/>
+          <p:nvPr/>
+        </p:nvSpPr>
+        <p:spPr>
+          <a:xfrm>
+            <a:off x="2143108" y="2054982"/>
+            <a:ext cx="428628" cy="338554"/>
+          </a:xfrm>
+          <a:prstGeom prst="rect">
+            <a:avLst/>
+          </a:prstGeom>
+          <a:noFill/>
+        </p:spPr>
+        <p:txBody>
+          <a:bodyPr wrap="square" rtlCol="0">
+            <a:spAutoFit/>
+          </a:bodyPr>
+          <a:lstStyle/>
+          <a:p>
+            <a:r>
+              <a:rPr lang="es-CO" sz="1600" dirty="0" smtClean="0"/>
+              <a:t>38</a:t>
+            </a:r>
+            <a:endParaRPr lang="es-CO" sz="1600" dirty="0"/>
+          </a:p>
+        </p:txBody>
+      </p:sp>
+      <p:sp>
+        <p:nvSpPr>
+          <p:cNvPr id="78" name="77 CuadroTexto"/>
+          <p:cNvSpPr txBox="1"/>
+          <p:nvPr/>
+        </p:nvSpPr>
+        <p:spPr>
+          <a:xfrm>
+            <a:off x="2143108" y="2697924"/>
+            <a:ext cx="428628" cy="338554"/>
+          </a:xfrm>
+          <a:prstGeom prst="rect">
+            <a:avLst/>
+          </a:prstGeom>
+          <a:noFill/>
+        </p:spPr>
+        <p:txBody>
+          <a:bodyPr wrap="square" rtlCol="0">
+            <a:spAutoFit/>
+          </a:bodyPr>
+          <a:lstStyle/>
+          <a:p>
+            <a:r>
+              <a:rPr lang="es-CO" sz="1600" dirty="0" smtClean="0"/>
+              <a:t>44</a:t>
+            </a:r>
+            <a:endParaRPr lang="es-CO" sz="1600" dirty="0"/>
+          </a:p>
+        </p:txBody>
+      </p:sp>
+      <p:sp>
+        <p:nvSpPr>
+          <p:cNvPr id="79" name="78 CuadroTexto"/>
+          <p:cNvSpPr txBox="1"/>
+          <p:nvPr/>
+        </p:nvSpPr>
+        <p:spPr>
+          <a:xfrm>
+            <a:off x="2214546" y="3471600"/>
+            <a:ext cx="428628" cy="338554"/>
+          </a:xfrm>
+          <a:prstGeom prst="rect">
+            <a:avLst/>
+          </a:prstGeom>
+          <a:noFill/>
+        </p:spPr>
+        <p:txBody>
+          <a:bodyPr wrap="square" rtlCol="0">
+            <a:spAutoFit/>
+          </a:bodyPr>
+          <a:lstStyle/>
+          <a:p>
+            <a:r>
+              <a:rPr lang="es-CO" sz="1600" dirty="0" smtClean="0"/>
+              <a:t>…</a:t>
+            </a:r>
+            <a:endParaRPr lang="es-CO" sz="1600" dirty="0"/>
+          </a:p>
+        </p:txBody>
+      </p:sp>
+      <p:sp>
+        <p:nvSpPr>
+          <p:cNvPr id="80" name="79 CuadroTexto"/>
+          <p:cNvSpPr txBox="1"/>
+          <p:nvPr/>
+        </p:nvSpPr>
+        <p:spPr>
+          <a:xfrm>
+            <a:off x="2143108" y="4126684"/>
+            <a:ext cx="428628" cy="338554"/>
+          </a:xfrm>
+          <a:prstGeom prst="rect">
+            <a:avLst/>
+          </a:prstGeom>
+          <a:noFill/>
+        </p:spPr>
+        <p:txBody>
+          <a:bodyPr wrap="square" rtlCol="0">
+            <a:spAutoFit/>
+          </a:bodyPr>
+          <a:lstStyle/>
+          <a:p>
+            <a:r>
+              <a:rPr lang="es-CO" sz="1600" dirty="0" smtClean="0"/>
+              <a:t>34</a:t>
+            </a:r>
+            <a:endParaRPr lang="es-CO" sz="1600" dirty="0"/>
+          </a:p>
+        </p:txBody>
+      </p:sp>
+      <p:sp>
+        <p:nvSpPr>
+          <p:cNvPr id="81" name="80 CuadroTexto"/>
+          <p:cNvSpPr txBox="1"/>
+          <p:nvPr/>
+        </p:nvSpPr>
+        <p:spPr>
+          <a:xfrm>
+            <a:off x="2143108" y="4900360"/>
+            <a:ext cx="428628" cy="338554"/>
+          </a:xfrm>
+          <a:prstGeom prst="rect">
+            <a:avLst/>
+          </a:prstGeom>
+          <a:noFill/>
+        </p:spPr>
+        <p:txBody>
+          <a:bodyPr wrap="square" rtlCol="0">
+            <a:spAutoFit/>
+          </a:bodyPr>
+          <a:lstStyle/>
+          <a:p>
+            <a:r>
+              <a:rPr lang="es-CO" sz="1600" dirty="0" smtClean="0"/>
+              <a:t>59</a:t>
+            </a:r>
+            <a:endParaRPr lang="es-CO" sz="1600" dirty="0"/>
+          </a:p>
+        </p:txBody>
+      </p:sp>
+      <p:sp>
+        <p:nvSpPr>
+          <p:cNvPr id="82" name="81 CuadroTexto"/>
+          <p:cNvSpPr txBox="1"/>
+          <p:nvPr/>
+        </p:nvSpPr>
+        <p:spPr>
+          <a:xfrm>
+            <a:off x="2928926" y="2054982"/>
+            <a:ext cx="428628" cy="338554"/>
+          </a:xfrm>
+          <a:prstGeom prst="rect">
+            <a:avLst/>
+          </a:prstGeom>
+          <a:noFill/>
+        </p:spPr>
+        <p:txBody>
+          <a:bodyPr wrap="square" rtlCol="0">
+            <a:spAutoFit/>
+          </a:bodyPr>
+          <a:lstStyle/>
+          <a:p>
+            <a:r>
+              <a:rPr lang="es-CO" sz="1600" dirty="0" smtClean="0"/>
+              <a:t>…</a:t>
+            </a:r>
+            <a:endParaRPr lang="es-CO" sz="1600" dirty="0"/>
+          </a:p>
+        </p:txBody>
+      </p:sp>
+      <p:sp>
+        <p:nvSpPr>
+          <p:cNvPr id="83" name="82 CuadroTexto"/>
+          <p:cNvSpPr txBox="1"/>
+          <p:nvPr/>
+        </p:nvSpPr>
+        <p:spPr>
+          <a:xfrm>
+            <a:off x="2857488" y="2697924"/>
+            <a:ext cx="428628" cy="830997"/>
+          </a:xfrm>
+          <a:prstGeom prst="rect">
+            <a:avLst/>
+          </a:prstGeom>
+          <a:noFill/>
+        </p:spPr>
+        <p:txBody>
+          <a:bodyPr wrap="square" rtlCol="0">
+            <a:spAutoFit/>
+          </a:bodyPr>
+          <a:lstStyle/>
+          <a:p>
+            <a:endParaRPr lang="es-CO" sz="1600" dirty="0" smtClean="0"/>
+          </a:p>
+          <a:p>
+            <a:endParaRPr lang="es-CO" sz="1600" dirty="0" smtClean="0"/>
+          </a:p>
+          <a:p>
+            <a:endParaRPr lang="es-CO" sz="1600" dirty="0"/>
+          </a:p>
+        </p:txBody>
+      </p:sp>
+      <p:sp>
+        <p:nvSpPr>
+          <p:cNvPr id="84" name="83 CuadroTexto"/>
+          <p:cNvSpPr txBox="1"/>
+          <p:nvPr/>
+        </p:nvSpPr>
+        <p:spPr>
+          <a:xfrm>
+            <a:off x="2857488" y="3471600"/>
+            <a:ext cx="428628" cy="338554"/>
+          </a:xfrm>
+          <a:prstGeom prst="rect">
+            <a:avLst/>
+          </a:prstGeom>
+          <a:noFill/>
+        </p:spPr>
+        <p:txBody>
+          <a:bodyPr wrap="square" rtlCol="0">
+            <a:spAutoFit/>
+          </a:bodyPr>
+          <a:lstStyle/>
+          <a:p>
+            <a:r>
+              <a:rPr lang="es-CO" sz="1600" dirty="0" smtClean="0"/>
+              <a:t> </a:t>
+            </a:r>
+            <a:r>
+              <a:rPr lang="es-CO" sz="1600" dirty="0" smtClean="0"/>
+              <a:t>…</a:t>
+            </a:r>
+            <a:endParaRPr lang="es-CO" sz="1600" dirty="0"/>
+          </a:p>
+        </p:txBody>
+      </p:sp>
+      <p:sp>
+        <p:nvSpPr>
+          <p:cNvPr id="86" name="85 CuadroTexto"/>
+          <p:cNvSpPr txBox="1"/>
+          <p:nvPr/>
+        </p:nvSpPr>
+        <p:spPr>
+          <a:xfrm>
+            <a:off x="2928926" y="4857760"/>
+            <a:ext cx="428628" cy="338554"/>
+          </a:xfrm>
+          <a:prstGeom prst="rect">
+            <a:avLst/>
+          </a:prstGeom>
+          <a:noFill/>
+        </p:spPr>
+        <p:txBody>
+          <a:bodyPr wrap="square" rtlCol="0">
+            <a:spAutoFit/>
+          </a:bodyPr>
+          <a:lstStyle/>
+          <a:p>
+            <a:r>
+              <a:rPr lang="es-CO" sz="1600" dirty="0" smtClean="0"/>
+              <a:t>…</a:t>
+            </a:r>
+            <a:endParaRPr lang="es-CO" sz="1600" dirty="0"/>
+          </a:p>
+        </p:txBody>
+      </p:sp>
+      <p:sp>
+        <p:nvSpPr>
+          <p:cNvPr id="87" name="86 CuadroTexto"/>
+          <p:cNvSpPr txBox="1"/>
+          <p:nvPr/>
+        </p:nvSpPr>
+        <p:spPr>
+          <a:xfrm>
+            <a:off x="3571868" y="2067124"/>
+            <a:ext cx="428628" cy="338554"/>
+          </a:xfrm>
+          <a:prstGeom prst="rect">
+            <a:avLst/>
+          </a:prstGeom>
+          <a:noFill/>
+        </p:spPr>
+        <p:txBody>
+          <a:bodyPr wrap="square" rtlCol="0">
+            <a:spAutoFit/>
+          </a:bodyPr>
+          <a:lstStyle/>
+          <a:p>
+            <a:r>
+              <a:rPr lang="es-CO" sz="1600" dirty="0" smtClean="0"/>
+              <a:t>15</a:t>
+            </a:r>
+            <a:endParaRPr lang="es-CO" sz="1600" dirty="0"/>
+          </a:p>
+        </p:txBody>
+      </p:sp>
+      <p:sp>
+        <p:nvSpPr>
+          <p:cNvPr id="88" name="87 CuadroTexto"/>
+          <p:cNvSpPr txBox="1"/>
+          <p:nvPr/>
+        </p:nvSpPr>
+        <p:spPr>
+          <a:xfrm>
+            <a:off x="3571868" y="2710066"/>
+            <a:ext cx="428628" cy="338554"/>
+          </a:xfrm>
+          <a:prstGeom prst="rect">
+            <a:avLst/>
+          </a:prstGeom>
+          <a:noFill/>
+        </p:spPr>
+        <p:txBody>
+          <a:bodyPr wrap="square" rtlCol="0">
+            <a:spAutoFit/>
+          </a:bodyPr>
+          <a:lstStyle/>
+          <a:p>
+            <a:r>
+              <a:rPr lang="es-CO" sz="1600" dirty="0" smtClean="0"/>
+              <a:t>12</a:t>
+            </a:r>
+            <a:endParaRPr lang="es-CO" sz="1600" dirty="0"/>
+          </a:p>
+        </p:txBody>
+      </p:sp>
+      <p:sp>
+        <p:nvSpPr>
+          <p:cNvPr id="89" name="88 CuadroTexto"/>
+          <p:cNvSpPr txBox="1"/>
+          <p:nvPr/>
+        </p:nvSpPr>
+        <p:spPr>
+          <a:xfrm>
+            <a:off x="3571868" y="3483742"/>
+            <a:ext cx="428628" cy="338554"/>
+          </a:xfrm>
+          <a:prstGeom prst="rect">
+            <a:avLst/>
+          </a:prstGeom>
+          <a:noFill/>
+        </p:spPr>
+        <p:txBody>
+          <a:bodyPr wrap="square" rtlCol="0">
+            <a:spAutoFit/>
+          </a:bodyPr>
+          <a:lstStyle/>
+          <a:p>
+            <a:r>
+              <a:rPr lang="es-CO" sz="1600" dirty="0" smtClean="0"/>
+              <a:t> </a:t>
+            </a:r>
+            <a:r>
+              <a:rPr lang="es-CO" sz="1600" dirty="0" smtClean="0"/>
+              <a:t>….</a:t>
+            </a:r>
+            <a:endParaRPr lang="es-CO" sz="1600" dirty="0"/>
+          </a:p>
+        </p:txBody>
+      </p:sp>
+      <p:sp>
+        <p:nvSpPr>
+          <p:cNvPr id="90" name="89 CuadroTexto"/>
+          <p:cNvSpPr txBox="1"/>
+          <p:nvPr/>
+        </p:nvSpPr>
+        <p:spPr>
+          <a:xfrm>
+            <a:off x="3571868" y="4138826"/>
+            <a:ext cx="428628" cy="338554"/>
+          </a:xfrm>
+          <a:prstGeom prst="rect">
+            <a:avLst/>
+          </a:prstGeom>
+          <a:noFill/>
+        </p:spPr>
+        <p:txBody>
+          <a:bodyPr wrap="square" rtlCol="0">
+            <a:spAutoFit/>
+          </a:bodyPr>
+          <a:lstStyle/>
+          <a:p>
+            <a:r>
+              <a:rPr lang="es-CO" sz="1600" dirty="0" smtClean="0"/>
+              <a:t>80</a:t>
+            </a:r>
+            <a:endParaRPr lang="es-CO" sz="1600" dirty="0"/>
+          </a:p>
+        </p:txBody>
+      </p:sp>
+      <p:sp>
+        <p:nvSpPr>
+          <p:cNvPr id="91" name="90 CuadroTexto"/>
+          <p:cNvSpPr txBox="1"/>
+          <p:nvPr/>
+        </p:nvSpPr>
+        <p:spPr>
+          <a:xfrm>
+            <a:off x="3571868" y="4912502"/>
+            <a:ext cx="428628" cy="338554"/>
+          </a:xfrm>
+          <a:prstGeom prst="rect">
+            <a:avLst/>
+          </a:prstGeom>
+          <a:noFill/>
+        </p:spPr>
+        <p:txBody>
+          <a:bodyPr wrap="square" rtlCol="0">
+            <a:spAutoFit/>
+          </a:bodyPr>
+          <a:lstStyle/>
+          <a:p>
+            <a:r>
+              <a:rPr lang="es-CO" sz="1600" dirty="0" smtClean="0"/>
+              <a:t>29</a:t>
+            </a:r>
+            <a:endParaRPr lang="es-CO" sz="1600" dirty="0"/>
+          </a:p>
+        </p:txBody>
+      </p:sp>
+      <p:sp>
+        <p:nvSpPr>
+          <p:cNvPr id="92" name="91 CuadroTexto"/>
+          <p:cNvSpPr txBox="1"/>
+          <p:nvPr/>
+        </p:nvSpPr>
+        <p:spPr>
+          <a:xfrm>
+            <a:off x="4286248" y="2054982"/>
+            <a:ext cx="428628" cy="338554"/>
+          </a:xfrm>
+          <a:prstGeom prst="rect">
+            <a:avLst/>
+          </a:prstGeom>
+          <a:noFill/>
+        </p:spPr>
+        <p:txBody>
+          <a:bodyPr wrap="square" rtlCol="0">
+            <a:spAutoFit/>
+          </a:bodyPr>
+          <a:lstStyle/>
+          <a:p>
+            <a:r>
+              <a:rPr lang="es-CO" sz="1600" dirty="0" smtClean="0"/>
+              <a:t>86</a:t>
+            </a:r>
+            <a:endParaRPr lang="es-CO" sz="1600" dirty="0"/>
+          </a:p>
+        </p:txBody>
+      </p:sp>
+      <p:sp>
+        <p:nvSpPr>
+          <p:cNvPr id="93" name="92 CuadroTexto"/>
+          <p:cNvSpPr txBox="1"/>
+          <p:nvPr/>
+        </p:nvSpPr>
+        <p:spPr>
+          <a:xfrm>
+            <a:off x="4286248" y="2697924"/>
+            <a:ext cx="428628" cy="338554"/>
+          </a:xfrm>
+          <a:prstGeom prst="rect">
+            <a:avLst/>
+          </a:prstGeom>
+          <a:noFill/>
+        </p:spPr>
+        <p:txBody>
+          <a:bodyPr wrap="square" rtlCol="0">
+            <a:spAutoFit/>
+          </a:bodyPr>
+          <a:lstStyle/>
+          <a:p>
+            <a:r>
+              <a:rPr lang="es-CO" sz="1600" dirty="0" smtClean="0"/>
+              <a:t>15</a:t>
+            </a:r>
+            <a:endParaRPr lang="es-CO" sz="1600" dirty="0"/>
+          </a:p>
+        </p:txBody>
+      </p:sp>
+      <p:sp>
+        <p:nvSpPr>
+          <p:cNvPr id="94" name="93 CuadroTexto"/>
+          <p:cNvSpPr txBox="1"/>
+          <p:nvPr/>
+        </p:nvSpPr>
+        <p:spPr>
+          <a:xfrm>
+            <a:off x="4286248" y="3471600"/>
+            <a:ext cx="428628" cy="338554"/>
+          </a:xfrm>
+          <a:prstGeom prst="rect">
+            <a:avLst/>
+          </a:prstGeom>
+          <a:noFill/>
+        </p:spPr>
+        <p:txBody>
+          <a:bodyPr wrap="square" rtlCol="0">
+            <a:spAutoFit/>
+          </a:bodyPr>
+          <a:lstStyle/>
+          <a:p>
+            <a:r>
+              <a:rPr lang="es-CO" sz="1600" dirty="0" smtClean="0"/>
+              <a:t> </a:t>
+            </a:r>
+            <a:r>
+              <a:rPr lang="es-CO" sz="1600" dirty="0" smtClean="0"/>
+              <a:t>…</a:t>
+            </a:r>
+            <a:endParaRPr lang="es-CO" sz="1600" dirty="0"/>
+          </a:p>
+        </p:txBody>
+      </p:sp>
+      <p:sp>
+        <p:nvSpPr>
+          <p:cNvPr id="95" name="94 CuadroTexto"/>
+          <p:cNvSpPr txBox="1"/>
+          <p:nvPr/>
+        </p:nvSpPr>
+        <p:spPr>
+          <a:xfrm>
+            <a:off x="4286248" y="4126684"/>
+            <a:ext cx="428628" cy="338554"/>
+          </a:xfrm>
+          <a:prstGeom prst="rect">
+            <a:avLst/>
+          </a:prstGeom>
+          <a:noFill/>
+        </p:spPr>
+        <p:txBody>
+          <a:bodyPr wrap="square" rtlCol="0">
+            <a:spAutoFit/>
+          </a:bodyPr>
+          <a:lstStyle/>
+          <a:p>
+            <a:r>
+              <a:rPr lang="es-CO" sz="1600" dirty="0" smtClean="0"/>
+              <a:t>58</a:t>
+            </a:r>
+            <a:endParaRPr lang="es-CO" sz="1600" dirty="0"/>
+          </a:p>
+        </p:txBody>
+      </p:sp>
+      <p:sp>
+        <p:nvSpPr>
+          <p:cNvPr id="96" name="95 CuadroTexto"/>
+          <p:cNvSpPr txBox="1"/>
+          <p:nvPr/>
+        </p:nvSpPr>
+        <p:spPr>
+          <a:xfrm>
+            <a:off x="4286248" y="4900360"/>
+            <a:ext cx="428628" cy="338554"/>
+          </a:xfrm>
+          <a:prstGeom prst="rect">
+            <a:avLst/>
+          </a:prstGeom>
+          <a:noFill/>
+        </p:spPr>
+        <p:txBody>
+          <a:bodyPr wrap="square" rtlCol="0">
+            <a:spAutoFit/>
+          </a:bodyPr>
+          <a:lstStyle/>
+          <a:p>
+            <a:r>
+              <a:rPr lang="es-CO" sz="1600" dirty="0" smtClean="0"/>
+              <a:t>97</a:t>
+            </a:r>
+            <a:endParaRPr lang="es-CO" sz="1600" dirty="0"/>
+          </a:p>
+        </p:txBody>
+      </p:sp>
+      <p:sp>
+        <p:nvSpPr>
+          <p:cNvPr id="97" name="96 CuadroTexto"/>
+          <p:cNvSpPr txBox="1"/>
+          <p:nvPr/>
+        </p:nvSpPr>
+        <p:spPr>
+          <a:xfrm>
+            <a:off x="5000628" y="2054982"/>
+            <a:ext cx="428628" cy="338554"/>
+          </a:xfrm>
+          <a:prstGeom prst="rect">
+            <a:avLst/>
+          </a:prstGeom>
+          <a:noFill/>
+        </p:spPr>
+        <p:txBody>
+          <a:bodyPr wrap="square" rtlCol="0">
+            <a:spAutoFit/>
+          </a:bodyPr>
+          <a:lstStyle/>
+          <a:p>
+            <a:r>
+              <a:rPr lang="es-CO" sz="1600" dirty="0" smtClean="0"/>
+              <a:t>18</a:t>
+            </a:r>
+            <a:endParaRPr lang="es-CO" sz="1600" dirty="0"/>
+          </a:p>
+        </p:txBody>
+      </p:sp>
+      <p:sp>
+        <p:nvSpPr>
+          <p:cNvPr id="98" name="97 CuadroTexto"/>
+          <p:cNvSpPr txBox="1"/>
+          <p:nvPr/>
+        </p:nvSpPr>
+        <p:spPr>
+          <a:xfrm>
+            <a:off x="5000628" y="2697924"/>
+            <a:ext cx="428628" cy="338554"/>
+          </a:xfrm>
+          <a:prstGeom prst="rect">
+            <a:avLst/>
+          </a:prstGeom>
+          <a:noFill/>
+        </p:spPr>
+        <p:txBody>
+          <a:bodyPr wrap="square" rtlCol="0">
+            <a:spAutoFit/>
+          </a:bodyPr>
+          <a:lstStyle/>
+          <a:p>
+            <a:r>
+              <a:rPr lang="es-CO" sz="1600" dirty="0" smtClean="0"/>
+              <a:t>95</a:t>
+            </a:r>
+            <a:endParaRPr lang="es-CO" sz="1600" dirty="0"/>
+          </a:p>
+        </p:txBody>
+      </p:sp>
+      <p:sp>
+        <p:nvSpPr>
+          <p:cNvPr id="99" name="98 CuadroTexto"/>
+          <p:cNvSpPr txBox="1"/>
+          <p:nvPr/>
+        </p:nvSpPr>
+        <p:spPr>
+          <a:xfrm>
+            <a:off x="5000628" y="3471600"/>
+            <a:ext cx="428628" cy="338554"/>
+          </a:xfrm>
+          <a:prstGeom prst="rect">
+            <a:avLst/>
+          </a:prstGeom>
+          <a:noFill/>
+        </p:spPr>
+        <p:txBody>
+          <a:bodyPr wrap="square" rtlCol="0">
+            <a:spAutoFit/>
+          </a:bodyPr>
+          <a:lstStyle/>
+          <a:p>
+            <a:r>
+              <a:rPr lang="es-CO" sz="1600" dirty="0" smtClean="0"/>
+              <a:t> </a:t>
+            </a:r>
+            <a:r>
+              <a:rPr lang="es-CO" sz="1600" dirty="0" smtClean="0"/>
+              <a:t>…</a:t>
+            </a:r>
+            <a:endParaRPr lang="es-CO" sz="1600" dirty="0"/>
+          </a:p>
+        </p:txBody>
+      </p:sp>
+      <p:sp>
+        <p:nvSpPr>
+          <p:cNvPr id="100" name="99 CuadroTexto"/>
+          <p:cNvSpPr txBox="1"/>
+          <p:nvPr/>
+        </p:nvSpPr>
+        <p:spPr>
+          <a:xfrm>
+            <a:off x="5000628" y="4126684"/>
+            <a:ext cx="428628" cy="338554"/>
+          </a:xfrm>
+          <a:prstGeom prst="rect">
+            <a:avLst/>
+          </a:prstGeom>
+          <a:noFill/>
+        </p:spPr>
+        <p:txBody>
+          <a:bodyPr wrap="square" rtlCol="0">
+            <a:spAutoFit/>
+          </a:bodyPr>
+          <a:lstStyle/>
+          <a:p>
+            <a:r>
+              <a:rPr lang="es-CO" sz="1600" dirty="0" smtClean="0"/>
+              <a:t>11</a:t>
+            </a:r>
+            <a:endParaRPr lang="es-CO" sz="1600" dirty="0"/>
+          </a:p>
+        </p:txBody>
+      </p:sp>
+      <p:sp>
+        <p:nvSpPr>
+          <p:cNvPr id="101" name="100 CuadroTexto"/>
+          <p:cNvSpPr txBox="1"/>
+          <p:nvPr/>
+        </p:nvSpPr>
+        <p:spPr>
+          <a:xfrm>
+            <a:off x="5000628" y="4900360"/>
+            <a:ext cx="428628" cy="338554"/>
+          </a:xfrm>
+          <a:prstGeom prst="rect">
+            <a:avLst/>
+          </a:prstGeom>
+          <a:noFill/>
+        </p:spPr>
+        <p:txBody>
+          <a:bodyPr wrap="square" rtlCol="0">
+            <a:spAutoFit/>
+          </a:bodyPr>
+          <a:lstStyle/>
+          <a:p>
+            <a:r>
+              <a:rPr lang="es-CO" sz="1600" dirty="0" smtClean="0"/>
+              <a:t>70</a:t>
+            </a:r>
+            <a:endParaRPr lang="es-CO" sz="1600" dirty="0"/>
+          </a:p>
+        </p:txBody>
+      </p:sp>
+      <p:sp>
+        <p:nvSpPr>
+          <p:cNvPr id="108" name="107 CuadroTexto"/>
+          <p:cNvSpPr txBox="1"/>
+          <p:nvPr/>
+        </p:nvSpPr>
+        <p:spPr>
+          <a:xfrm>
+            <a:off x="2143108" y="1197726"/>
+            <a:ext cx="428628" cy="338554"/>
+          </a:xfrm>
+          <a:prstGeom prst="rect">
+            <a:avLst/>
+          </a:prstGeom>
+          <a:noFill/>
+        </p:spPr>
+        <p:txBody>
+          <a:bodyPr wrap="square" rtlCol="0">
+            <a:spAutoFit/>
+          </a:bodyPr>
+          <a:lstStyle/>
+          <a:p>
+            <a:r>
+              <a:rPr lang="es-CO" sz="1600" dirty="0" smtClean="0"/>
+              <a:t>13</a:t>
+            </a:r>
+            <a:endParaRPr lang="es-CO" sz="1600" dirty="0"/>
+          </a:p>
+        </p:txBody>
+      </p:sp>
+      <p:sp>
+        <p:nvSpPr>
+          <p:cNvPr id="110" name="109 CuadroTexto"/>
+          <p:cNvSpPr txBox="1"/>
+          <p:nvPr/>
+        </p:nvSpPr>
+        <p:spPr>
+          <a:xfrm>
+            <a:off x="2928926" y="626222"/>
+            <a:ext cx="428628" cy="338554"/>
+          </a:xfrm>
+          <a:prstGeom prst="rect">
+            <a:avLst/>
+          </a:prstGeom>
+          <a:noFill/>
+        </p:spPr>
+        <p:txBody>
+          <a:bodyPr wrap="square" rtlCol="0">
+            <a:spAutoFit/>
+          </a:bodyPr>
+          <a:lstStyle/>
+          <a:p>
+            <a:r>
+              <a:rPr lang="es-CO" sz="1600" dirty="0" smtClean="0"/>
+              <a:t>32</a:t>
+            </a:r>
+            <a:endParaRPr lang="es-CO" sz="1600" dirty="0"/>
+          </a:p>
+        </p:txBody>
+      </p:sp>
+      <p:sp>
+        <p:nvSpPr>
+          <p:cNvPr id="111" name="110 CuadroTexto"/>
+          <p:cNvSpPr txBox="1"/>
+          <p:nvPr/>
+        </p:nvSpPr>
+        <p:spPr>
+          <a:xfrm>
+            <a:off x="3428992" y="269032"/>
+            <a:ext cx="428628" cy="338554"/>
+          </a:xfrm>
+          <a:prstGeom prst="rect">
+            <a:avLst/>
+          </a:prstGeom>
+          <a:noFill/>
+        </p:spPr>
+        <p:txBody>
+          <a:bodyPr wrap="square" rtlCol="0">
+            <a:spAutoFit/>
+          </a:bodyPr>
+          <a:lstStyle/>
+          <a:p>
+            <a:r>
+              <a:rPr lang="es-CO" sz="1600" dirty="0" smtClean="0"/>
+              <a:t>25</a:t>
+            </a:r>
+            <a:endParaRPr lang="es-CO" sz="1600" dirty="0"/>
+          </a:p>
+        </p:txBody>
+      </p:sp>
+      <p:sp>
+        <p:nvSpPr>
+          <p:cNvPr id="112" name="111 CuadroTexto"/>
+          <p:cNvSpPr txBox="1"/>
+          <p:nvPr/>
+        </p:nvSpPr>
+        <p:spPr>
+          <a:xfrm>
+            <a:off x="2786050" y="1197726"/>
+            <a:ext cx="428628" cy="338554"/>
+          </a:xfrm>
+          <a:prstGeom prst="rect">
+            <a:avLst/>
+          </a:prstGeom>
+          <a:noFill/>
+        </p:spPr>
+        <p:txBody>
+          <a:bodyPr wrap="square" rtlCol="0">
+            <a:spAutoFit/>
+          </a:bodyPr>
+          <a:lstStyle/>
+          <a:p>
+            <a:r>
+              <a:rPr lang="es-CO" sz="1600" dirty="0" smtClean="0"/>
+              <a:t>48</a:t>
+            </a:r>
+            <a:endParaRPr lang="es-CO" sz="1600" dirty="0"/>
+          </a:p>
+        </p:txBody>
+      </p:sp>
+      <p:sp>
+        <p:nvSpPr>
+          <p:cNvPr id="114" name="113 CuadroTexto"/>
+          <p:cNvSpPr txBox="1"/>
+          <p:nvPr/>
+        </p:nvSpPr>
+        <p:spPr>
+          <a:xfrm>
+            <a:off x="3571868" y="626222"/>
+            <a:ext cx="428628" cy="338554"/>
+          </a:xfrm>
+          <a:prstGeom prst="rect">
+            <a:avLst/>
+          </a:prstGeom>
+          <a:noFill/>
+        </p:spPr>
+        <p:txBody>
+          <a:bodyPr wrap="square" rtlCol="0">
+            <a:spAutoFit/>
+          </a:bodyPr>
+          <a:lstStyle/>
+          <a:p>
+            <a:r>
+              <a:rPr lang="es-CO" sz="1600" dirty="0" smtClean="0"/>
+              <a:t>17</a:t>
+            </a:r>
+            <a:endParaRPr lang="es-CO" sz="1600" dirty="0"/>
+          </a:p>
+        </p:txBody>
+      </p:sp>
+      <p:sp>
+        <p:nvSpPr>
+          <p:cNvPr id="115" name="114 CuadroTexto"/>
+          <p:cNvSpPr txBox="1"/>
+          <p:nvPr/>
+        </p:nvSpPr>
+        <p:spPr>
+          <a:xfrm>
+            <a:off x="4071934" y="269032"/>
+            <a:ext cx="428628" cy="338554"/>
+          </a:xfrm>
+          <a:prstGeom prst="rect">
+            <a:avLst/>
+          </a:prstGeom>
+          <a:noFill/>
+        </p:spPr>
+        <p:txBody>
+          <a:bodyPr wrap="square" rtlCol="0">
+            <a:spAutoFit/>
+          </a:bodyPr>
+          <a:lstStyle/>
+          <a:p>
+            <a:r>
+              <a:rPr lang="es-CO" sz="1600" dirty="0" smtClean="0"/>
+              <a:t>83</a:t>
+            </a:r>
+            <a:endParaRPr lang="es-CO" sz="1600" dirty="0"/>
+          </a:p>
+        </p:txBody>
+      </p:sp>
+      <p:sp>
+        <p:nvSpPr>
+          <p:cNvPr id="116" name="115 CuadroTexto"/>
+          <p:cNvSpPr txBox="1"/>
+          <p:nvPr/>
+        </p:nvSpPr>
+        <p:spPr>
+          <a:xfrm>
+            <a:off x="3571868" y="1142984"/>
+            <a:ext cx="428628" cy="338554"/>
+          </a:xfrm>
+          <a:prstGeom prst="rect">
+            <a:avLst/>
+          </a:prstGeom>
+          <a:noFill/>
+        </p:spPr>
+        <p:txBody>
+          <a:bodyPr wrap="square" rtlCol="0">
+            <a:spAutoFit/>
+          </a:bodyPr>
+          <a:lstStyle/>
+          <a:p>
+            <a:r>
+              <a:rPr lang="es-CO" sz="1600" dirty="0" smtClean="0"/>
+              <a:t>…</a:t>
+            </a:r>
+            <a:endParaRPr lang="es-CO" sz="1600" dirty="0"/>
+          </a:p>
+        </p:txBody>
+      </p:sp>
+      <p:sp>
+        <p:nvSpPr>
+          <p:cNvPr id="118" name="117 CuadroTexto"/>
+          <p:cNvSpPr txBox="1"/>
+          <p:nvPr/>
+        </p:nvSpPr>
+        <p:spPr>
+          <a:xfrm>
+            <a:off x="4429124" y="518678"/>
+            <a:ext cx="428628" cy="338554"/>
+          </a:xfrm>
+          <a:prstGeom prst="rect">
+            <a:avLst/>
+          </a:prstGeom>
+          <a:noFill/>
+        </p:spPr>
+        <p:txBody>
+          <a:bodyPr wrap="square" rtlCol="0">
+            <a:spAutoFit/>
+          </a:bodyPr>
+          <a:lstStyle/>
+          <a:p>
+            <a:r>
+              <a:rPr lang="es-CO" sz="1600" dirty="0" smtClean="0"/>
+              <a:t>…</a:t>
+            </a:r>
+            <a:endParaRPr lang="es-CO" sz="1600" dirty="0"/>
+          </a:p>
+        </p:txBody>
+      </p:sp>
+      <p:sp>
+        <p:nvSpPr>
+          <p:cNvPr id="119" name="118 CuadroTexto"/>
+          <p:cNvSpPr txBox="1"/>
+          <p:nvPr/>
+        </p:nvSpPr>
+        <p:spPr>
+          <a:xfrm>
+            <a:off x="4857752" y="142852"/>
+            <a:ext cx="428628" cy="338554"/>
+          </a:xfrm>
+          <a:prstGeom prst="rect">
+            <a:avLst/>
+          </a:prstGeom>
+          <a:noFill/>
+        </p:spPr>
+        <p:txBody>
+          <a:bodyPr wrap="square" rtlCol="0">
+            <a:spAutoFit/>
+          </a:bodyPr>
+          <a:lstStyle/>
+          <a:p>
+            <a:r>
+              <a:rPr lang="es-CO" sz="1600" dirty="0" smtClean="0"/>
+              <a:t>…</a:t>
+            </a:r>
+            <a:endParaRPr lang="es-CO" sz="1600" dirty="0"/>
+          </a:p>
+        </p:txBody>
+      </p:sp>
+      <p:sp>
+        <p:nvSpPr>
+          <p:cNvPr id="120" name="119 CuadroTexto"/>
+          <p:cNvSpPr txBox="1"/>
+          <p:nvPr/>
+        </p:nvSpPr>
+        <p:spPr>
+          <a:xfrm>
+            <a:off x="4214810" y="1216362"/>
+            <a:ext cx="428628" cy="338554"/>
+          </a:xfrm>
+          <a:prstGeom prst="rect">
+            <a:avLst/>
+          </a:prstGeom>
+          <a:noFill/>
+        </p:spPr>
+        <p:txBody>
+          <a:bodyPr wrap="square" rtlCol="0">
+            <a:spAutoFit/>
+          </a:bodyPr>
+          <a:lstStyle/>
+          <a:p>
+            <a:r>
+              <a:rPr lang="es-CO" sz="1600" dirty="0" smtClean="0"/>
+              <a:t>2</a:t>
+            </a:r>
+            <a:r>
+              <a:rPr lang="es-CO" sz="1600" dirty="0" smtClean="0"/>
+              <a:t>4</a:t>
+            </a:r>
+            <a:endParaRPr lang="es-CO" sz="1600" dirty="0"/>
+          </a:p>
+        </p:txBody>
+      </p:sp>
+      <p:sp>
+        <p:nvSpPr>
+          <p:cNvPr id="122" name="121 CuadroTexto"/>
+          <p:cNvSpPr txBox="1"/>
+          <p:nvPr/>
+        </p:nvSpPr>
+        <p:spPr>
+          <a:xfrm>
+            <a:off x="5000628" y="644858"/>
+            <a:ext cx="428628" cy="338554"/>
+          </a:xfrm>
+          <a:prstGeom prst="rect">
+            <a:avLst/>
+          </a:prstGeom>
+          <a:noFill/>
+        </p:spPr>
+        <p:txBody>
+          <a:bodyPr wrap="square" rtlCol="0">
+            <a:spAutoFit/>
+          </a:bodyPr>
+          <a:lstStyle/>
+          <a:p>
+            <a:r>
+              <a:rPr lang="es-CO" sz="1600" dirty="0" smtClean="0"/>
+              <a:t>81</a:t>
+            </a:r>
+            <a:endParaRPr lang="es-CO" sz="1600" dirty="0"/>
+          </a:p>
+        </p:txBody>
+      </p:sp>
+      <p:sp>
+        <p:nvSpPr>
+          <p:cNvPr id="123" name="122 CuadroTexto"/>
+          <p:cNvSpPr txBox="1"/>
+          <p:nvPr/>
+        </p:nvSpPr>
+        <p:spPr>
+          <a:xfrm>
+            <a:off x="5500694" y="287668"/>
+            <a:ext cx="428628" cy="338554"/>
+          </a:xfrm>
+          <a:prstGeom prst="rect">
+            <a:avLst/>
+          </a:prstGeom>
+          <a:noFill/>
+        </p:spPr>
+        <p:txBody>
+          <a:bodyPr wrap="square" rtlCol="0">
+            <a:spAutoFit/>
+          </a:bodyPr>
+          <a:lstStyle/>
+          <a:p>
+            <a:r>
+              <a:rPr lang="es-CO" sz="1600" dirty="0" smtClean="0"/>
+              <a:t>21</a:t>
+            </a:r>
+            <a:endParaRPr lang="es-CO" sz="1600" dirty="0"/>
+          </a:p>
+        </p:txBody>
+      </p:sp>
+      <p:sp>
+        <p:nvSpPr>
+          <p:cNvPr id="124" name="123 CuadroTexto"/>
+          <p:cNvSpPr txBox="1"/>
+          <p:nvPr/>
+        </p:nvSpPr>
+        <p:spPr>
+          <a:xfrm>
+            <a:off x="4929190" y="1197726"/>
+            <a:ext cx="428628" cy="338554"/>
+          </a:xfrm>
+          <a:prstGeom prst="rect">
+            <a:avLst/>
+          </a:prstGeom>
+          <a:noFill/>
+        </p:spPr>
+        <p:txBody>
+          <a:bodyPr wrap="square" rtlCol="0">
+            <a:spAutoFit/>
+          </a:bodyPr>
+          <a:lstStyle/>
+          <a:p>
+            <a:r>
+              <a:rPr lang="es-CO" sz="1600" dirty="0" smtClean="0"/>
+              <a:t>58</a:t>
+            </a:r>
+            <a:endParaRPr lang="es-CO" sz="1600" dirty="0"/>
+          </a:p>
+        </p:txBody>
+      </p:sp>
+      <p:sp>
+        <p:nvSpPr>
+          <p:cNvPr id="126" name="125 CuadroTexto"/>
+          <p:cNvSpPr txBox="1"/>
+          <p:nvPr/>
+        </p:nvSpPr>
+        <p:spPr>
+          <a:xfrm>
+            <a:off x="5715008" y="626222"/>
+            <a:ext cx="428628" cy="338554"/>
+          </a:xfrm>
+          <a:prstGeom prst="rect">
+            <a:avLst/>
+          </a:prstGeom>
+          <a:noFill/>
+        </p:spPr>
+        <p:txBody>
+          <a:bodyPr wrap="square" rtlCol="0">
+            <a:spAutoFit/>
+          </a:bodyPr>
+          <a:lstStyle/>
+          <a:p>
+            <a:r>
+              <a:rPr lang="es-CO" sz="1600" dirty="0" smtClean="0"/>
+              <a:t>85</a:t>
+            </a:r>
+            <a:endParaRPr lang="es-CO" sz="1600" dirty="0"/>
+          </a:p>
+        </p:txBody>
+      </p:sp>
+      <p:sp>
+        <p:nvSpPr>
+          <p:cNvPr id="127" name="126 CuadroTexto"/>
+          <p:cNvSpPr txBox="1"/>
+          <p:nvPr/>
+        </p:nvSpPr>
+        <p:spPr>
+          <a:xfrm>
+            <a:off x="6215074" y="269032"/>
+            <a:ext cx="428628" cy="338554"/>
+          </a:xfrm>
+          <a:prstGeom prst="rect">
+            <a:avLst/>
+          </a:prstGeom>
+          <a:noFill/>
+        </p:spPr>
+        <p:txBody>
+          <a:bodyPr wrap="square" rtlCol="0">
+            <a:spAutoFit/>
+          </a:bodyPr>
+          <a:lstStyle/>
+          <a:p>
+            <a:r>
+              <a:rPr lang="es-CO" sz="1600" dirty="0" smtClean="0"/>
+              <a:t>69</a:t>
+            </a:r>
+            <a:endParaRPr lang="es-CO" sz="1600" dirty="0"/>
+          </a:p>
+        </p:txBody>
+      </p:sp>
+      <p:sp>
+        <p:nvSpPr>
+          <p:cNvPr id="128" name="127 CuadroTexto"/>
+          <p:cNvSpPr txBox="1"/>
+          <p:nvPr/>
+        </p:nvSpPr>
+        <p:spPr>
+          <a:xfrm>
+            <a:off x="6000760" y="2287932"/>
+            <a:ext cx="428628" cy="338554"/>
+          </a:xfrm>
+          <a:prstGeom prst="rect">
+            <a:avLst/>
+          </a:prstGeom>
+          <a:noFill/>
+        </p:spPr>
+        <p:txBody>
+          <a:bodyPr wrap="square" rtlCol="0">
+            <a:spAutoFit/>
+          </a:bodyPr>
+          <a:lstStyle/>
+          <a:p>
+            <a:r>
+              <a:rPr lang="es-CO" sz="1600" dirty="0" smtClean="0"/>
+              <a:t>1</a:t>
+            </a:r>
+            <a:r>
+              <a:rPr lang="es-CO" sz="1600" dirty="0" smtClean="0"/>
+              <a:t>4</a:t>
+            </a:r>
+            <a:endParaRPr lang="es-CO" sz="1600" dirty="0"/>
+          </a:p>
+        </p:txBody>
+      </p:sp>
+      <p:sp>
+        <p:nvSpPr>
+          <p:cNvPr id="129" name="128 CuadroTexto"/>
+          <p:cNvSpPr txBox="1"/>
+          <p:nvPr/>
+        </p:nvSpPr>
+        <p:spPr>
+          <a:xfrm>
+            <a:off x="6500826" y="2002180"/>
+            <a:ext cx="428628" cy="338554"/>
+          </a:xfrm>
+          <a:prstGeom prst="rect">
+            <a:avLst/>
+          </a:prstGeom>
+          <a:noFill/>
+        </p:spPr>
+        <p:txBody>
+          <a:bodyPr wrap="square" rtlCol="0">
+            <a:spAutoFit/>
+          </a:bodyPr>
+          <a:lstStyle/>
+          <a:p>
+            <a:r>
+              <a:rPr lang="es-CO" sz="1600" dirty="0" smtClean="0"/>
+              <a:t>…</a:t>
+            </a:r>
+            <a:endParaRPr lang="es-CO" sz="1600" dirty="0"/>
+          </a:p>
+        </p:txBody>
+      </p:sp>
+      <p:sp>
+        <p:nvSpPr>
+          <p:cNvPr id="130" name="129 CuadroTexto"/>
+          <p:cNvSpPr txBox="1"/>
+          <p:nvPr/>
+        </p:nvSpPr>
+        <p:spPr>
+          <a:xfrm>
+            <a:off x="6858016" y="1716428"/>
+            <a:ext cx="428628" cy="338554"/>
+          </a:xfrm>
+          <a:prstGeom prst="rect">
+            <a:avLst/>
+          </a:prstGeom>
+          <a:noFill/>
+        </p:spPr>
+        <p:txBody>
+          <a:bodyPr wrap="square" rtlCol="0">
+            <a:spAutoFit/>
+          </a:bodyPr>
+          <a:lstStyle/>
+          <a:p>
+            <a:r>
+              <a:rPr lang="es-CO" sz="1600" dirty="0" smtClean="0"/>
+              <a:t>76</a:t>
+            </a:r>
+            <a:endParaRPr lang="es-CO" sz="1600" dirty="0"/>
+          </a:p>
+        </p:txBody>
+      </p:sp>
+      <p:sp>
+        <p:nvSpPr>
+          <p:cNvPr id="131" name="130 CuadroTexto"/>
+          <p:cNvSpPr txBox="1"/>
+          <p:nvPr/>
+        </p:nvSpPr>
+        <p:spPr>
+          <a:xfrm>
+            <a:off x="7358082" y="1359238"/>
+            <a:ext cx="428628" cy="338554"/>
+          </a:xfrm>
+          <a:prstGeom prst="rect">
+            <a:avLst/>
+          </a:prstGeom>
+          <a:noFill/>
+        </p:spPr>
+        <p:txBody>
+          <a:bodyPr wrap="square" rtlCol="0">
+            <a:spAutoFit/>
+          </a:bodyPr>
+          <a:lstStyle/>
+          <a:p>
+            <a:r>
+              <a:rPr lang="es-CO" sz="1600" dirty="0" smtClean="0"/>
+              <a:t>15</a:t>
+            </a:r>
+            <a:endParaRPr lang="es-CO" sz="1600" dirty="0"/>
+          </a:p>
+        </p:txBody>
+      </p:sp>
+      <p:sp>
+        <p:nvSpPr>
+          <p:cNvPr id="132" name="131 CuadroTexto"/>
+          <p:cNvSpPr txBox="1"/>
+          <p:nvPr/>
+        </p:nvSpPr>
+        <p:spPr>
+          <a:xfrm>
+            <a:off x="6000760" y="3002312"/>
+            <a:ext cx="428628" cy="338554"/>
+          </a:xfrm>
+          <a:prstGeom prst="rect">
+            <a:avLst/>
+          </a:prstGeom>
+          <a:noFill/>
+        </p:spPr>
+        <p:txBody>
+          <a:bodyPr wrap="square" rtlCol="0">
+            <a:spAutoFit/>
+          </a:bodyPr>
+          <a:lstStyle/>
+          <a:p>
+            <a:r>
+              <a:rPr lang="es-CO" sz="1600" dirty="0" smtClean="0"/>
+              <a:t>…</a:t>
+            </a:r>
+            <a:endParaRPr lang="es-CO" sz="1600" dirty="0"/>
+          </a:p>
+        </p:txBody>
+      </p:sp>
+      <p:sp>
+        <p:nvSpPr>
+          <p:cNvPr id="133" name="132 CuadroTexto"/>
+          <p:cNvSpPr txBox="1"/>
+          <p:nvPr/>
+        </p:nvSpPr>
+        <p:spPr>
+          <a:xfrm>
+            <a:off x="6500826" y="2716560"/>
+            <a:ext cx="428628" cy="338554"/>
+          </a:xfrm>
+          <a:prstGeom prst="rect">
+            <a:avLst/>
+          </a:prstGeom>
+          <a:noFill/>
+        </p:spPr>
+        <p:txBody>
+          <a:bodyPr wrap="square" rtlCol="0">
+            <a:spAutoFit/>
+          </a:bodyPr>
+          <a:lstStyle/>
+          <a:p>
+            <a:r>
+              <a:rPr lang="es-CO" sz="1600" dirty="0" smtClean="0"/>
+              <a:t>…</a:t>
+            </a:r>
+            <a:endParaRPr lang="es-CO" sz="1600" dirty="0"/>
+          </a:p>
+        </p:txBody>
+      </p:sp>
+      <p:sp>
+        <p:nvSpPr>
+          <p:cNvPr id="134" name="133 CuadroTexto"/>
+          <p:cNvSpPr txBox="1"/>
+          <p:nvPr/>
+        </p:nvSpPr>
+        <p:spPr>
+          <a:xfrm>
+            <a:off x="6929454" y="2430808"/>
+            <a:ext cx="428628" cy="338554"/>
+          </a:xfrm>
+          <a:prstGeom prst="rect">
+            <a:avLst/>
+          </a:prstGeom>
+          <a:noFill/>
+        </p:spPr>
+        <p:txBody>
+          <a:bodyPr wrap="square" rtlCol="0">
+            <a:spAutoFit/>
+          </a:bodyPr>
+          <a:lstStyle/>
+          <a:p>
+            <a:r>
+              <a:rPr lang="es-CO" sz="1600" dirty="0" smtClean="0"/>
+              <a:t>…</a:t>
+            </a:r>
+            <a:endParaRPr lang="es-CO" sz="1600" dirty="0"/>
+          </a:p>
+        </p:txBody>
+      </p:sp>
+      <p:sp>
+        <p:nvSpPr>
+          <p:cNvPr id="135" name="134 CuadroTexto"/>
+          <p:cNvSpPr txBox="1"/>
+          <p:nvPr/>
+        </p:nvSpPr>
+        <p:spPr>
+          <a:xfrm>
+            <a:off x="7358082" y="2073618"/>
+            <a:ext cx="428628" cy="338554"/>
+          </a:xfrm>
+          <a:prstGeom prst="rect">
+            <a:avLst/>
+          </a:prstGeom>
+          <a:noFill/>
+        </p:spPr>
+        <p:txBody>
+          <a:bodyPr wrap="square" rtlCol="0">
+            <a:spAutoFit/>
+          </a:bodyPr>
+          <a:lstStyle/>
+          <a:p>
+            <a:r>
+              <a:rPr lang="es-CO" sz="1600" dirty="0" smtClean="0"/>
+              <a:t>…</a:t>
+            </a:r>
+            <a:endParaRPr lang="es-CO" sz="1600" dirty="0"/>
+          </a:p>
+        </p:txBody>
+      </p:sp>
+      <p:sp>
+        <p:nvSpPr>
+          <p:cNvPr id="136" name="135 CuadroTexto"/>
+          <p:cNvSpPr txBox="1"/>
+          <p:nvPr/>
+        </p:nvSpPr>
+        <p:spPr>
+          <a:xfrm>
+            <a:off x="6000760" y="3698056"/>
+            <a:ext cx="428628" cy="338554"/>
+          </a:xfrm>
+          <a:prstGeom prst="rect">
+            <a:avLst/>
+          </a:prstGeom>
+          <a:noFill/>
+        </p:spPr>
+        <p:txBody>
+          <a:bodyPr wrap="square" rtlCol="0">
+            <a:spAutoFit/>
+          </a:bodyPr>
+          <a:lstStyle/>
+          <a:p>
+            <a:r>
+              <a:rPr lang="es-CO" sz="1600" dirty="0" smtClean="0"/>
+              <a:t>98</a:t>
+            </a:r>
+            <a:endParaRPr lang="es-CO" sz="1600" dirty="0"/>
+          </a:p>
+        </p:txBody>
+      </p:sp>
+      <p:sp>
+        <p:nvSpPr>
+          <p:cNvPr id="137" name="136 CuadroTexto"/>
+          <p:cNvSpPr txBox="1"/>
+          <p:nvPr/>
+        </p:nvSpPr>
+        <p:spPr>
+          <a:xfrm>
+            <a:off x="6500826" y="3430940"/>
+            <a:ext cx="428628" cy="338554"/>
+          </a:xfrm>
+          <a:prstGeom prst="rect">
+            <a:avLst/>
+          </a:prstGeom>
+          <a:noFill/>
+        </p:spPr>
+        <p:txBody>
+          <a:bodyPr wrap="square" rtlCol="0">
+            <a:spAutoFit/>
+          </a:bodyPr>
+          <a:lstStyle/>
+          <a:p>
+            <a:r>
+              <a:rPr lang="es-CO" sz="1600" dirty="0" smtClean="0"/>
+              <a:t>…</a:t>
+            </a:r>
+            <a:endParaRPr lang="es-CO" sz="1600" dirty="0"/>
+          </a:p>
+        </p:txBody>
+      </p:sp>
+      <p:sp>
+        <p:nvSpPr>
+          <p:cNvPr id="138" name="137 CuadroTexto"/>
+          <p:cNvSpPr txBox="1"/>
+          <p:nvPr/>
+        </p:nvSpPr>
+        <p:spPr>
+          <a:xfrm>
+            <a:off x="6858016" y="3126552"/>
+            <a:ext cx="428628" cy="338554"/>
+          </a:xfrm>
+          <a:prstGeom prst="rect">
+            <a:avLst/>
+          </a:prstGeom>
+          <a:noFill/>
+        </p:spPr>
+        <p:txBody>
+          <a:bodyPr wrap="square" rtlCol="0">
+            <a:spAutoFit/>
+          </a:bodyPr>
+          <a:lstStyle/>
+          <a:p>
+            <a:r>
+              <a:rPr lang="es-CO" sz="1600" dirty="0" smtClean="0"/>
+              <a:t>9</a:t>
+            </a:r>
+            <a:r>
+              <a:rPr lang="es-CO" sz="1600" dirty="0" smtClean="0"/>
+              <a:t>4</a:t>
+            </a:r>
+            <a:endParaRPr lang="es-CO" sz="1600" dirty="0"/>
+          </a:p>
+        </p:txBody>
+      </p:sp>
+      <p:sp>
+        <p:nvSpPr>
+          <p:cNvPr id="139" name="138 CuadroTexto"/>
+          <p:cNvSpPr txBox="1"/>
+          <p:nvPr/>
+        </p:nvSpPr>
+        <p:spPr>
+          <a:xfrm>
+            <a:off x="7286644" y="2859436"/>
+            <a:ext cx="428628" cy="338554"/>
+          </a:xfrm>
+          <a:prstGeom prst="rect">
+            <a:avLst/>
+          </a:prstGeom>
+          <a:noFill/>
+        </p:spPr>
+        <p:txBody>
+          <a:bodyPr wrap="square" rtlCol="0">
+            <a:spAutoFit/>
+          </a:bodyPr>
+          <a:lstStyle/>
+          <a:p>
+            <a:r>
+              <a:rPr lang="es-CO" sz="1600" dirty="0" smtClean="0"/>
+              <a:t>32</a:t>
+            </a:r>
+            <a:endParaRPr lang="es-CO" sz="1600" dirty="0"/>
+          </a:p>
+        </p:txBody>
+      </p:sp>
+      <p:sp>
+        <p:nvSpPr>
+          <p:cNvPr id="140" name="139 CuadroTexto"/>
+          <p:cNvSpPr txBox="1"/>
+          <p:nvPr/>
+        </p:nvSpPr>
+        <p:spPr>
+          <a:xfrm>
+            <a:off x="6000760" y="4412436"/>
+            <a:ext cx="428628" cy="338554"/>
+          </a:xfrm>
+          <a:prstGeom prst="rect">
+            <a:avLst/>
+          </a:prstGeom>
+          <a:noFill/>
+        </p:spPr>
+        <p:txBody>
+          <a:bodyPr wrap="square" rtlCol="0">
+            <a:spAutoFit/>
+          </a:bodyPr>
+          <a:lstStyle/>
+          <a:p>
+            <a:r>
+              <a:rPr lang="es-CO" sz="1600" dirty="0" smtClean="0"/>
+              <a:t>71</a:t>
+            </a:r>
+            <a:endParaRPr lang="es-CO" sz="1600" dirty="0"/>
+          </a:p>
+        </p:txBody>
+      </p:sp>
+      <p:sp>
+        <p:nvSpPr>
+          <p:cNvPr id="141" name="140 CuadroTexto"/>
+          <p:cNvSpPr txBox="1"/>
+          <p:nvPr/>
+        </p:nvSpPr>
+        <p:spPr>
+          <a:xfrm>
+            <a:off x="6500826" y="4126684"/>
+            <a:ext cx="428628" cy="338554"/>
+          </a:xfrm>
+          <a:prstGeom prst="rect">
+            <a:avLst/>
+          </a:prstGeom>
+          <a:noFill/>
+        </p:spPr>
+        <p:txBody>
+          <a:bodyPr wrap="square" rtlCol="0">
+            <a:spAutoFit/>
+          </a:bodyPr>
+          <a:lstStyle/>
+          <a:p>
+            <a:r>
+              <a:rPr lang="es-CO" sz="1600" dirty="0" smtClean="0"/>
+              <a:t>…</a:t>
+            </a:r>
+            <a:endParaRPr lang="es-CO" sz="1600" dirty="0"/>
+          </a:p>
+        </p:txBody>
+      </p:sp>
+      <p:sp>
+        <p:nvSpPr>
+          <p:cNvPr id="142" name="141 CuadroTexto"/>
+          <p:cNvSpPr txBox="1"/>
+          <p:nvPr/>
+        </p:nvSpPr>
+        <p:spPr>
+          <a:xfrm>
+            <a:off x="6858016" y="3840932"/>
+            <a:ext cx="428628" cy="338554"/>
+          </a:xfrm>
+          <a:prstGeom prst="rect">
+            <a:avLst/>
+          </a:prstGeom>
+          <a:noFill/>
+        </p:spPr>
+        <p:txBody>
+          <a:bodyPr wrap="square" rtlCol="0">
+            <a:spAutoFit/>
+          </a:bodyPr>
+          <a:lstStyle/>
+          <a:p>
+            <a:r>
+              <a:rPr lang="es-CO" sz="1600" dirty="0" smtClean="0"/>
+              <a:t>23</a:t>
+            </a:r>
+            <a:endParaRPr lang="es-CO" sz="1600" dirty="0"/>
+          </a:p>
+        </p:txBody>
+      </p:sp>
+      <p:sp>
+        <p:nvSpPr>
+          <p:cNvPr id="143" name="142 CuadroTexto"/>
+          <p:cNvSpPr txBox="1"/>
+          <p:nvPr/>
+        </p:nvSpPr>
+        <p:spPr>
+          <a:xfrm>
+            <a:off x="7286644" y="3483742"/>
+            <a:ext cx="428628" cy="338554"/>
+          </a:xfrm>
+          <a:prstGeom prst="rect">
+            <a:avLst/>
+          </a:prstGeom>
+          <a:noFill/>
+        </p:spPr>
+        <p:txBody>
+          <a:bodyPr wrap="square" rtlCol="0">
+            <a:spAutoFit/>
+          </a:bodyPr>
+          <a:lstStyle/>
+          <a:p>
+            <a:r>
+              <a:rPr lang="es-CO" sz="1600" dirty="0" smtClean="0"/>
+              <a:t>82</a:t>
+            </a:r>
+            <a:endParaRPr lang="es-CO" sz="1600" dirty="0"/>
+          </a:p>
+        </p:txBody>
+      </p:sp>
+      <p:sp>
+        <p:nvSpPr>
+          <p:cNvPr id="144" name="143 CuadroTexto"/>
+          <p:cNvSpPr txBox="1"/>
+          <p:nvPr/>
+        </p:nvSpPr>
+        <p:spPr>
+          <a:xfrm>
+            <a:off x="5715008" y="1197726"/>
+            <a:ext cx="428628" cy="338554"/>
+          </a:xfrm>
+          <a:prstGeom prst="rect">
+            <a:avLst/>
+          </a:prstGeom>
+          <a:noFill/>
+        </p:spPr>
+        <p:txBody>
+          <a:bodyPr wrap="square" rtlCol="0">
+            <a:spAutoFit/>
+          </a:bodyPr>
+          <a:lstStyle/>
+          <a:p>
+            <a:r>
+              <a:rPr lang="es-CO" sz="1600" dirty="0" smtClean="0"/>
+              <a:t>98</a:t>
+            </a:r>
+            <a:endParaRPr lang="es-CO" sz="1600" dirty="0"/>
+          </a:p>
+        </p:txBody>
+      </p:sp>
+      <p:sp>
+        <p:nvSpPr>
+          <p:cNvPr id="145" name="144 CuadroTexto"/>
+          <p:cNvSpPr txBox="1"/>
+          <p:nvPr/>
+        </p:nvSpPr>
+        <p:spPr>
+          <a:xfrm>
+            <a:off x="6143636" y="840536"/>
+            <a:ext cx="428628" cy="338554"/>
+          </a:xfrm>
+          <a:prstGeom prst="rect">
+            <a:avLst/>
+          </a:prstGeom>
+          <a:noFill/>
+        </p:spPr>
+        <p:txBody>
+          <a:bodyPr wrap="square" rtlCol="0">
+            <a:spAutoFit/>
+          </a:bodyPr>
+          <a:lstStyle/>
+          <a:p>
+            <a:r>
+              <a:rPr lang="es-CO" sz="1600" dirty="0" smtClean="0"/>
+              <a:t>…</a:t>
+            </a:r>
+            <a:endParaRPr lang="es-CO" sz="1600" dirty="0"/>
+          </a:p>
+        </p:txBody>
+      </p:sp>
+      <p:sp>
+        <p:nvSpPr>
+          <p:cNvPr id="146" name="145 CuadroTexto"/>
+          <p:cNvSpPr txBox="1"/>
+          <p:nvPr/>
+        </p:nvSpPr>
+        <p:spPr>
+          <a:xfrm>
+            <a:off x="6500826" y="626222"/>
+            <a:ext cx="428628" cy="338554"/>
+          </a:xfrm>
+          <a:prstGeom prst="rect">
+            <a:avLst/>
+          </a:prstGeom>
+          <a:noFill/>
+        </p:spPr>
+        <p:txBody>
+          <a:bodyPr wrap="square" rtlCol="0">
+            <a:spAutoFit/>
+          </a:bodyPr>
+          <a:lstStyle/>
+          <a:p>
+            <a:r>
+              <a:rPr lang="es-CO" sz="1600" dirty="0" smtClean="0"/>
+              <a:t>34</a:t>
+            </a:r>
+            <a:endParaRPr lang="es-CO" sz="1600" dirty="0"/>
+          </a:p>
+        </p:txBody>
+      </p:sp>
+      <p:sp>
+        <p:nvSpPr>
+          <p:cNvPr id="147" name="146 CuadroTexto"/>
+          <p:cNvSpPr txBox="1"/>
+          <p:nvPr/>
+        </p:nvSpPr>
+        <p:spPr>
+          <a:xfrm>
+            <a:off x="7000892" y="269032"/>
+            <a:ext cx="428628" cy="338554"/>
+          </a:xfrm>
+          <a:prstGeom prst="rect">
+            <a:avLst/>
+          </a:prstGeom>
+          <a:noFill/>
+        </p:spPr>
+        <p:txBody>
+          <a:bodyPr wrap="square" rtlCol="0">
+            <a:spAutoFit/>
+          </a:bodyPr>
+          <a:lstStyle/>
+          <a:p>
+            <a:r>
+              <a:rPr lang="es-CO" sz="1600" dirty="0" smtClean="0"/>
+              <a:t>12</a:t>
+            </a:r>
+            <a:endParaRPr lang="es-CO" sz="1600" dirty="0"/>
+          </a:p>
+        </p:txBody>
+      </p:sp>
+      <p:sp>
+        <p:nvSpPr>
+          <p:cNvPr id="148" name="147 CuadroTexto"/>
+          <p:cNvSpPr txBox="1"/>
+          <p:nvPr/>
+        </p:nvSpPr>
+        <p:spPr>
+          <a:xfrm>
+            <a:off x="5429256" y="840536"/>
+            <a:ext cx="428628" cy="338554"/>
+          </a:xfrm>
+          <a:prstGeom prst="rect">
+            <a:avLst/>
+          </a:prstGeom>
+          <a:noFill/>
+        </p:spPr>
+        <p:txBody>
+          <a:bodyPr wrap="square" rtlCol="0">
+            <a:spAutoFit/>
+          </a:bodyPr>
+          <a:lstStyle/>
+          <a:p>
+            <a:r>
+              <a:rPr lang="es-CO" sz="1600" dirty="0" smtClean="0"/>
+              <a:t>…</a:t>
+            </a:r>
+            <a:endParaRPr lang="es-CO" sz="1600" dirty="0"/>
+          </a:p>
+        </p:txBody>
+      </p:sp>
+      <p:sp>
+        <p:nvSpPr>
+          <p:cNvPr id="149" name="148 CuadroTexto"/>
+          <p:cNvSpPr txBox="1"/>
+          <p:nvPr/>
+        </p:nvSpPr>
+        <p:spPr>
+          <a:xfrm>
+            <a:off x="4714876" y="840536"/>
+            <a:ext cx="428628" cy="338554"/>
+          </a:xfrm>
+          <a:prstGeom prst="rect">
+            <a:avLst/>
+          </a:prstGeom>
+          <a:noFill/>
+        </p:spPr>
+        <p:txBody>
+          <a:bodyPr wrap="square" rtlCol="0">
+            <a:spAutoFit/>
+          </a:bodyPr>
+          <a:lstStyle/>
+          <a:p>
+            <a:r>
+              <a:rPr lang="es-CO" sz="1600" dirty="0" smtClean="0"/>
+              <a:t>…</a:t>
+            </a:r>
+            <a:endParaRPr lang="es-CO" sz="1600" dirty="0"/>
+          </a:p>
+        </p:txBody>
+      </p:sp>
+      <p:sp>
+        <p:nvSpPr>
+          <p:cNvPr id="150" name="149 CuadroTexto"/>
+          <p:cNvSpPr txBox="1"/>
+          <p:nvPr/>
+        </p:nvSpPr>
+        <p:spPr>
+          <a:xfrm>
+            <a:off x="3929058" y="859172"/>
+            <a:ext cx="428628" cy="338554"/>
+          </a:xfrm>
+          <a:prstGeom prst="rect">
+            <a:avLst/>
+          </a:prstGeom>
+          <a:noFill/>
+        </p:spPr>
+        <p:txBody>
+          <a:bodyPr wrap="square" rtlCol="0">
+            <a:spAutoFit/>
+          </a:bodyPr>
+          <a:lstStyle/>
+          <a:p>
+            <a:r>
+              <a:rPr lang="es-CO" sz="1600" dirty="0" smtClean="0"/>
+              <a:t>…</a:t>
+            </a:r>
+            <a:endParaRPr lang="es-CO" sz="1600" dirty="0"/>
+          </a:p>
+        </p:txBody>
+      </p:sp>
+      <p:sp>
+        <p:nvSpPr>
+          <p:cNvPr id="151" name="150 CuadroTexto"/>
+          <p:cNvSpPr txBox="1"/>
+          <p:nvPr/>
+        </p:nvSpPr>
+        <p:spPr>
+          <a:xfrm>
+            <a:off x="3286116" y="840536"/>
+            <a:ext cx="428628" cy="338554"/>
+          </a:xfrm>
+          <a:prstGeom prst="rect">
+            <a:avLst/>
+          </a:prstGeom>
+          <a:noFill/>
+        </p:spPr>
+        <p:txBody>
+          <a:bodyPr wrap="square" rtlCol="0">
+            <a:spAutoFit/>
+          </a:bodyPr>
+          <a:lstStyle/>
+          <a:p>
+            <a:r>
+              <a:rPr lang="es-CO" sz="1600" dirty="0" smtClean="0"/>
+              <a:t>…</a:t>
+            </a:r>
+            <a:endParaRPr lang="es-CO" sz="1600" dirty="0"/>
+          </a:p>
+        </p:txBody>
+      </p:sp>
+      <p:sp>
+        <p:nvSpPr>
+          <p:cNvPr id="152" name="151 CuadroTexto"/>
+          <p:cNvSpPr txBox="1"/>
+          <p:nvPr/>
+        </p:nvSpPr>
+        <p:spPr>
+          <a:xfrm>
+            <a:off x="2571736" y="840536"/>
+            <a:ext cx="428628" cy="338554"/>
+          </a:xfrm>
+          <a:prstGeom prst="rect">
+            <a:avLst/>
+          </a:prstGeom>
+          <a:noFill/>
+        </p:spPr>
+        <p:txBody>
+          <a:bodyPr wrap="square" rtlCol="0">
+            <a:spAutoFit/>
+          </a:bodyPr>
+          <a:lstStyle/>
+          <a:p>
+            <a:r>
+              <a:rPr lang="es-CO" sz="1600" dirty="0" smtClean="0"/>
+              <a:t>…</a:t>
+            </a:r>
+            <a:endParaRPr lang="es-CO" sz="1600" dirty="0"/>
+          </a:p>
+        </p:txBody>
+      </p:sp>
+      <p:sp>
+        <p:nvSpPr>
+          <p:cNvPr id="153" name="152 CuadroTexto"/>
+          <p:cNvSpPr txBox="1"/>
+          <p:nvPr/>
+        </p:nvSpPr>
+        <p:spPr>
+          <a:xfrm>
+            <a:off x="4081458" y="1011572"/>
+            <a:ext cx="428628" cy="338554"/>
+          </a:xfrm>
+          <a:prstGeom prst="rect">
+            <a:avLst/>
+          </a:prstGeom>
+          <a:noFill/>
+        </p:spPr>
+        <p:txBody>
+          <a:bodyPr wrap="square" rtlCol="0">
+            <a:spAutoFit/>
+          </a:bodyPr>
+          <a:lstStyle/>
+          <a:p>
+            <a:r>
+              <a:rPr lang="es-CO" sz="1600" dirty="0" smtClean="0"/>
+              <a:t>…</a:t>
+            </a:r>
+            <a:endParaRPr lang="es-CO" sz="1600" dirty="0"/>
+          </a:p>
+        </p:txBody>
+      </p:sp>
+      <p:sp>
+        <p:nvSpPr>
+          <p:cNvPr id="154" name="153 CuadroTexto"/>
+          <p:cNvSpPr txBox="1"/>
+          <p:nvPr/>
+        </p:nvSpPr>
+        <p:spPr>
+          <a:xfrm>
+            <a:off x="642910" y="2054982"/>
+            <a:ext cx="652743" cy="369332"/>
+          </a:xfrm>
+          <a:prstGeom prst="rect">
+            <a:avLst/>
+          </a:prstGeom>
+          <a:noFill/>
+        </p:spPr>
+        <p:txBody>
+          <a:bodyPr wrap="none" rtlCol="0">
+            <a:spAutoFit/>
+          </a:bodyPr>
+          <a:lstStyle/>
+          <a:p>
+            <a:r>
+              <a:rPr lang="es-CO" dirty="0" smtClean="0"/>
+              <a:t>2011</a:t>
+            </a:r>
+            <a:endParaRPr lang="es-CO" dirty="0"/>
+          </a:p>
+        </p:txBody>
+      </p:sp>
+      <p:sp>
+        <p:nvSpPr>
+          <p:cNvPr id="155" name="154 CuadroTexto"/>
+          <p:cNvSpPr txBox="1"/>
+          <p:nvPr/>
+        </p:nvSpPr>
+        <p:spPr>
+          <a:xfrm>
+            <a:off x="642910" y="2697924"/>
+            <a:ext cx="652743" cy="369332"/>
+          </a:xfrm>
+          <a:prstGeom prst="rect">
+            <a:avLst/>
+          </a:prstGeom>
+          <a:noFill/>
+        </p:spPr>
+        <p:txBody>
+          <a:bodyPr wrap="none" rtlCol="0">
+            <a:spAutoFit/>
+          </a:bodyPr>
+          <a:lstStyle/>
+          <a:p>
+            <a:r>
+              <a:rPr lang="es-CO" dirty="0" smtClean="0"/>
+              <a:t>2012</a:t>
+            </a:r>
+            <a:endParaRPr lang="es-CO" dirty="0"/>
+          </a:p>
+        </p:txBody>
+      </p:sp>
+      <p:sp>
+        <p:nvSpPr>
+          <p:cNvPr id="156" name="155 CuadroTexto"/>
+          <p:cNvSpPr txBox="1"/>
+          <p:nvPr/>
+        </p:nvSpPr>
+        <p:spPr>
+          <a:xfrm>
+            <a:off x="642910" y="4185980"/>
+            <a:ext cx="652743" cy="369332"/>
+          </a:xfrm>
+          <a:prstGeom prst="rect">
+            <a:avLst/>
+          </a:prstGeom>
+          <a:noFill/>
+        </p:spPr>
+        <p:txBody>
+          <a:bodyPr wrap="none" rtlCol="0">
+            <a:spAutoFit/>
+          </a:bodyPr>
+          <a:lstStyle/>
+          <a:p>
+            <a:r>
+              <a:rPr lang="es-CO" dirty="0" smtClean="0"/>
+              <a:t>2016</a:t>
+            </a:r>
+            <a:endParaRPr lang="es-CO" dirty="0"/>
+          </a:p>
+        </p:txBody>
+      </p:sp>
+      <p:sp>
+        <p:nvSpPr>
+          <p:cNvPr id="157" name="156 CuadroTexto"/>
+          <p:cNvSpPr txBox="1"/>
+          <p:nvPr/>
+        </p:nvSpPr>
+        <p:spPr>
+          <a:xfrm>
+            <a:off x="642910" y="4900360"/>
+            <a:ext cx="652743" cy="369332"/>
+          </a:xfrm>
+          <a:prstGeom prst="rect">
+            <a:avLst/>
+          </a:prstGeom>
+          <a:noFill/>
+        </p:spPr>
+        <p:txBody>
+          <a:bodyPr wrap="none" rtlCol="0">
+            <a:spAutoFit/>
+          </a:bodyPr>
+          <a:lstStyle/>
+          <a:p>
+            <a:r>
+              <a:rPr lang="es-CO" dirty="0" smtClean="0"/>
+              <a:t>2017</a:t>
+            </a:r>
+            <a:endParaRPr lang="es-CO" dirty="0"/>
+          </a:p>
+        </p:txBody>
+      </p:sp>
+      <p:sp>
+        <p:nvSpPr>
+          <p:cNvPr id="158" name="157 CuadroTexto"/>
+          <p:cNvSpPr txBox="1"/>
+          <p:nvPr/>
+        </p:nvSpPr>
+        <p:spPr>
+          <a:xfrm>
+            <a:off x="714348" y="3483742"/>
+            <a:ext cx="428628" cy="338554"/>
+          </a:xfrm>
+          <a:prstGeom prst="rect">
+            <a:avLst/>
+          </a:prstGeom>
+          <a:noFill/>
+        </p:spPr>
+        <p:txBody>
+          <a:bodyPr wrap="square" rtlCol="0">
+            <a:spAutoFit/>
+          </a:bodyPr>
+          <a:lstStyle/>
+          <a:p>
+            <a:r>
+              <a:rPr lang="es-CO" sz="1600" dirty="0" smtClean="0"/>
+              <a:t>…</a:t>
+            </a:r>
+            <a:endParaRPr lang="es-CO" sz="1600" dirty="0"/>
+          </a:p>
+        </p:txBody>
+      </p:sp>
+      <p:sp>
+        <p:nvSpPr>
+          <p:cNvPr id="159" name="158 CuadroTexto"/>
+          <p:cNvSpPr txBox="1"/>
+          <p:nvPr/>
+        </p:nvSpPr>
+        <p:spPr>
+          <a:xfrm rot="16200000">
+            <a:off x="-330820" y="3324346"/>
+            <a:ext cx="1571636" cy="461665"/>
+          </a:xfrm>
+          <a:prstGeom prst="rect">
+            <a:avLst/>
+          </a:prstGeom>
+          <a:noFill/>
+        </p:spPr>
+        <p:txBody>
+          <a:bodyPr wrap="square" rtlCol="0">
+            <a:spAutoFit/>
+          </a:bodyPr>
+          <a:lstStyle/>
+          <a:p>
+            <a:pPr algn="ctr"/>
+            <a:r>
+              <a:rPr lang="es-CO" sz="2400" b="1" dirty="0" smtClean="0"/>
+              <a:t>YEAR</a:t>
+            </a:r>
+            <a:endParaRPr lang="es-CO" sz="2400" b="1" dirty="0"/>
+          </a:p>
+        </p:txBody>
+      </p:sp>
+      <p:sp>
+        <p:nvSpPr>
+          <p:cNvPr id="160" name="159 CuadroTexto"/>
+          <p:cNvSpPr txBox="1"/>
+          <p:nvPr/>
+        </p:nvSpPr>
+        <p:spPr>
+          <a:xfrm rot="18986423">
+            <a:off x="195083" y="359671"/>
+            <a:ext cx="1643073" cy="461665"/>
+          </a:xfrm>
+          <a:prstGeom prst="rect">
+            <a:avLst/>
+          </a:prstGeom>
+          <a:noFill/>
+        </p:spPr>
+        <p:txBody>
+          <a:bodyPr wrap="square" rtlCol="0">
+            <a:spAutoFit/>
+          </a:bodyPr>
+          <a:lstStyle/>
+          <a:p>
+            <a:pPr algn="ctr"/>
+            <a:r>
+              <a:rPr lang="es-CO" sz="2400" b="1" dirty="0" smtClean="0"/>
+              <a:t>LENGUAJE</a:t>
+            </a:r>
+            <a:endParaRPr lang="es-CO" sz="2400" b="1" dirty="0"/>
+          </a:p>
+        </p:txBody>
+      </p:sp>
+      <p:sp>
+        <p:nvSpPr>
+          <p:cNvPr id="161" name="160 CuadroTexto"/>
+          <p:cNvSpPr txBox="1"/>
+          <p:nvPr/>
+        </p:nvSpPr>
+        <p:spPr>
+          <a:xfrm>
+            <a:off x="285720" y="1471336"/>
+            <a:ext cx="1093569" cy="369332"/>
+          </a:xfrm>
+          <a:prstGeom prst="rect">
+            <a:avLst/>
+          </a:prstGeom>
+          <a:noFill/>
+        </p:spPr>
+        <p:txBody>
+          <a:bodyPr wrap="none" rtlCol="0">
+            <a:spAutoFit/>
+          </a:bodyPr>
+          <a:lstStyle/>
+          <a:p>
+            <a:r>
+              <a:rPr lang="es-CO" dirty="0" smtClean="0"/>
+              <a:t>AngularJS</a:t>
+            </a:r>
+            <a:endParaRPr lang="es-CO" dirty="0"/>
+          </a:p>
+        </p:txBody>
+      </p:sp>
+      <p:sp>
+        <p:nvSpPr>
+          <p:cNvPr id="162" name="161 CuadroTexto"/>
+          <p:cNvSpPr txBox="1"/>
+          <p:nvPr/>
+        </p:nvSpPr>
+        <p:spPr>
+          <a:xfrm>
+            <a:off x="1285852" y="1126288"/>
+            <a:ext cx="308098" cy="369332"/>
+          </a:xfrm>
+          <a:prstGeom prst="rect">
+            <a:avLst/>
+          </a:prstGeom>
+          <a:noFill/>
+        </p:spPr>
+        <p:txBody>
+          <a:bodyPr wrap="none" rtlCol="0">
+            <a:spAutoFit/>
+          </a:bodyPr>
+          <a:lstStyle/>
+          <a:p>
+            <a:r>
+              <a:rPr lang="es-CO" dirty="0" smtClean="0"/>
+              <a:t>C</a:t>
+            </a:r>
+            <a:endParaRPr lang="es-CO" dirty="0"/>
+          </a:p>
+        </p:txBody>
+      </p:sp>
+      <p:sp>
+        <p:nvSpPr>
+          <p:cNvPr id="163" name="162 CuadroTexto"/>
+          <p:cNvSpPr txBox="1"/>
+          <p:nvPr/>
+        </p:nvSpPr>
+        <p:spPr>
+          <a:xfrm>
+            <a:off x="1428728" y="542642"/>
+            <a:ext cx="1260153" cy="369332"/>
+          </a:xfrm>
+          <a:prstGeom prst="rect">
+            <a:avLst/>
+          </a:prstGeom>
+          <a:noFill/>
+        </p:spPr>
+        <p:txBody>
+          <a:bodyPr wrap="none" rtlCol="0">
+            <a:spAutoFit/>
+          </a:bodyPr>
+          <a:lstStyle/>
+          <a:p>
+            <a:r>
+              <a:rPr lang="es-CO" dirty="0" smtClean="0"/>
+              <a:t>SQL_Server</a:t>
+            </a:r>
+            <a:endParaRPr lang="es-CO" dirty="0"/>
+          </a:p>
+        </p:txBody>
+      </p:sp>
+      <p:sp>
+        <p:nvSpPr>
+          <p:cNvPr id="164" name="163 CuadroTexto"/>
+          <p:cNvSpPr txBox="1"/>
+          <p:nvPr/>
+        </p:nvSpPr>
+        <p:spPr>
+          <a:xfrm>
+            <a:off x="1857356" y="840536"/>
+            <a:ext cx="428628" cy="338554"/>
+          </a:xfrm>
+          <a:prstGeom prst="rect">
+            <a:avLst/>
+          </a:prstGeom>
+          <a:noFill/>
+        </p:spPr>
+        <p:txBody>
+          <a:bodyPr wrap="square" rtlCol="0">
+            <a:spAutoFit/>
+          </a:bodyPr>
+          <a:lstStyle/>
+          <a:p>
+            <a:r>
+              <a:rPr lang="es-CO" sz="1600" dirty="0" smtClean="0"/>
+              <a:t>…</a:t>
+            </a:r>
+            <a:endParaRPr lang="es-CO" sz="1600" dirty="0"/>
+          </a:p>
+        </p:txBody>
+      </p:sp>
+      <p:sp>
+        <p:nvSpPr>
+          <p:cNvPr id="165" name="164 Rectángulo"/>
+          <p:cNvSpPr/>
+          <p:nvPr/>
+        </p:nvSpPr>
+        <p:spPr>
+          <a:xfrm>
+            <a:off x="2071670" y="197594"/>
+            <a:ext cx="1162241" cy="369332"/>
+          </a:xfrm>
+          <a:prstGeom prst="rect">
+            <a:avLst/>
+          </a:prstGeom>
+        </p:spPr>
+        <p:txBody>
+          <a:bodyPr wrap="none">
+            <a:spAutoFit/>
+          </a:bodyPr>
+          <a:lstStyle/>
+          <a:p>
+            <a:r>
+              <a:rPr lang="es-CO" dirty="0" smtClean="0"/>
+              <a:t>TypeScript</a:t>
+            </a:r>
+            <a:endParaRPr lang="es-CO" dirty="0"/>
+          </a:p>
+        </p:txBody>
+      </p:sp>
+      <p:sp>
+        <p:nvSpPr>
+          <p:cNvPr id="166" name="165 CuadroTexto"/>
+          <p:cNvSpPr txBox="1"/>
+          <p:nvPr/>
+        </p:nvSpPr>
+        <p:spPr>
+          <a:xfrm rot="10800000" flipV="1">
+            <a:off x="2714612" y="6234270"/>
+            <a:ext cx="1708695" cy="461665"/>
+          </a:xfrm>
+          <a:prstGeom prst="rect">
+            <a:avLst/>
+          </a:prstGeom>
+          <a:noFill/>
+        </p:spPr>
+        <p:txBody>
+          <a:bodyPr wrap="square" rtlCol="0">
+            <a:spAutoFit/>
+          </a:bodyPr>
+          <a:lstStyle/>
+          <a:p>
+            <a:pPr algn="ctr"/>
+            <a:r>
+              <a:rPr lang="es-CO" sz="2400" b="1" dirty="0" smtClean="0"/>
+              <a:t>COUNTRY</a:t>
+            </a:r>
+            <a:endParaRPr lang="es-CO" sz="2400" b="1" dirty="0"/>
+          </a:p>
+        </p:txBody>
+      </p:sp>
+      <p:sp>
+        <p:nvSpPr>
+          <p:cNvPr id="167" name="166 CuadroTexto"/>
+          <p:cNvSpPr txBox="1"/>
+          <p:nvPr/>
+        </p:nvSpPr>
+        <p:spPr>
+          <a:xfrm>
+            <a:off x="2928926" y="4143380"/>
+            <a:ext cx="428628" cy="338554"/>
+          </a:xfrm>
+          <a:prstGeom prst="rect">
+            <a:avLst/>
+          </a:prstGeom>
+          <a:noFill/>
+        </p:spPr>
+        <p:txBody>
+          <a:bodyPr wrap="square" rtlCol="0">
+            <a:spAutoFit/>
+          </a:bodyPr>
+          <a:lstStyle/>
+          <a:p>
+            <a:r>
+              <a:rPr lang="es-CO" sz="1600" dirty="0" smtClean="0"/>
+              <a:t>…</a:t>
+            </a:r>
+            <a:endParaRPr lang="es-CO" sz="1600" dirty="0"/>
+          </a:p>
+        </p:txBody>
+      </p:sp>
+      <p:sp>
+        <p:nvSpPr>
+          <p:cNvPr id="168" name="167 CuadroTexto"/>
+          <p:cNvSpPr txBox="1"/>
+          <p:nvPr/>
+        </p:nvSpPr>
+        <p:spPr>
+          <a:xfrm>
+            <a:off x="2857488" y="2714620"/>
+            <a:ext cx="428628" cy="338554"/>
+          </a:xfrm>
+          <a:prstGeom prst="rect">
+            <a:avLst/>
+          </a:prstGeom>
+          <a:noFill/>
+        </p:spPr>
+        <p:txBody>
+          <a:bodyPr wrap="square" rtlCol="0">
+            <a:spAutoFit/>
+          </a:bodyPr>
+          <a:lstStyle/>
+          <a:p>
+            <a:r>
+              <a:rPr lang="es-CO" sz="1600" dirty="0" smtClean="0"/>
+              <a:t> </a:t>
+            </a:r>
+            <a:r>
+              <a:rPr lang="es-CO" sz="1600" dirty="0" smtClean="0"/>
+              <a:t>…</a:t>
+            </a:r>
+            <a:endParaRPr lang="es-CO" sz="1600" dirty="0"/>
+          </a:p>
+        </p:txBody>
+      </p:sp>
+      <p:sp>
+        <p:nvSpPr>
+          <p:cNvPr id="169" name="168 CuadroTexto"/>
+          <p:cNvSpPr txBox="1"/>
+          <p:nvPr/>
+        </p:nvSpPr>
+        <p:spPr>
+          <a:xfrm rot="16200000">
+            <a:off x="2902525" y="5402863"/>
+            <a:ext cx="428628" cy="338554"/>
+          </a:xfrm>
+          <a:prstGeom prst="rect">
+            <a:avLst/>
+          </a:prstGeom>
+          <a:noFill/>
+        </p:spPr>
+        <p:txBody>
+          <a:bodyPr wrap="square" rtlCol="0">
+            <a:spAutoFit/>
+          </a:bodyPr>
+          <a:lstStyle/>
+          <a:p>
+            <a:r>
+              <a:rPr lang="es-CO" sz="1600" dirty="0" smtClean="0"/>
+              <a:t>…</a:t>
+            </a:r>
+            <a:endParaRPr lang="es-CO" sz="1600" dirty="0"/>
+          </a:p>
+        </p:txBody>
+      </p:sp>
+      <p:sp>
+        <p:nvSpPr>
+          <p:cNvPr id="170" name="169 Rectángulo"/>
+          <p:cNvSpPr/>
+          <p:nvPr/>
+        </p:nvSpPr>
+        <p:spPr>
+          <a:xfrm rot="16200000">
+            <a:off x="1195005" y="5734420"/>
+            <a:ext cx="836768" cy="369332"/>
+          </a:xfrm>
+          <a:prstGeom prst="rect">
+            <a:avLst/>
+          </a:prstGeom>
+        </p:spPr>
+        <p:txBody>
+          <a:bodyPr wrap="none">
+            <a:spAutoFit/>
+          </a:bodyPr>
+          <a:lstStyle/>
+          <a:p>
+            <a:r>
+              <a:rPr lang="es-CO" dirty="0" smtClean="0"/>
+              <a:t>Algeria</a:t>
+            </a:r>
+            <a:endParaRPr lang="es-CO" dirty="0"/>
+          </a:p>
+        </p:txBody>
+      </p:sp>
+      <p:sp>
+        <p:nvSpPr>
+          <p:cNvPr id="171" name="170 Rectángulo"/>
+          <p:cNvSpPr/>
+          <p:nvPr/>
+        </p:nvSpPr>
+        <p:spPr>
+          <a:xfrm rot="16200000">
+            <a:off x="1999487" y="5715761"/>
+            <a:ext cx="799450" cy="369332"/>
+          </a:xfrm>
+          <a:prstGeom prst="rect">
+            <a:avLst/>
+          </a:prstGeom>
+        </p:spPr>
+        <p:txBody>
+          <a:bodyPr wrap="none">
+            <a:spAutoFit/>
+          </a:bodyPr>
+          <a:lstStyle/>
+          <a:p>
+            <a:r>
+              <a:rPr lang="es-CO" dirty="0" smtClean="0"/>
+              <a:t>Turkey</a:t>
+            </a:r>
+            <a:endParaRPr lang="es-CO" dirty="0"/>
+          </a:p>
+        </p:txBody>
+      </p:sp>
+      <p:sp>
+        <p:nvSpPr>
+          <p:cNvPr id="172" name="171 Rectángulo"/>
+          <p:cNvSpPr/>
+          <p:nvPr/>
+        </p:nvSpPr>
+        <p:spPr>
+          <a:xfrm rot="16200000">
+            <a:off x="4047240" y="5739710"/>
+            <a:ext cx="847348" cy="369332"/>
+          </a:xfrm>
+          <a:prstGeom prst="rect">
+            <a:avLst/>
+          </a:prstGeom>
+        </p:spPr>
+        <p:txBody>
+          <a:bodyPr wrap="none">
+            <a:spAutoFit/>
+          </a:bodyPr>
+          <a:lstStyle/>
+          <a:p>
+            <a:r>
+              <a:rPr lang="es-CO" dirty="0" smtClean="0"/>
+              <a:t>Austria</a:t>
+            </a:r>
+            <a:endParaRPr lang="es-CO" dirty="0"/>
+          </a:p>
+        </p:txBody>
+      </p:sp>
+      <p:sp>
+        <p:nvSpPr>
+          <p:cNvPr id="173" name="172 Rectángulo"/>
+          <p:cNvSpPr/>
+          <p:nvPr/>
+        </p:nvSpPr>
+        <p:spPr>
+          <a:xfrm rot="16200000">
+            <a:off x="3425458" y="5718550"/>
+            <a:ext cx="805029" cy="369332"/>
+          </a:xfrm>
+          <a:prstGeom prst="rect">
+            <a:avLst/>
+          </a:prstGeom>
+        </p:spPr>
+        <p:txBody>
+          <a:bodyPr wrap="none">
+            <a:spAutoFit/>
+          </a:bodyPr>
+          <a:lstStyle/>
+          <a:p>
+            <a:r>
+              <a:rPr lang="es-CO" dirty="0" smtClean="0"/>
+              <a:t>Bolivia</a:t>
+            </a:r>
+            <a:endParaRPr lang="es-CO" dirty="0"/>
+          </a:p>
+        </p:txBody>
+      </p:sp>
+      <p:sp>
+        <p:nvSpPr>
+          <p:cNvPr id="174" name="173 Rectángulo"/>
+          <p:cNvSpPr/>
+          <p:nvPr/>
+        </p:nvSpPr>
+        <p:spPr>
+          <a:xfrm rot="16200000">
+            <a:off x="4648128" y="5779001"/>
+            <a:ext cx="1074333" cy="369332"/>
+          </a:xfrm>
+          <a:prstGeom prst="rect">
+            <a:avLst/>
+          </a:prstGeom>
+        </p:spPr>
+        <p:txBody>
+          <a:bodyPr wrap="none">
+            <a:spAutoFit/>
+          </a:bodyPr>
+          <a:lstStyle/>
+          <a:p>
+            <a:r>
+              <a:rPr lang="es-CO" dirty="0" smtClean="0"/>
+              <a:t>Colombia</a:t>
+            </a:r>
+            <a:endParaRPr lang="es-CO" dirty="0"/>
+          </a:p>
+        </p:txBody>
+      </p:sp>
     </p:spTree>
   </p:cSld>
   <p:clrMapOvr>

--- a/img/Notacion.pptx
+++ b/img/Notacion.pptx
@@ -106,6 +106,22 @@
       </a:defRPr>
     </a:lvl9pPr>
   </p:defaultTextStyle>
+  <p:extLst>
+    <p:ext uri="{EFAFB233-063F-42B5-8137-9DF3F51BA10A}">
+      <p15:sldGuideLst xmlns:p15="http://schemas.microsoft.com/office/powerpoint/2012/main">
+        <p15:guide id="1" orient="horz" pos="2160">
+          <p15:clr>
+            <a:srgbClr val="A4A3A4"/>
+          </p15:clr>
+        </p15:guide>
+        <p15:guide id="2" pos="2880">
+          <p15:clr>
+            <a:srgbClr val="A4A3A4"/>
+          </p15:clr>
+        </p15:guide>
+      </p15:sldGuideLst>
+    </p:ext>
+  </p:extLst>
 </p:presentation>
 </file>
 
@@ -147,7 +163,7 @@
           <a:lstStyle/>
           <a:p>
             <a:r>
-              <a:rPr lang="es-ES" smtClean="0"/>
+              <a:rPr lang="es-ES"/>
               <a:t>Haga clic para modificar el estilo de título del patrón</a:t>
             </a:r>
             <a:endParaRPr lang="es-CO"/>
@@ -266,7 +282,7 @@
           </a:lstStyle>
           <a:p>
             <a:r>
-              <a:rPr lang="es-ES" smtClean="0"/>
+              <a:rPr lang="es-ES"/>
               <a:t>Haga clic para modificar el estilo de subtítulo del patrón</a:t>
             </a:r>
             <a:endParaRPr lang="es-CO"/>
@@ -291,7 +307,7 @@
             <a:fld id="{89AD7B5F-393D-44F0-AFF0-56AE819965EB}" type="datetimeFigureOut">
               <a:rPr lang="es-CO" smtClean="0"/>
               <a:pPr/>
-              <a:t>19/06/2019</a:t>
+              <a:t>21/06/2019</a:t>
             </a:fld>
             <a:endParaRPr lang="es-CO" dirty="0"/>
           </a:p>
@@ -334,7 +350,7 @@
             <a:fld id="{F886EDE1-1EE2-46FF-B82F-9C5AEABB1574}" type="slidenum">
               <a:rPr lang="es-CO" smtClean="0"/>
               <a:pPr/>
-              <a:t>‹Nº›</a:t>
+              <a:t>‹#›</a:t>
             </a:fld>
             <a:endParaRPr lang="es-CO" dirty="0"/>
           </a:p>
@@ -381,7 +397,7 @@
           <a:lstStyle/>
           <a:p>
             <a:r>
-              <a:rPr lang="es-ES" smtClean="0"/>
+              <a:rPr lang="es-ES"/>
               <a:t>Haga clic para modificar el estilo de título del patrón</a:t>
             </a:r>
             <a:endParaRPr lang="es-CO"/>
@@ -405,35 +421,35 @@
           <a:p>
             <a:pPr lvl="0"/>
             <a:r>
-              <a:rPr lang="es-ES" smtClean="0"/>
+              <a:rPr lang="es-ES"/>
               <a:t>Haga clic para modificar el estilo de texto del patrón</a:t>
             </a:r>
           </a:p>
           <a:p>
             <a:pPr lvl="1"/>
             <a:r>
-              <a:rPr lang="es-ES" smtClean="0"/>
+              <a:rPr lang="es-ES"/>
               <a:t>Segundo nivel</a:t>
             </a:r>
           </a:p>
           <a:p>
             <a:pPr lvl="2"/>
             <a:r>
-              <a:rPr lang="es-ES" smtClean="0"/>
+              <a:rPr lang="es-ES"/>
               <a:t>Tercer nivel</a:t>
             </a:r>
           </a:p>
           <a:p>
             <a:pPr lvl="3"/>
             <a:r>
-              <a:rPr lang="es-ES" smtClean="0"/>
+              <a:rPr lang="es-ES"/>
               <a:t>Cuarto nivel</a:t>
             </a:r>
           </a:p>
           <a:p>
             <a:pPr lvl="4"/>
             <a:r>
-              <a:rPr lang="es-ES" smtClean="0"/>
+              <a:rPr lang="es-ES"/>
               <a:t>Quinto nivel</a:t>
             </a:r>
             <a:endParaRPr lang="es-CO"/>
@@ -458,7 +474,7 @@
             <a:fld id="{89AD7B5F-393D-44F0-AFF0-56AE819965EB}" type="datetimeFigureOut">
               <a:rPr lang="es-CO" smtClean="0"/>
               <a:pPr/>
-              <a:t>19/06/2019</a:t>
+              <a:t>21/06/2019</a:t>
             </a:fld>
             <a:endParaRPr lang="es-CO" dirty="0"/>
           </a:p>
@@ -501,7 +517,7 @@
             <a:fld id="{F886EDE1-1EE2-46FF-B82F-9C5AEABB1574}" type="slidenum">
               <a:rPr lang="es-CO" smtClean="0"/>
               <a:pPr/>
-              <a:t>‹Nº›</a:t>
+              <a:t>‹#›</a:t>
             </a:fld>
             <a:endParaRPr lang="es-CO" dirty="0"/>
           </a:p>
@@ -553,7 +569,7 @@
           <a:lstStyle/>
           <a:p>
             <a:r>
-              <a:rPr lang="es-ES" smtClean="0"/>
+              <a:rPr lang="es-ES"/>
               <a:t>Haga clic para modificar el estilo de título del patrón</a:t>
             </a:r>
             <a:endParaRPr lang="es-CO"/>
@@ -582,35 +598,35 @@
           <a:p>
             <a:pPr lvl="0"/>
             <a:r>
-              <a:rPr lang="es-ES" smtClean="0"/>
+              <a:rPr lang="es-ES"/>
               <a:t>Haga clic para modificar el estilo de texto del patrón</a:t>
             </a:r>
           </a:p>
           <a:p>
             <a:pPr lvl="1"/>
             <a:r>
-              <a:rPr lang="es-ES" smtClean="0"/>
+              <a:rPr lang="es-ES"/>
               <a:t>Segundo nivel</a:t>
             </a:r>
           </a:p>
           <a:p>
             <a:pPr lvl="2"/>
             <a:r>
-              <a:rPr lang="es-ES" smtClean="0"/>
+              <a:rPr lang="es-ES"/>
               <a:t>Tercer nivel</a:t>
             </a:r>
           </a:p>
           <a:p>
             <a:pPr lvl="3"/>
             <a:r>
-              <a:rPr lang="es-ES" smtClean="0"/>
+              <a:rPr lang="es-ES"/>
               <a:t>Cuarto nivel</a:t>
             </a:r>
           </a:p>
           <a:p>
             <a:pPr lvl="4"/>
             <a:r>
-              <a:rPr lang="es-ES" smtClean="0"/>
+              <a:rPr lang="es-ES"/>
               <a:t>Quinto nivel</a:t>
             </a:r>
             <a:endParaRPr lang="es-CO"/>
@@ -635,7 +651,7 @@
             <a:fld id="{89AD7B5F-393D-44F0-AFF0-56AE819965EB}" type="datetimeFigureOut">
               <a:rPr lang="es-CO" smtClean="0"/>
               <a:pPr/>
-              <a:t>19/06/2019</a:t>
+              <a:t>21/06/2019</a:t>
             </a:fld>
             <a:endParaRPr lang="es-CO" dirty="0"/>
           </a:p>
@@ -678,7 +694,7 @@
             <a:fld id="{F886EDE1-1EE2-46FF-B82F-9C5AEABB1574}" type="slidenum">
               <a:rPr lang="es-CO" smtClean="0"/>
               <a:pPr/>
-              <a:t>‹Nº›</a:t>
+              <a:t>‹#›</a:t>
             </a:fld>
             <a:endParaRPr lang="es-CO" dirty="0"/>
           </a:p>
@@ -725,7 +741,7 @@
           <a:lstStyle/>
           <a:p>
             <a:r>
-              <a:rPr lang="es-ES" smtClean="0"/>
+              <a:rPr lang="es-ES"/>
               <a:t>Haga clic para modificar el estilo de título del patrón</a:t>
             </a:r>
             <a:endParaRPr lang="es-CO"/>
@@ -749,35 +765,35 @@
           <a:p>
             <a:pPr lvl="0"/>
             <a:r>
-              <a:rPr lang="es-ES" smtClean="0"/>
+              <a:rPr lang="es-ES"/>
               <a:t>Haga clic para modificar el estilo de texto del patrón</a:t>
             </a:r>
           </a:p>
           <a:p>
             <a:pPr lvl="1"/>
             <a:r>
-              <a:rPr lang="es-ES" smtClean="0"/>
+              <a:rPr lang="es-ES"/>
               <a:t>Segundo nivel</a:t>
             </a:r>
           </a:p>
           <a:p>
             <a:pPr lvl="2"/>
             <a:r>
-              <a:rPr lang="es-ES" smtClean="0"/>
+              <a:rPr lang="es-ES"/>
               <a:t>Tercer nivel</a:t>
             </a:r>
           </a:p>
           <a:p>
             <a:pPr lvl="3"/>
             <a:r>
-              <a:rPr lang="es-ES" smtClean="0"/>
+              <a:rPr lang="es-ES"/>
               <a:t>Cuarto nivel</a:t>
             </a:r>
           </a:p>
           <a:p>
             <a:pPr lvl="4"/>
             <a:r>
-              <a:rPr lang="es-ES" smtClean="0"/>
+              <a:rPr lang="es-ES"/>
               <a:t>Quinto nivel</a:t>
             </a:r>
             <a:endParaRPr lang="es-CO"/>
@@ -802,7 +818,7 @@
             <a:fld id="{89AD7B5F-393D-44F0-AFF0-56AE819965EB}" type="datetimeFigureOut">
               <a:rPr lang="es-CO" smtClean="0"/>
               <a:pPr/>
-              <a:t>19/06/2019</a:t>
+              <a:t>21/06/2019</a:t>
             </a:fld>
             <a:endParaRPr lang="es-CO" dirty="0"/>
           </a:p>
@@ -845,7 +861,7 @@
             <a:fld id="{F886EDE1-1EE2-46FF-B82F-9C5AEABB1574}" type="slidenum">
               <a:rPr lang="es-CO" smtClean="0"/>
               <a:pPr/>
-              <a:t>‹Nº›</a:t>
+              <a:t>‹#›</a:t>
             </a:fld>
             <a:endParaRPr lang="es-CO" dirty="0"/>
           </a:p>
@@ -901,7 +917,7 @@
           </a:lstStyle>
           <a:p>
             <a:r>
-              <a:rPr lang="es-ES" smtClean="0"/>
+              <a:rPr lang="es-ES"/>
               <a:t>Haga clic para modificar el estilo de título del patrón</a:t>
             </a:r>
             <a:endParaRPr lang="es-CO"/>
@@ -1021,7 +1037,7 @@
           <a:p>
             <a:pPr lvl="0"/>
             <a:r>
-              <a:rPr lang="es-ES" smtClean="0"/>
+              <a:rPr lang="es-ES"/>
               <a:t>Haga clic para modificar el estilo de texto del patrón</a:t>
             </a:r>
           </a:p>
@@ -1045,7 +1061,7 @@
             <a:fld id="{89AD7B5F-393D-44F0-AFF0-56AE819965EB}" type="datetimeFigureOut">
               <a:rPr lang="es-CO" smtClean="0"/>
               <a:pPr/>
-              <a:t>19/06/2019</a:t>
+              <a:t>21/06/2019</a:t>
             </a:fld>
             <a:endParaRPr lang="es-CO" dirty="0"/>
           </a:p>
@@ -1088,7 +1104,7 @@
             <a:fld id="{F886EDE1-1EE2-46FF-B82F-9C5AEABB1574}" type="slidenum">
               <a:rPr lang="es-CO" smtClean="0"/>
               <a:pPr/>
-              <a:t>‹Nº›</a:t>
+              <a:t>‹#›</a:t>
             </a:fld>
             <a:endParaRPr lang="es-CO" dirty="0"/>
           </a:p>
@@ -1135,7 +1151,7 @@
           <a:lstStyle/>
           <a:p>
             <a:r>
-              <a:rPr lang="es-ES" smtClean="0"/>
+              <a:rPr lang="es-ES"/>
               <a:t>Haga clic para modificar el estilo de título del patrón</a:t>
             </a:r>
             <a:endParaRPr lang="es-CO"/>
@@ -1192,35 +1208,35 @@
           <a:p>
             <a:pPr lvl="0"/>
             <a:r>
-              <a:rPr lang="es-ES" smtClean="0"/>
+              <a:rPr lang="es-ES"/>
               <a:t>Haga clic para modificar el estilo de texto del patrón</a:t>
             </a:r>
           </a:p>
           <a:p>
             <a:pPr lvl="1"/>
             <a:r>
-              <a:rPr lang="es-ES" smtClean="0"/>
+              <a:rPr lang="es-ES"/>
               <a:t>Segundo nivel</a:t>
             </a:r>
           </a:p>
           <a:p>
             <a:pPr lvl="2"/>
             <a:r>
-              <a:rPr lang="es-ES" smtClean="0"/>
+              <a:rPr lang="es-ES"/>
               <a:t>Tercer nivel</a:t>
             </a:r>
           </a:p>
           <a:p>
             <a:pPr lvl="3"/>
             <a:r>
-              <a:rPr lang="es-ES" smtClean="0"/>
+              <a:rPr lang="es-ES"/>
               <a:t>Cuarto nivel</a:t>
             </a:r>
           </a:p>
           <a:p>
             <a:pPr lvl="4"/>
             <a:r>
-              <a:rPr lang="es-ES" smtClean="0"/>
+              <a:rPr lang="es-ES"/>
               <a:t>Quinto nivel</a:t>
             </a:r>
             <a:endParaRPr lang="es-CO"/>
@@ -1277,35 +1293,35 @@
           <a:p>
             <a:pPr lvl="0"/>
             <a:r>
-              <a:rPr lang="es-ES" smtClean="0"/>
+              <a:rPr lang="es-ES"/>
               <a:t>Haga clic para modificar el estilo de texto del patrón</a:t>
             </a:r>
           </a:p>
           <a:p>
             <a:pPr lvl="1"/>
             <a:r>
-              <a:rPr lang="es-ES" smtClean="0"/>
+              <a:rPr lang="es-ES"/>
               <a:t>Segundo nivel</a:t>
             </a:r>
           </a:p>
           <a:p>
             <a:pPr lvl="2"/>
             <a:r>
-              <a:rPr lang="es-ES" smtClean="0"/>
+              <a:rPr lang="es-ES"/>
               <a:t>Tercer nivel</a:t>
             </a:r>
           </a:p>
           <a:p>
             <a:pPr lvl="3"/>
             <a:r>
-              <a:rPr lang="es-ES" smtClean="0"/>
+              <a:rPr lang="es-ES"/>
               <a:t>Cuarto nivel</a:t>
             </a:r>
           </a:p>
           <a:p>
             <a:pPr lvl="4"/>
             <a:r>
-              <a:rPr lang="es-ES" smtClean="0"/>
+              <a:rPr lang="es-ES"/>
               <a:t>Quinto nivel</a:t>
             </a:r>
             <a:endParaRPr lang="es-CO"/>
@@ -1330,7 +1346,7 @@
             <a:fld id="{89AD7B5F-393D-44F0-AFF0-56AE819965EB}" type="datetimeFigureOut">
               <a:rPr lang="es-CO" smtClean="0"/>
               <a:pPr/>
-              <a:t>19/06/2019</a:t>
+              <a:t>21/06/2019</a:t>
             </a:fld>
             <a:endParaRPr lang="es-CO" dirty="0"/>
           </a:p>
@@ -1373,7 +1389,7 @@
             <a:fld id="{F886EDE1-1EE2-46FF-B82F-9C5AEABB1574}" type="slidenum">
               <a:rPr lang="es-CO" smtClean="0"/>
               <a:pPr/>
-              <a:t>‹Nº›</a:t>
+              <a:t>‹#›</a:t>
             </a:fld>
             <a:endParaRPr lang="es-CO" dirty="0"/>
           </a:p>
@@ -1424,7 +1440,7 @@
           </a:lstStyle>
           <a:p>
             <a:r>
-              <a:rPr lang="es-ES" smtClean="0"/>
+              <a:rPr lang="es-ES"/>
               <a:t>Haga clic para modificar el estilo de título del patrón</a:t>
             </a:r>
             <a:endParaRPr lang="es-CO"/>
@@ -1490,7 +1506,7 @@
           <a:p>
             <a:pPr lvl="0"/>
             <a:r>
-              <a:rPr lang="es-ES" smtClean="0"/>
+              <a:rPr lang="es-ES"/>
               <a:t>Haga clic para modificar el estilo de texto del patrón</a:t>
             </a:r>
           </a:p>
@@ -1546,35 +1562,35 @@
           <a:p>
             <a:pPr lvl="0"/>
             <a:r>
-              <a:rPr lang="es-ES" smtClean="0"/>
+              <a:rPr lang="es-ES"/>
               <a:t>Haga clic para modificar el estilo de texto del patrón</a:t>
             </a:r>
           </a:p>
           <a:p>
             <a:pPr lvl="1"/>
             <a:r>
-              <a:rPr lang="es-ES" smtClean="0"/>
+              <a:rPr lang="es-ES"/>
               <a:t>Segundo nivel</a:t>
             </a:r>
           </a:p>
           <a:p>
             <a:pPr lvl="2"/>
             <a:r>
-              <a:rPr lang="es-ES" smtClean="0"/>
+              <a:rPr lang="es-ES"/>
               <a:t>Tercer nivel</a:t>
             </a:r>
           </a:p>
           <a:p>
             <a:pPr lvl="3"/>
             <a:r>
-              <a:rPr lang="es-ES" smtClean="0"/>
+              <a:rPr lang="es-ES"/>
               <a:t>Cuarto nivel</a:t>
             </a:r>
           </a:p>
           <a:p>
             <a:pPr lvl="4"/>
             <a:r>
-              <a:rPr lang="es-ES" smtClean="0"/>
+              <a:rPr lang="es-ES"/>
               <a:t>Quinto nivel</a:t>
             </a:r>
             <a:endParaRPr lang="es-CO"/>
@@ -1640,7 +1656,7 @@
           <a:p>
             <a:pPr lvl="0"/>
             <a:r>
-              <a:rPr lang="es-ES" smtClean="0"/>
+              <a:rPr lang="es-ES"/>
               <a:t>Haga clic para modificar el estilo de texto del patrón</a:t>
             </a:r>
           </a:p>
@@ -1696,35 +1712,35 @@
           <a:p>
             <a:pPr lvl="0"/>
             <a:r>
-              <a:rPr lang="es-ES" smtClean="0"/>
+              <a:rPr lang="es-ES"/>
               <a:t>Haga clic para modificar el estilo de texto del patrón</a:t>
             </a:r>
           </a:p>
           <a:p>
             <a:pPr lvl="1"/>
             <a:r>
-              <a:rPr lang="es-ES" smtClean="0"/>
+              <a:rPr lang="es-ES"/>
               <a:t>Segundo nivel</a:t>
             </a:r>
           </a:p>
           <a:p>
             <a:pPr lvl="2"/>
             <a:r>
-              <a:rPr lang="es-ES" smtClean="0"/>
+              <a:rPr lang="es-ES"/>
               <a:t>Tercer nivel</a:t>
             </a:r>
           </a:p>
           <a:p>
             <a:pPr lvl="3"/>
             <a:r>
-              <a:rPr lang="es-ES" smtClean="0"/>
+              <a:rPr lang="es-ES"/>
               <a:t>Cuarto nivel</a:t>
             </a:r>
           </a:p>
           <a:p>
             <a:pPr lvl="4"/>
             <a:r>
-              <a:rPr lang="es-ES" smtClean="0"/>
+              <a:rPr lang="es-ES"/>
               <a:t>Quinto nivel</a:t>
             </a:r>
             <a:endParaRPr lang="es-CO"/>
@@ -1749,7 +1765,7 @@
             <a:fld id="{89AD7B5F-393D-44F0-AFF0-56AE819965EB}" type="datetimeFigureOut">
               <a:rPr lang="es-CO" smtClean="0"/>
               <a:pPr/>
-              <a:t>19/06/2019</a:t>
+              <a:t>21/06/2019</a:t>
             </a:fld>
             <a:endParaRPr lang="es-CO" dirty="0"/>
           </a:p>
@@ -1792,7 +1808,7 @@
             <a:fld id="{F886EDE1-1EE2-46FF-B82F-9C5AEABB1574}" type="slidenum">
               <a:rPr lang="es-CO" smtClean="0"/>
               <a:pPr/>
-              <a:t>‹Nº›</a:t>
+              <a:t>‹#›</a:t>
             </a:fld>
             <a:endParaRPr lang="es-CO" dirty="0"/>
           </a:p>
@@ -1839,7 +1855,7 @@
           <a:lstStyle/>
           <a:p>
             <a:r>
-              <a:rPr lang="es-ES" smtClean="0"/>
+              <a:rPr lang="es-ES"/>
               <a:t>Haga clic para modificar el estilo de título del patrón</a:t>
             </a:r>
             <a:endParaRPr lang="es-CO"/>
@@ -1864,7 +1880,7 @@
             <a:fld id="{89AD7B5F-393D-44F0-AFF0-56AE819965EB}" type="datetimeFigureOut">
               <a:rPr lang="es-CO" smtClean="0"/>
               <a:pPr/>
-              <a:t>19/06/2019</a:t>
+              <a:t>21/06/2019</a:t>
             </a:fld>
             <a:endParaRPr lang="es-CO" dirty="0"/>
           </a:p>
@@ -1907,7 +1923,7 @@
             <a:fld id="{F886EDE1-1EE2-46FF-B82F-9C5AEABB1574}" type="slidenum">
               <a:rPr lang="es-CO" smtClean="0"/>
               <a:pPr/>
-              <a:t>‹Nº›</a:t>
+              <a:t>‹#›</a:t>
             </a:fld>
             <a:endParaRPr lang="es-CO" dirty="0"/>
           </a:p>
@@ -1956,7 +1972,7 @@
             <a:fld id="{89AD7B5F-393D-44F0-AFF0-56AE819965EB}" type="datetimeFigureOut">
               <a:rPr lang="es-CO" smtClean="0"/>
               <a:pPr/>
-              <a:t>19/06/2019</a:t>
+              <a:t>21/06/2019</a:t>
             </a:fld>
             <a:endParaRPr lang="es-CO" dirty="0"/>
           </a:p>
@@ -1999,7 +2015,7 @@
             <a:fld id="{F886EDE1-1EE2-46FF-B82F-9C5AEABB1574}" type="slidenum">
               <a:rPr lang="es-CO" smtClean="0"/>
               <a:pPr/>
-              <a:t>‹Nº›</a:t>
+              <a:t>‹#›</a:t>
             </a:fld>
             <a:endParaRPr lang="es-CO" dirty="0"/>
           </a:p>
@@ -2055,7 +2071,7 @@
           </a:lstStyle>
           <a:p>
             <a:r>
-              <a:rPr lang="es-ES" smtClean="0"/>
+              <a:rPr lang="es-ES"/>
               <a:t>Haga clic para modificar el estilo de título del patrón</a:t>
             </a:r>
             <a:endParaRPr lang="es-CO"/>
@@ -2112,35 +2128,35 @@
           <a:p>
             <a:pPr lvl="0"/>
             <a:r>
-              <a:rPr lang="es-ES" smtClean="0"/>
+              <a:rPr lang="es-ES"/>
               <a:t>Haga clic para modificar el estilo de texto del patrón</a:t>
             </a:r>
           </a:p>
           <a:p>
             <a:pPr lvl="1"/>
             <a:r>
-              <a:rPr lang="es-ES" smtClean="0"/>
+              <a:rPr lang="es-ES"/>
               <a:t>Segundo nivel</a:t>
             </a:r>
           </a:p>
           <a:p>
             <a:pPr lvl="2"/>
             <a:r>
-              <a:rPr lang="es-ES" smtClean="0"/>
+              <a:rPr lang="es-ES"/>
               <a:t>Tercer nivel</a:t>
             </a:r>
           </a:p>
           <a:p>
             <a:pPr lvl="3"/>
             <a:r>
-              <a:rPr lang="es-ES" smtClean="0"/>
+              <a:rPr lang="es-ES"/>
               <a:t>Cuarto nivel</a:t>
             </a:r>
           </a:p>
           <a:p>
             <a:pPr lvl="4"/>
             <a:r>
-              <a:rPr lang="es-ES" smtClean="0"/>
+              <a:rPr lang="es-ES"/>
               <a:t>Quinto nivel</a:t>
             </a:r>
             <a:endParaRPr lang="es-CO"/>
@@ -2206,7 +2222,7 @@
           <a:p>
             <a:pPr lvl="0"/>
             <a:r>
-              <a:rPr lang="es-ES" smtClean="0"/>
+              <a:rPr lang="es-ES"/>
               <a:t>Haga clic para modificar el estilo de texto del patrón</a:t>
             </a:r>
           </a:p>
@@ -2230,7 +2246,7 @@
             <a:fld id="{89AD7B5F-393D-44F0-AFF0-56AE819965EB}" type="datetimeFigureOut">
               <a:rPr lang="es-CO" smtClean="0"/>
               <a:pPr/>
-              <a:t>19/06/2019</a:t>
+              <a:t>21/06/2019</a:t>
             </a:fld>
             <a:endParaRPr lang="es-CO" dirty="0"/>
           </a:p>
@@ -2273,7 +2289,7 @@
             <a:fld id="{F886EDE1-1EE2-46FF-B82F-9C5AEABB1574}" type="slidenum">
               <a:rPr lang="es-CO" smtClean="0"/>
               <a:pPr/>
-              <a:t>‹Nº›</a:t>
+              <a:t>‹#›</a:t>
             </a:fld>
             <a:endParaRPr lang="es-CO" dirty="0"/>
           </a:p>
@@ -2329,7 +2345,7 @@
           </a:lstStyle>
           <a:p>
             <a:r>
-              <a:rPr lang="es-ES" smtClean="0"/>
+              <a:rPr lang="es-ES"/>
               <a:t>Haga clic para modificar el estilo de título del patrón</a:t>
             </a:r>
             <a:endParaRPr lang="es-CO"/>
@@ -2456,7 +2472,7 @@
           <a:p>
             <a:pPr lvl="0"/>
             <a:r>
-              <a:rPr lang="es-ES" smtClean="0"/>
+              <a:rPr lang="es-ES"/>
               <a:t>Haga clic para modificar el estilo de texto del patrón</a:t>
             </a:r>
           </a:p>
@@ -2480,7 +2496,7 @@
             <a:fld id="{89AD7B5F-393D-44F0-AFF0-56AE819965EB}" type="datetimeFigureOut">
               <a:rPr lang="es-CO" smtClean="0"/>
               <a:pPr/>
-              <a:t>19/06/2019</a:t>
+              <a:t>21/06/2019</a:t>
             </a:fld>
             <a:endParaRPr lang="es-CO" dirty="0"/>
           </a:p>
@@ -2523,7 +2539,7 @@
             <a:fld id="{F886EDE1-1EE2-46FF-B82F-9C5AEABB1574}" type="slidenum">
               <a:rPr lang="es-CO" smtClean="0"/>
               <a:pPr/>
-              <a:t>‹Nº›</a:t>
+              <a:t>‹#›</a:t>
             </a:fld>
             <a:endParaRPr lang="es-CO" dirty="0"/>
           </a:p>
@@ -2585,7 +2601,7 @@
           <a:lstStyle/>
           <a:p>
             <a:r>
-              <a:rPr lang="es-ES" smtClean="0"/>
+              <a:rPr lang="es-ES"/>
               <a:t>Haga clic para modificar el estilo de título del patrón</a:t>
             </a:r>
             <a:endParaRPr lang="es-CO"/>
@@ -2619,35 +2635,35 @@
           <a:p>
             <a:pPr lvl="0"/>
             <a:r>
-              <a:rPr lang="es-ES" smtClean="0"/>
+              <a:rPr lang="es-ES"/>
               <a:t>Haga clic para modificar el estilo de texto del patrón</a:t>
             </a:r>
           </a:p>
           <a:p>
             <a:pPr lvl="1"/>
             <a:r>
-              <a:rPr lang="es-ES" smtClean="0"/>
+              <a:rPr lang="es-ES"/>
               <a:t>Segundo nivel</a:t>
             </a:r>
           </a:p>
           <a:p>
             <a:pPr lvl="2"/>
             <a:r>
-              <a:rPr lang="es-ES" smtClean="0"/>
+              <a:rPr lang="es-ES"/>
               <a:t>Tercer nivel</a:t>
             </a:r>
           </a:p>
           <a:p>
             <a:pPr lvl="3"/>
             <a:r>
-              <a:rPr lang="es-ES" smtClean="0"/>
+              <a:rPr lang="es-ES"/>
               <a:t>Cuarto nivel</a:t>
             </a:r>
           </a:p>
           <a:p>
             <a:pPr lvl="4"/>
             <a:r>
-              <a:rPr lang="es-ES" smtClean="0"/>
+              <a:rPr lang="es-ES"/>
               <a:t>Quinto nivel</a:t>
             </a:r>
             <a:endParaRPr lang="es-CO"/>
@@ -2690,7 +2706,7 @@
             <a:fld id="{89AD7B5F-393D-44F0-AFF0-56AE819965EB}" type="datetimeFigureOut">
               <a:rPr lang="es-CO" smtClean="0"/>
               <a:pPr/>
-              <a:t>19/06/2019</a:t>
+              <a:t>21/06/2019</a:t>
             </a:fld>
             <a:endParaRPr lang="es-CO" dirty="0"/>
           </a:p>
@@ -2769,7 +2785,7 @@
             <a:fld id="{F886EDE1-1EE2-46FF-B82F-9C5AEABB1574}" type="slidenum">
               <a:rPr lang="es-CO" smtClean="0"/>
               <a:pPr/>
-              <a:t>‹Nº›</a:t>
+              <a:t>‹#›</a:t>
             </a:fld>
             <a:endParaRPr lang="es-CO" dirty="0"/>
           </a:p>
@@ -3070,7 +3086,7 @@
         <p:spPr>
           <a:xfrm>
             <a:off x="3571868" y="285728"/>
-            <a:ext cx="1357322" cy="6247864"/>
+            <a:ext cx="1722492" cy="6247864"/>
           </a:xfrm>
           <a:prstGeom prst="rect">
             <a:avLst/>
@@ -3098,7 +3114,7 @@
           <a:p>
             <a:pPr algn="ctr"/>
             <a:r>
-              <a:rPr lang="es-CO" sz="1600" b="1" dirty="0" smtClean="0">
+              <a:rPr lang="es-CO" sz="1600" b="1" dirty="0">
                 <a:solidFill>
                   <a:schemeClr val="bg1">
                     <a:lumMod val="50000"/>
@@ -3110,7 +3126,7 @@
           </a:p>
           <a:p>
             <a:r>
-              <a:rPr lang="es-CO" sz="1600" dirty="0" smtClean="0">
+              <a:rPr lang="es-CO" sz="1600" dirty="0">
                 <a:solidFill>
                   <a:schemeClr val="bg1">
                     <a:lumMod val="50000"/>
@@ -3122,7 +3138,7 @@
           </a:p>
           <a:p>
             <a:r>
-              <a:rPr lang="es-CO" sz="1600" dirty="0" smtClean="0">
+              <a:rPr lang="es-CO" sz="1600" dirty="0">
                 <a:solidFill>
                   <a:schemeClr val="bg1">
                     <a:lumMod val="50000"/>
@@ -3131,17 +3147,10 @@
               </a:rPr>
               <a:t>Id_Country</a:t>
             </a:r>
-            <a:endParaRPr lang="es-CO" sz="1600" dirty="0">
-              <a:solidFill>
-                <a:schemeClr val="bg1">
-                  <a:lumMod val="50000"/>
-                </a:schemeClr>
-              </a:solidFill>
-            </a:endParaRPr>
-          </a:p>
-          <a:p>
-            <a:r>
-              <a:rPr lang="es-CO" sz="1600" dirty="0" smtClean="0">
+          </a:p>
+          <a:p>
+            <a:r>
+              <a:rPr lang="es-CO" sz="1600" dirty="0">
                 <a:solidFill>
                   <a:schemeClr val="bg1">
                     <a:lumMod val="50000"/>
@@ -3153,7 +3162,7 @@
           </a:p>
           <a:p>
             <a:r>
-              <a:rPr lang="es-CO" sz="1600" dirty="0" smtClean="0">
+              <a:rPr lang="es-CO" sz="1600" dirty="0">
                 <a:solidFill>
                   <a:schemeClr val="bg1">
                     <a:lumMod val="50000"/>
@@ -3165,7 +3174,7 @@
           </a:p>
           <a:p>
             <a:r>
-              <a:rPr lang="es-CO" sz="1600" dirty="0" smtClean="0">
+              <a:rPr lang="es-CO" sz="1600" dirty="0">
                 <a:solidFill>
                   <a:schemeClr val="bg1">
                     <a:lumMod val="50000"/>
@@ -3177,7 +3186,7 @@
           </a:p>
           <a:p>
             <a:r>
-              <a:rPr lang="es-CO" sz="1600" dirty="0" smtClean="0">
+              <a:rPr lang="es-CO" sz="1600" dirty="0">
                 <a:solidFill>
                   <a:schemeClr val="bg1">
                     <a:lumMod val="50000"/>
@@ -3189,226 +3198,183 @@
           </a:p>
           <a:p>
             <a:r>
-              <a:rPr lang="es-CO" sz="1600" dirty="0" smtClean="0">
-                <a:solidFill>
-                  <a:schemeClr val="bg1">
-                    <a:lumMod val="50000"/>
-                  </a:schemeClr>
+              <a:rPr lang="es-CO" sz="1600" dirty="0">
+                <a:solidFill>
+                  <a:srgbClr val="C00000"/>
                 </a:solidFill>
               </a:rPr>
-              <a:t>AngularJS</a:t>
-            </a:r>
-          </a:p>
-          <a:p>
-            <a:r>
-              <a:rPr lang="es-CO" sz="1600" dirty="0" smtClean="0">
-                <a:solidFill>
-                  <a:schemeClr val="bg1">
-                    <a:lumMod val="50000"/>
-                  </a:schemeClr>
+              <a:t>Total_AngularJS</a:t>
+            </a:r>
+          </a:p>
+          <a:p>
+            <a:r>
+              <a:rPr lang="es-CO" sz="1600" dirty="0">
+                <a:solidFill>
+                  <a:srgbClr val="C00000"/>
                 </a:solidFill>
               </a:rPr>
-              <a:t>C</a:t>
-            </a:r>
-          </a:p>
-          <a:p>
-            <a:r>
-              <a:rPr lang="es-CO" sz="1600" dirty="0" smtClean="0">
-                <a:solidFill>
-                  <a:schemeClr val="bg1">
-                    <a:lumMod val="50000"/>
-                  </a:schemeClr>
+              <a:t>Total_ C</a:t>
+            </a:r>
+          </a:p>
+          <a:p>
+            <a:r>
+              <a:rPr lang="es-CO" sz="1600" dirty="0">
+                <a:solidFill>
+                  <a:srgbClr val="C00000"/>
                 </a:solidFill>
               </a:rPr>
-              <a:t>CPlusPlus</a:t>
-            </a:r>
-          </a:p>
-          <a:p>
-            <a:r>
-              <a:rPr lang="es-CO" sz="1600" dirty="0" smtClean="0">
-                <a:solidFill>
-                  <a:schemeClr val="bg1">
-                    <a:lumMod val="50000"/>
-                  </a:schemeClr>
+              <a:t>Total_ CPlusPlus</a:t>
+            </a:r>
+          </a:p>
+          <a:p>
+            <a:r>
+              <a:rPr lang="es-CO" sz="1600" dirty="0">
+                <a:solidFill>
+                  <a:srgbClr val="C00000"/>
                 </a:solidFill>
               </a:rPr>
-              <a:t>CSharp,</a:t>
-            </a:r>
-          </a:p>
-          <a:p>
-            <a:r>
-              <a:rPr lang="es-CO" sz="1600" dirty="0" smtClean="0">
-                <a:solidFill>
-                  <a:schemeClr val="bg1">
-                    <a:lumMod val="50000"/>
-                  </a:schemeClr>
+              <a:t>Total_ CSharp</a:t>
+            </a:r>
+          </a:p>
+          <a:p>
+            <a:r>
+              <a:rPr lang="es-CO" sz="1600" dirty="0">
+                <a:solidFill>
+                  <a:srgbClr val="C00000"/>
                 </a:solidFill>
               </a:rPr>
-              <a:t>CSS</a:t>
-            </a:r>
-          </a:p>
-          <a:p>
-            <a:r>
-              <a:rPr lang="es-CO" sz="1600" dirty="0" smtClean="0">
-                <a:solidFill>
-                  <a:schemeClr val="bg1">
-                    <a:lumMod val="50000"/>
-                  </a:schemeClr>
+              <a:t>Total_ CSS</a:t>
+            </a:r>
+          </a:p>
+          <a:p>
+            <a:r>
+              <a:rPr lang="es-CO" sz="1600" dirty="0">
+                <a:solidFill>
+                  <a:srgbClr val="C00000"/>
                 </a:solidFill>
               </a:rPr>
-              <a:t>HTML5</a:t>
-            </a:r>
-          </a:p>
-          <a:p>
-            <a:r>
-              <a:rPr lang="es-CO" sz="1600" dirty="0" smtClean="0">
-                <a:solidFill>
-                  <a:schemeClr val="bg1">
-                    <a:lumMod val="50000"/>
-                  </a:schemeClr>
+              <a:t>Total_ HTML5</a:t>
+            </a:r>
+          </a:p>
+          <a:p>
+            <a:r>
+              <a:rPr lang="es-CO" sz="1600" dirty="0">
+                <a:solidFill>
+                  <a:srgbClr val="C00000"/>
                 </a:solidFill>
               </a:rPr>
-              <a:t>Java</a:t>
-            </a:r>
-          </a:p>
-          <a:p>
-            <a:r>
-              <a:rPr lang="es-CO" sz="1600" dirty="0" smtClean="0">
-                <a:solidFill>
-                  <a:schemeClr val="bg1">
-                    <a:lumMod val="50000"/>
-                  </a:schemeClr>
+              <a:t>Total_ Java</a:t>
+            </a:r>
+          </a:p>
+          <a:p>
+            <a:r>
+              <a:rPr lang="es-CO" sz="1600" dirty="0">
+                <a:solidFill>
+                  <a:srgbClr val="C00000"/>
                 </a:solidFill>
               </a:rPr>
-              <a:t>JavaScript,</a:t>
-            </a:r>
-          </a:p>
-          <a:p>
-            <a:r>
-              <a:rPr lang="es-CO" sz="1600" dirty="0" smtClean="0">
-                <a:solidFill>
-                  <a:schemeClr val="bg1">
-                    <a:lumMod val="50000"/>
-                  </a:schemeClr>
+              <a:t>Total_ JavaScript</a:t>
+            </a:r>
+          </a:p>
+          <a:p>
+            <a:r>
+              <a:rPr lang="es-CO" sz="1600" dirty="0">
+                <a:solidFill>
+                  <a:srgbClr val="C00000"/>
                 </a:solidFill>
               </a:rPr>
-              <a:t>jQuery</a:t>
-            </a:r>
-          </a:p>
-          <a:p>
-            <a:r>
-              <a:rPr lang="es-CO" sz="1600" dirty="0" smtClean="0">
-                <a:solidFill>
-                  <a:schemeClr val="bg1">
-                    <a:lumMod val="50000"/>
-                  </a:schemeClr>
+              <a:t>Total_ jQuery</a:t>
+            </a:r>
+          </a:p>
+          <a:p>
+            <a:r>
+              <a:rPr lang="es-CO" sz="1600" dirty="0">
+                <a:solidFill>
+                  <a:srgbClr val="C00000"/>
                 </a:solidFill>
               </a:rPr>
-              <a:t>Nodejs</a:t>
-            </a:r>
-          </a:p>
-          <a:p>
-            <a:r>
-              <a:rPr lang="es-CO" sz="1600" dirty="0" smtClean="0">
-                <a:solidFill>
-                  <a:schemeClr val="bg1">
-                    <a:lumMod val="50000"/>
-                  </a:schemeClr>
+              <a:t>Total_ Nodejs</a:t>
+            </a:r>
+          </a:p>
+          <a:p>
+            <a:r>
+              <a:rPr lang="es-CO" sz="1600" dirty="0">
+                <a:solidFill>
+                  <a:srgbClr val="C00000"/>
                 </a:solidFill>
               </a:rPr>
-              <a:t>ObjectiveC</a:t>
-            </a:r>
-          </a:p>
-          <a:p>
-            <a:r>
-              <a:rPr lang="es-CO" sz="1600" dirty="0" smtClean="0">
-                <a:solidFill>
-                  <a:schemeClr val="bg1">
-                    <a:lumMod val="50000"/>
-                  </a:schemeClr>
+              <a:t>Total_ ObjectiveC</a:t>
+            </a:r>
+          </a:p>
+          <a:p>
+            <a:r>
+              <a:rPr lang="es-CO" sz="1600" dirty="0">
+                <a:solidFill>
+                  <a:srgbClr val="C00000"/>
                 </a:solidFill>
               </a:rPr>
-              <a:t>Perl</a:t>
-            </a:r>
-          </a:p>
-          <a:p>
-            <a:r>
-              <a:rPr lang="es-CO" sz="1600" dirty="0" smtClean="0">
-                <a:solidFill>
-                  <a:schemeClr val="bg1">
-                    <a:lumMod val="50000"/>
-                  </a:schemeClr>
+              <a:t>Total_ Perl</a:t>
+            </a:r>
+          </a:p>
+          <a:p>
+            <a:r>
+              <a:rPr lang="es-CO" sz="1600" dirty="0">
+                <a:solidFill>
+                  <a:srgbClr val="C00000"/>
                 </a:solidFill>
               </a:rPr>
-              <a:t>PHP</a:t>
-            </a:r>
-          </a:p>
-          <a:p>
-            <a:r>
-              <a:rPr lang="es-CO" sz="1600" dirty="0" smtClean="0">
-                <a:solidFill>
-                  <a:schemeClr val="bg1">
-                    <a:lumMod val="50000"/>
-                  </a:schemeClr>
+              <a:t>Total_ PHP</a:t>
+            </a:r>
+          </a:p>
+          <a:p>
+            <a:r>
+              <a:rPr lang="es-CO" sz="1600" dirty="0">
+                <a:solidFill>
+                  <a:srgbClr val="C00000"/>
                 </a:solidFill>
               </a:rPr>
-              <a:t> Python</a:t>
-            </a:r>
-          </a:p>
-          <a:p>
-            <a:r>
-              <a:rPr lang="es-CO" sz="1600" dirty="0" smtClean="0">
-                <a:solidFill>
-                  <a:schemeClr val="bg1">
-                    <a:lumMod val="50000"/>
-                  </a:schemeClr>
+              <a:t>Total_ Python</a:t>
+            </a:r>
+          </a:p>
+          <a:p>
+            <a:r>
+              <a:rPr lang="es-CO" sz="1600" dirty="0">
+                <a:solidFill>
+                  <a:srgbClr val="C00000"/>
                 </a:solidFill>
               </a:rPr>
-              <a:t>Ruby</a:t>
-            </a:r>
-          </a:p>
-          <a:p>
-            <a:r>
-              <a:rPr lang="es-CO" sz="1600" dirty="0" smtClean="0">
-                <a:solidFill>
-                  <a:schemeClr val="bg1">
-                    <a:lumMod val="50000"/>
-                  </a:schemeClr>
+              <a:t>Total_ Ruby</a:t>
+            </a:r>
+          </a:p>
+          <a:p>
+            <a:r>
+              <a:rPr lang="es-CO" sz="1600" dirty="0">
+                <a:solidFill>
+                  <a:srgbClr val="C00000"/>
                 </a:solidFill>
               </a:rPr>
-              <a:t>SQL</a:t>
-            </a:r>
-          </a:p>
-          <a:p>
-            <a:r>
-              <a:rPr lang="es-CO" sz="1600" dirty="0" smtClean="0">
-                <a:solidFill>
-                  <a:schemeClr val="bg1">
-                    <a:lumMod val="50000"/>
-                  </a:schemeClr>
+              <a:t>Total_ SQL</a:t>
+            </a:r>
+          </a:p>
+          <a:p>
+            <a:r>
+              <a:rPr lang="es-CO" sz="1600" dirty="0">
+                <a:solidFill>
+                  <a:srgbClr val="C00000"/>
                 </a:solidFill>
               </a:rPr>
-              <a:t>SQL_Server</a:t>
-            </a:r>
-          </a:p>
-          <a:p>
-            <a:r>
-              <a:rPr lang="es-CO" sz="1600" dirty="0" smtClean="0">
-                <a:solidFill>
-                  <a:schemeClr val="bg1">
-                    <a:lumMod val="50000"/>
-                  </a:schemeClr>
+              <a:t>Total_ SQL_Server</a:t>
+            </a:r>
+          </a:p>
+          <a:p>
+            <a:r>
+              <a:rPr lang="es-CO" sz="1600" dirty="0">
+                <a:solidFill>
+                  <a:srgbClr val="C00000"/>
                 </a:solidFill>
               </a:rPr>
-              <a:t>TypeScript</a:t>
-            </a:r>
-            <a:endParaRPr lang="es-CO" sz="1600" dirty="0">
-              <a:solidFill>
-                <a:schemeClr val="bg1">
-                  <a:lumMod val="50000"/>
-                </a:schemeClr>
-              </a:solidFill>
-            </a:endParaRPr>
+              <a:t>Total_ TypeScript</a:t>
+            </a:r>
           </a:p>
         </p:txBody>
       </p:sp>
@@ -3449,7 +3415,7 @@
           <a:p>
             <a:pPr algn="ctr"/>
             <a:r>
-              <a:rPr lang="es-CO" sz="1600" b="1" dirty="0" smtClean="0">
+              <a:rPr lang="es-CO" sz="1600" b="1" dirty="0">
                 <a:solidFill>
                   <a:schemeClr val="bg1">
                     <a:lumMod val="50000"/>
@@ -3461,7 +3427,7 @@
           </a:p>
           <a:p>
             <a:r>
-              <a:rPr lang="es-CO" sz="1600" dirty="0" smtClean="0">
+              <a:rPr lang="es-CO" sz="1600" dirty="0">
                 <a:solidFill>
                   <a:schemeClr val="bg1">
                     <a:lumMod val="50000"/>
@@ -3473,7 +3439,7 @@
           </a:p>
           <a:p>
             <a:r>
-              <a:rPr lang="es-CO" sz="1600" dirty="0" smtClean="0">
+              <a:rPr lang="es-CO" sz="1600" dirty="0">
                 <a:solidFill>
                   <a:schemeClr val="bg1">
                     <a:lumMod val="50000"/>
@@ -3482,13 +3448,6 @@
               </a:rPr>
               <a:t>Des_Country</a:t>
             </a:r>
-            <a:endParaRPr lang="es-CO" sz="1600" dirty="0">
-              <a:solidFill>
-                <a:schemeClr val="bg1">
-                  <a:lumMod val="50000"/>
-                </a:schemeClr>
-              </a:solidFill>
-            </a:endParaRPr>
           </a:p>
         </p:txBody>
       </p:sp>
@@ -3536,49 +3495,32 @@
                   </a:schemeClr>
                 </a:solidFill>
               </a:rPr>
-              <a:t>A</a:t>
-            </a:r>
-            <a:r>
-              <a:rPr lang="es-CO" sz="1600" b="1" dirty="0" smtClean="0">
+              <a:t>AGE</a:t>
+            </a:r>
+          </a:p>
+          <a:p>
+            <a:r>
+              <a:rPr lang="es-CO" sz="1600" dirty="0">
                 <a:solidFill>
                   <a:schemeClr val="bg1">
                     <a:lumMod val="50000"/>
                   </a:schemeClr>
                 </a:solidFill>
               </a:rPr>
-              <a:t>GE</a:t>
-            </a:r>
-          </a:p>
-          <a:p>
-            <a:r>
-              <a:rPr lang="es-CO" sz="1600" dirty="0" smtClean="0">
+              <a:t>Id_Age</a:t>
+            </a:r>
+          </a:p>
+          <a:p>
+            <a:r>
+              <a:rPr lang="es-CO" sz="1600" dirty="0">
                 <a:solidFill>
                   <a:schemeClr val="bg1">
                     <a:lumMod val="50000"/>
                   </a:schemeClr>
                 </a:solidFill>
               </a:rPr>
-              <a:t>Id_Age</a:t>
-            </a:r>
-          </a:p>
-          <a:p>
-            <a:r>
-              <a:rPr lang="es-CO" sz="1600" dirty="0" smtClean="0">
-                <a:solidFill>
-                  <a:schemeClr val="bg1">
-                    <a:lumMod val="50000"/>
-                  </a:schemeClr>
-                </a:solidFill>
-              </a:rPr>
               <a:t>Desc_Age</a:t>
             </a:r>
-            <a:endParaRPr lang="es-CO" sz="1600" dirty="0">
-              <a:solidFill>
-                <a:schemeClr val="bg1">
-                  <a:lumMod val="50000"/>
-                </a:schemeClr>
-              </a:solidFill>
-            </a:endParaRPr>
           </a:p>
         </p:txBody>
       </p:sp>
@@ -3590,7 +3532,7 @@
         </p:nvSpPr>
         <p:spPr>
           <a:xfrm>
-            <a:off x="6143636" y="1026367"/>
+            <a:off x="6820778" y="1026367"/>
             <a:ext cx="1857388" cy="830997"/>
           </a:xfrm>
           <a:prstGeom prst="rect">
@@ -3619,7 +3561,7 @@
           <a:p>
             <a:pPr algn="ctr"/>
             <a:r>
-              <a:rPr lang="es-CO" sz="1600" b="1" dirty="0" smtClean="0">
+              <a:rPr lang="es-CO" sz="1600" b="1" dirty="0">
                 <a:solidFill>
                   <a:schemeClr val="bg1">
                     <a:lumMod val="50000"/>
@@ -3631,7 +3573,7 @@
           </a:p>
           <a:p>
             <a:r>
-              <a:rPr lang="es-CO" sz="1600" dirty="0" smtClean="0">
+              <a:rPr lang="es-CO" sz="1600" dirty="0">
                 <a:solidFill>
                   <a:schemeClr val="bg1">
                     <a:lumMod val="50000"/>
@@ -3643,7 +3585,7 @@
           </a:p>
           <a:p>
             <a:r>
-              <a:rPr lang="es-CO" sz="1600" dirty="0" smtClean="0">
+              <a:rPr lang="es-CO" sz="1600" dirty="0">
                 <a:solidFill>
                   <a:schemeClr val="bg1">
                     <a:lumMod val="50000"/>
@@ -3652,13 +3594,6 @@
               </a:rPr>
               <a:t>Desc_Country</a:t>
             </a:r>
-            <a:endParaRPr lang="es-CO" sz="1600" dirty="0">
-              <a:solidFill>
-                <a:schemeClr val="bg1">
-                  <a:lumMod val="50000"/>
-                </a:schemeClr>
-              </a:solidFill>
-            </a:endParaRPr>
           </a:p>
         </p:txBody>
       </p:sp>
@@ -3670,7 +3605,7 @@
         </p:nvSpPr>
         <p:spPr>
           <a:xfrm>
-            <a:off x="6143635" y="4955457"/>
+            <a:off x="6820777" y="4955457"/>
             <a:ext cx="1945835" cy="830997"/>
           </a:xfrm>
           <a:prstGeom prst="rect">
@@ -3699,7 +3634,7 @@
           <a:p>
             <a:pPr algn="ctr"/>
             <a:r>
-              <a:rPr lang="es-CO" sz="1600" b="1" dirty="0" smtClean="0">
+              <a:rPr lang="es-CO" sz="1600" b="1" dirty="0">
                 <a:solidFill>
                   <a:schemeClr val="bg1">
                     <a:lumMod val="50000"/>
@@ -3711,7 +3646,7 @@
           </a:p>
           <a:p>
             <a:r>
-              <a:rPr lang="es-CO" sz="1600" dirty="0" smtClean="0">
+              <a:rPr lang="es-CO" sz="1600" dirty="0">
                 <a:solidFill>
                   <a:schemeClr val="bg1">
                     <a:lumMod val="50000"/>
@@ -3723,7 +3658,7 @@
           </a:p>
           <a:p>
             <a:r>
-              <a:rPr lang="es-CO" sz="1600" dirty="0" smtClean="0">
+              <a:rPr lang="es-CO" sz="1600" dirty="0">
                 <a:solidFill>
                   <a:schemeClr val="bg1">
                     <a:lumMod val="50000"/>
@@ -3732,13 +3667,6 @@
               </a:rPr>
               <a:t>Desc_Gender</a:t>
             </a:r>
-            <a:endParaRPr lang="es-CO" sz="1600" dirty="0">
-              <a:solidFill>
-                <a:schemeClr val="bg1">
-                  <a:lumMod val="50000"/>
-                </a:schemeClr>
-              </a:solidFill>
-            </a:endParaRPr>
           </a:p>
         </p:txBody>
       </p:sp>
@@ -3750,7 +3678,7 @@
         </p:nvSpPr>
         <p:spPr>
           <a:xfrm>
-            <a:off x="6357950" y="3000372"/>
+            <a:off x="7035092" y="3000372"/>
             <a:ext cx="1857388" cy="830997"/>
           </a:xfrm>
           <a:prstGeom prst="rect">
@@ -3779,7 +3707,7 @@
           <a:p>
             <a:pPr algn="ctr"/>
             <a:r>
-              <a:rPr lang="es-CO" sz="1600" b="1" dirty="0" smtClean="0">
+              <a:rPr lang="es-CO" sz="1600" b="1" dirty="0">
                 <a:solidFill>
                   <a:schemeClr val="bg1">
                     <a:lumMod val="50000"/>
@@ -3791,7 +3719,7 @@
           </a:p>
           <a:p>
             <a:r>
-              <a:rPr lang="es-CO" sz="1600" dirty="0" smtClean="0">
+              <a:rPr lang="es-CO" sz="1600" dirty="0">
                 <a:solidFill>
                   <a:schemeClr val="bg1">
                     <a:lumMod val="50000"/>
@@ -3803,7 +3731,7 @@
           </a:p>
           <a:p>
             <a:r>
-              <a:rPr lang="es-CO" sz="1600" dirty="0" smtClean="0">
+              <a:rPr lang="es-CO" sz="1600" dirty="0">
                 <a:solidFill>
                   <a:schemeClr val="bg1">
                     <a:lumMod val="50000"/>
@@ -3812,13 +3740,6 @@
               </a:rPr>
               <a:t>Desc_Experience</a:t>
             </a:r>
-            <a:endParaRPr lang="es-CO" sz="1600" dirty="0">
-              <a:solidFill>
-                <a:schemeClr val="bg1">
-                  <a:lumMod val="50000"/>
-                </a:schemeClr>
-              </a:solidFill>
-            </a:endParaRPr>
           </a:p>
         </p:txBody>
       </p:sp>
@@ -3826,6 +3747,7 @@
         <p:nvCxnSpPr>
           <p:cNvPr id="11" name="10 Conector recto de flecha"/>
           <p:cNvCxnSpPr>
+            <a:cxnSpLocks/>
             <a:stCxn id="4" idx="3"/>
             <a:endCxn id="7" idx="1"/>
           </p:cNvCxnSpPr>
@@ -3833,8 +3755,8 @@
         </p:nvCxnSpPr>
         <p:spPr>
           <a:xfrm flipV="1">
-            <a:off x="4929190" y="1441866"/>
-            <a:ext cx="1214446" cy="1967794"/>
+            <a:off x="5294360" y="1441866"/>
+            <a:ext cx="1526418" cy="1967794"/>
           </a:xfrm>
           <a:prstGeom prst="straightConnector1">
             <a:avLst/>
@@ -3862,6 +3784,7 @@
         <p:nvCxnSpPr>
           <p:cNvPr id="12" name="11 Conector recto de flecha"/>
           <p:cNvCxnSpPr>
+            <a:cxnSpLocks/>
             <a:stCxn id="4" idx="3"/>
             <a:endCxn id="9" idx="1"/>
           </p:cNvCxnSpPr>
@@ -3869,8 +3792,8 @@
         </p:nvCxnSpPr>
         <p:spPr>
           <a:xfrm>
-            <a:off x="4929190" y="3409660"/>
-            <a:ext cx="1428760" cy="6211"/>
+            <a:off x="5294360" y="3409660"/>
+            <a:ext cx="1740732" cy="6211"/>
           </a:xfrm>
           <a:prstGeom prst="straightConnector1">
             <a:avLst/>
@@ -3898,13 +3821,14 @@
         <p:nvCxnSpPr>
           <p:cNvPr id="15" name="14 Conector recto de flecha"/>
           <p:cNvCxnSpPr>
+            <a:cxnSpLocks/>
             <a:stCxn id="4" idx="1"/>
             <a:endCxn id="5" idx="3"/>
           </p:cNvCxnSpPr>
           <p:nvPr/>
         </p:nvCxnSpPr>
         <p:spPr>
-          <a:xfrm rot="10800000">
+          <a:xfrm flipH="1" flipV="1">
             <a:off x="2500298" y="1441866"/>
             <a:ext cx="1071570" cy="1967794"/>
           </a:xfrm>
@@ -3934,14 +3858,15 @@
         <p:nvCxnSpPr>
           <p:cNvPr id="18" name="17 Conector recto de flecha"/>
           <p:cNvCxnSpPr>
+            <a:cxnSpLocks/>
             <a:stCxn id="4" idx="1"/>
           </p:cNvCxnSpPr>
           <p:nvPr/>
         </p:nvCxnSpPr>
         <p:spPr>
-          <a:xfrm rot="10800000" flipV="1">
-            <a:off x="2571736" y="3409659"/>
-            <a:ext cx="1000132" cy="1948167"/>
+          <a:xfrm flipH="1">
+            <a:off x="2571736" y="3409660"/>
+            <a:ext cx="1000132" cy="1948166"/>
           </a:xfrm>
           <a:prstGeom prst="straightConnector1">
             <a:avLst/>
@@ -3969,6 +3894,7 @@
         <p:nvCxnSpPr>
           <p:cNvPr id="20" name="19 Conector recto de flecha"/>
           <p:cNvCxnSpPr>
+            <a:cxnSpLocks/>
             <a:stCxn id="4" idx="3"/>
             <a:endCxn id="8" idx="1"/>
           </p:cNvCxnSpPr>
@@ -3976,8 +3902,8 @@
         </p:nvCxnSpPr>
         <p:spPr>
           <a:xfrm>
-            <a:off x="4929190" y="3409660"/>
-            <a:ext cx="1214445" cy="1961296"/>
+            <a:off x="5294360" y="3409660"/>
+            <a:ext cx="1526417" cy="1961296"/>
           </a:xfrm>
           <a:prstGeom prst="straightConnector1">
             <a:avLst/>
@@ -4024,10 +3950,9 @@
           <a:lstStyle/>
           <a:p>
             <a:r>
-              <a:rPr lang="es-CO" sz="2000" b="1" dirty="0" smtClean="0"/>
+              <a:rPr lang="es-CO" sz="2000" b="1" dirty="0"/>
               <a:t>1</a:t>
             </a:r>
-            <a:endParaRPr lang="es-CO" sz="2000" b="1" dirty="0"/>
           </a:p>
         </p:txBody>
       </p:sp>
@@ -4039,7 +3964,7 @@
         </p:nvSpPr>
         <p:spPr>
           <a:xfrm>
-            <a:off x="5857884" y="4572008"/>
+            <a:off x="6535026" y="4572008"/>
             <a:ext cx="142876" cy="400110"/>
           </a:xfrm>
           <a:prstGeom prst="rect">
@@ -4054,10 +3979,9 @@
           <a:lstStyle/>
           <a:p>
             <a:r>
-              <a:rPr lang="es-CO" sz="2000" b="1" dirty="0" smtClean="0"/>
+              <a:rPr lang="es-CO" sz="2000" b="1" dirty="0"/>
               <a:t>1</a:t>
             </a:r>
-            <a:endParaRPr lang="es-CO" sz="2000" b="1" dirty="0"/>
           </a:p>
         </p:txBody>
       </p:sp>
@@ -4069,7 +3993,7 @@
         </p:nvSpPr>
         <p:spPr>
           <a:xfrm>
-            <a:off x="5929322" y="3000372"/>
+            <a:off x="6606464" y="3000372"/>
             <a:ext cx="142876" cy="400110"/>
           </a:xfrm>
           <a:prstGeom prst="rect">
@@ -4084,10 +4008,9 @@
           <a:lstStyle/>
           <a:p>
             <a:r>
-              <a:rPr lang="es-CO" sz="2000" b="1" dirty="0" smtClean="0"/>
+              <a:rPr lang="es-CO" sz="2000" b="1" dirty="0"/>
               <a:t>1</a:t>
             </a:r>
-            <a:endParaRPr lang="es-CO" sz="2000" b="1" dirty="0"/>
           </a:p>
         </p:txBody>
       </p:sp>
@@ -4099,7 +4022,7 @@
         </p:nvSpPr>
         <p:spPr>
           <a:xfrm>
-            <a:off x="5786446" y="1214422"/>
+            <a:off x="6463588" y="1214422"/>
             <a:ext cx="142876" cy="400110"/>
           </a:xfrm>
           <a:prstGeom prst="rect">
@@ -4114,10 +4037,9 @@
           <a:lstStyle/>
           <a:p>
             <a:r>
-              <a:rPr lang="es-CO" sz="2000" b="1" dirty="0" smtClean="0"/>
+              <a:rPr lang="es-CO" sz="2000" b="1" dirty="0"/>
               <a:t>1</a:t>
             </a:r>
-            <a:endParaRPr lang="es-CO" sz="2000" b="1" dirty="0"/>
           </a:p>
         </p:txBody>
       </p:sp>
@@ -4144,10 +4066,9 @@
           <a:lstStyle/>
           <a:p>
             <a:r>
-              <a:rPr lang="es-CO" sz="2000" b="1" dirty="0" smtClean="0"/>
+              <a:rPr lang="es-CO" sz="2000" b="1" dirty="0"/>
               <a:t>1</a:t>
             </a:r>
-            <a:endParaRPr lang="es-CO" sz="2000" b="1" dirty="0"/>
           </a:p>
         </p:txBody>
       </p:sp>
@@ -4174,10 +4095,9 @@
           <a:lstStyle/>
           <a:p>
             <a:r>
-              <a:rPr lang="es-CO" sz="2000" b="1" dirty="0" smtClean="0"/>
+              <a:rPr lang="es-CO" sz="2000" b="1" dirty="0"/>
               <a:t>M</a:t>
             </a:r>
-            <a:endParaRPr lang="es-CO" sz="2000" b="1" dirty="0"/>
           </a:p>
         </p:txBody>
       </p:sp>
@@ -4204,10 +4124,9 @@
           <a:lstStyle/>
           <a:p>
             <a:r>
-              <a:rPr lang="es-CO" sz="2000" b="1" dirty="0" smtClean="0"/>
+              <a:rPr lang="es-CO" sz="2000" b="1" dirty="0"/>
               <a:t>M</a:t>
             </a:r>
-            <a:endParaRPr lang="es-CO" sz="2000" b="1" dirty="0"/>
           </a:p>
         </p:txBody>
       </p:sp>
@@ -4219,7 +4138,36 @@
         </p:nvSpPr>
         <p:spPr>
           <a:xfrm>
-            <a:off x="4929190" y="2500306"/>
+            <a:off x="5582392" y="2276872"/>
+            <a:ext cx="285752" cy="400110"/>
+          </a:xfrm>
+          <a:prstGeom prst="rect">
+            <a:avLst/>
+          </a:prstGeom>
+          <a:noFill/>
+        </p:spPr>
+        <p:txBody>
+          <a:bodyPr wrap="square" rtlCol="0">
+            <a:spAutoFit/>
+          </a:bodyPr>
+          <a:lstStyle/>
+          <a:p>
+            <a:r>
+              <a:rPr lang="es-CO" sz="2000" b="1" dirty="0"/>
+              <a:t>M</a:t>
+            </a:r>
+          </a:p>
+        </p:txBody>
+      </p:sp>
+      <p:sp>
+        <p:nvSpPr>
+          <p:cNvPr id="34" name="33 CuadroTexto"/>
+          <p:cNvSpPr txBox="1"/>
+          <p:nvPr/>
+        </p:nvSpPr>
+        <p:spPr>
+          <a:xfrm>
+            <a:off x="5580112" y="3028890"/>
             <a:ext cx="142876" cy="400110"/>
           </a:xfrm>
           <a:prstGeom prst="rect">
@@ -4234,22 +4182,21 @@
           <a:lstStyle/>
           <a:p>
             <a:r>
-              <a:rPr lang="es-CO" sz="2000" b="1" dirty="0" smtClean="0"/>
+              <a:rPr lang="es-CO" sz="2000" b="1" dirty="0"/>
               <a:t>M</a:t>
             </a:r>
-            <a:endParaRPr lang="es-CO" sz="2000" b="1" dirty="0"/>
-          </a:p>
-        </p:txBody>
-      </p:sp>
-      <p:sp>
-        <p:nvSpPr>
-          <p:cNvPr id="34" name="33 CuadroTexto"/>
-          <p:cNvSpPr txBox="1"/>
-          <p:nvPr/>
-        </p:nvSpPr>
-        <p:spPr>
-          <a:xfrm>
-            <a:off x="5143504" y="3028890"/>
+          </a:p>
+        </p:txBody>
+      </p:sp>
+      <p:sp>
+        <p:nvSpPr>
+          <p:cNvPr id="35" name="34 CuadroTexto"/>
+          <p:cNvSpPr txBox="1"/>
+          <p:nvPr/>
+        </p:nvSpPr>
+        <p:spPr>
+          <a:xfrm>
+            <a:off x="5580112" y="3528956"/>
             <a:ext cx="142876" cy="400110"/>
           </a:xfrm>
           <a:prstGeom prst="rect">
@@ -4264,40 +4211,9 @@
           <a:lstStyle/>
           <a:p>
             <a:r>
-              <a:rPr lang="es-CO" sz="2000" b="1" dirty="0" smtClean="0"/>
+              <a:rPr lang="es-CO" sz="2000" b="1" dirty="0"/>
               <a:t>M</a:t>
             </a:r>
-            <a:endParaRPr lang="es-CO" sz="2000" b="1" dirty="0"/>
-          </a:p>
-        </p:txBody>
-      </p:sp>
-      <p:sp>
-        <p:nvSpPr>
-          <p:cNvPr id="35" name="34 CuadroTexto"/>
-          <p:cNvSpPr txBox="1"/>
-          <p:nvPr/>
-        </p:nvSpPr>
-        <p:spPr>
-          <a:xfrm>
-            <a:off x="5214942" y="3528956"/>
-            <a:ext cx="142876" cy="400110"/>
-          </a:xfrm>
-          <a:prstGeom prst="rect">
-            <a:avLst/>
-          </a:prstGeom>
-          <a:noFill/>
-        </p:spPr>
-        <p:txBody>
-          <a:bodyPr wrap="square" rtlCol="0">
-            <a:spAutoFit/>
-          </a:bodyPr>
-          <a:lstStyle/>
-          <a:p>
-            <a:r>
-              <a:rPr lang="es-CO" sz="2000" b="1" dirty="0" smtClean="0"/>
-              <a:t>M</a:t>
-            </a:r>
-            <a:endParaRPr lang="es-CO" sz="2000" b="1" dirty="0"/>
           </a:p>
         </p:txBody>
       </p:sp>
@@ -4306,13 +4222,6 @@
   <p:clrMapOvr>
     <a:masterClrMapping/>
   </p:clrMapOvr>
-  <p:timing>
-    <p:tnLst>
-      <p:par>
-        <p:cTn id="1" dur="indefinite" restart="never" nodeType="tmRoot"/>
-      </p:par>
-    </p:tnLst>
-  </p:timing>
 </p:sld>
 </file>
 
@@ -4333,223 +4242,6 @@
           <a:chExt cx="0" cy="0"/>
         </a:xfrm>
       </p:grpSpPr>
-      <p:cxnSp>
-        <p:nvCxnSpPr>
-          <p:cNvPr id="77" name="76 Conector recto"/>
-          <p:cNvCxnSpPr/>
-          <p:nvPr/>
-        </p:nvCxnSpPr>
-        <p:spPr>
-          <a:xfrm rot="16200000" flipV="1">
-            <a:off x="3750463" y="1893083"/>
-            <a:ext cx="285752" cy="71438"/>
-          </a:xfrm>
-          <a:prstGeom prst="line">
-            <a:avLst/>
-          </a:prstGeom>
-          <a:ln w="19050"/>
-        </p:spPr>
-        <p:style>
-          <a:lnRef idx="2">
-            <a:schemeClr val="dk1"/>
-          </a:lnRef>
-          <a:fillRef idx="0">
-            <a:schemeClr val="dk1"/>
-          </a:fillRef>
-          <a:effectRef idx="1">
-            <a:schemeClr val="dk1"/>
-          </a:effectRef>
-          <a:fontRef idx="minor">
-            <a:schemeClr val="tx1"/>
-          </a:fontRef>
-        </p:style>
-      </p:cxnSp>
-      <p:cxnSp>
-        <p:nvCxnSpPr>
-          <p:cNvPr id="79" name="78 Conector recto"/>
-          <p:cNvCxnSpPr/>
-          <p:nvPr/>
-        </p:nvCxnSpPr>
-        <p:spPr>
-          <a:xfrm rot="10800000">
-            <a:off x="3857620" y="1785926"/>
-            <a:ext cx="285752" cy="71438"/>
-          </a:xfrm>
-          <a:prstGeom prst="line">
-            <a:avLst/>
-          </a:prstGeom>
-          <a:ln w="19050"/>
-        </p:spPr>
-        <p:style>
-          <a:lnRef idx="2">
-            <a:schemeClr val="dk1"/>
-          </a:lnRef>
-          <a:fillRef idx="0">
-            <a:schemeClr val="dk1"/>
-          </a:fillRef>
-          <a:effectRef idx="1">
-            <a:schemeClr val="dk1"/>
-          </a:effectRef>
-          <a:fontRef idx="minor">
-            <a:schemeClr val="tx1"/>
-          </a:fontRef>
-        </p:style>
-      </p:cxnSp>
-      <p:cxnSp>
-        <p:nvCxnSpPr>
-          <p:cNvPr id="72" name="71 Conector recto"/>
-          <p:cNvCxnSpPr/>
-          <p:nvPr/>
-        </p:nvCxnSpPr>
-        <p:spPr>
-          <a:xfrm rot="16200000" flipH="1">
-            <a:off x="3036083" y="2321711"/>
-            <a:ext cx="214314" cy="142876"/>
-          </a:xfrm>
-          <a:prstGeom prst="line">
-            <a:avLst/>
-          </a:prstGeom>
-          <a:ln w="19050"/>
-        </p:spPr>
-        <p:style>
-          <a:lnRef idx="2">
-            <a:schemeClr val="dk1"/>
-          </a:lnRef>
-          <a:fillRef idx="0">
-            <a:schemeClr val="dk1"/>
-          </a:fillRef>
-          <a:effectRef idx="1">
-            <a:schemeClr val="dk1"/>
-          </a:effectRef>
-          <a:fontRef idx="minor">
-            <a:schemeClr val="tx1"/>
-          </a:fontRef>
-        </p:style>
-      </p:cxnSp>
-      <p:cxnSp>
-        <p:nvCxnSpPr>
-          <p:cNvPr id="66" name="65 Conector recto"/>
-          <p:cNvCxnSpPr/>
-          <p:nvPr/>
-        </p:nvCxnSpPr>
-        <p:spPr>
-          <a:xfrm flipV="1">
-            <a:off x="3071802" y="2214554"/>
-            <a:ext cx="571504" cy="71438"/>
-          </a:xfrm>
-          <a:prstGeom prst="line">
-            <a:avLst/>
-          </a:prstGeom>
-          <a:ln w="19050"/>
-        </p:spPr>
-        <p:style>
-          <a:lnRef idx="2">
-            <a:schemeClr val="dk1"/>
-          </a:lnRef>
-          <a:fillRef idx="0">
-            <a:schemeClr val="dk1"/>
-          </a:fillRef>
-          <a:effectRef idx="1">
-            <a:schemeClr val="dk1"/>
-          </a:effectRef>
-          <a:fontRef idx="minor">
-            <a:schemeClr val="tx1"/>
-          </a:fontRef>
-        </p:style>
-      </p:cxnSp>
-      <p:cxnSp>
-        <p:nvCxnSpPr>
-          <p:cNvPr id="64" name="63 Conector recto"/>
-          <p:cNvCxnSpPr/>
-          <p:nvPr/>
-        </p:nvCxnSpPr>
-        <p:spPr>
-          <a:xfrm rot="5400000">
-            <a:off x="3536149" y="2964653"/>
-            <a:ext cx="285752" cy="71438"/>
-          </a:xfrm>
-          <a:prstGeom prst="line">
-            <a:avLst/>
-          </a:prstGeom>
-          <a:ln w="19050"/>
-        </p:spPr>
-        <p:style>
-          <a:lnRef idx="2">
-            <a:schemeClr val="dk1"/>
-          </a:lnRef>
-          <a:fillRef idx="0">
-            <a:schemeClr val="dk1"/>
-          </a:fillRef>
-          <a:effectRef idx="1">
-            <a:schemeClr val="dk1"/>
-          </a:effectRef>
-          <a:fontRef idx="minor">
-            <a:schemeClr val="tx1"/>
-          </a:fontRef>
-        </p:style>
-      </p:cxnSp>
-      <p:cxnSp>
-        <p:nvCxnSpPr>
-          <p:cNvPr id="57" name="56 Conector recto"/>
-          <p:cNvCxnSpPr/>
-          <p:nvPr/>
-        </p:nvCxnSpPr>
-        <p:spPr>
-          <a:xfrm>
-            <a:off x="4786314" y="2928934"/>
-            <a:ext cx="357190" cy="71438"/>
-          </a:xfrm>
-          <a:prstGeom prst="line">
-            <a:avLst/>
-          </a:prstGeom>
-          <a:ln w="19050"/>
-        </p:spPr>
-        <p:style>
-          <a:lnRef idx="2">
-            <a:schemeClr val="dk1"/>
-          </a:lnRef>
-          <a:fillRef idx="0">
-            <a:schemeClr val="dk1"/>
-          </a:fillRef>
-          <a:effectRef idx="1">
-            <a:schemeClr val="dk1"/>
-          </a:effectRef>
-          <a:fontRef idx="minor">
-            <a:schemeClr val="tx1"/>
-          </a:fontRef>
-        </p:style>
-      </p:cxnSp>
-      <p:cxnSp>
-        <p:nvCxnSpPr>
-          <p:cNvPr id="59" name="58 Conector recto"/>
-          <p:cNvCxnSpPr/>
-          <p:nvPr/>
-        </p:nvCxnSpPr>
-        <p:spPr>
-          <a:xfrm rot="16200000" flipH="1">
-            <a:off x="4929190" y="2786058"/>
-            <a:ext cx="285752" cy="142876"/>
-          </a:xfrm>
-          <a:prstGeom prst="line">
-            <a:avLst/>
-          </a:prstGeom>
-          <a:ln w="19050"/>
-        </p:spPr>
-        <p:style>
-          <a:lnRef idx="2">
-            <a:schemeClr val="dk1"/>
-          </a:lnRef>
-          <a:fillRef idx="0">
-            <a:schemeClr val="dk1"/>
-          </a:fillRef>
-          <a:effectRef idx="1">
-            <a:schemeClr val="dk1"/>
-          </a:effectRef>
-          <a:fontRef idx="minor">
-            <a:schemeClr val="tx1"/>
-          </a:fontRef>
-        </p:style>
-      </p:cxnSp>
       <p:sp>
         <p:nvSpPr>
           <p:cNvPr id="14" name="13 Rectángulo redondeado"/>
@@ -4558,8 +4250,8 @@
         </p:nvSpPr>
         <p:spPr>
           <a:xfrm>
-            <a:off x="3714744" y="3643314"/>
-            <a:ext cx="1000132" cy="3071834"/>
+            <a:off x="3464711" y="3664618"/>
+            <a:ext cx="1571636" cy="3071834"/>
           </a:xfrm>
           <a:prstGeom prst="roundRect">
             <a:avLst/>
@@ -4584,226 +4276,219 @@
           <a:lstStyle/>
           <a:p>
             <a:r>
-              <a:rPr lang="es-CO" sz="1000" dirty="0" smtClean="0">
+              <a:rPr lang="es-CO" sz="1000" dirty="0">
                 <a:solidFill>
                   <a:schemeClr val="bg1">
                     <a:lumMod val="50000"/>
                   </a:schemeClr>
                 </a:solidFill>
               </a:rPr>
-              <a:t>AngularJS</a:t>
-            </a:r>
-          </a:p>
-          <a:p>
-            <a:r>
-              <a:rPr lang="es-CO" sz="1000" dirty="0" smtClean="0">
+              <a:t>Total_AngularJS</a:t>
+            </a:r>
+          </a:p>
+          <a:p>
+            <a:r>
+              <a:rPr lang="es-CO" sz="1000" dirty="0">
                 <a:solidFill>
                   <a:schemeClr val="bg1">
                     <a:lumMod val="50000"/>
                   </a:schemeClr>
                 </a:solidFill>
               </a:rPr>
-              <a:t>C</a:t>
-            </a:r>
-          </a:p>
-          <a:p>
-            <a:r>
-              <a:rPr lang="es-CO" sz="1000" dirty="0" smtClean="0">
+              <a:t>Total_ C</a:t>
+            </a:r>
+          </a:p>
+          <a:p>
+            <a:r>
+              <a:rPr lang="es-CO" sz="1000" dirty="0">
                 <a:solidFill>
                   <a:schemeClr val="bg1">
                     <a:lumMod val="50000"/>
                   </a:schemeClr>
                 </a:solidFill>
               </a:rPr>
-              <a:t>CPlusPlus</a:t>
-            </a:r>
-          </a:p>
-          <a:p>
-            <a:r>
-              <a:rPr lang="es-CO" sz="1000" dirty="0" smtClean="0">
+              <a:t>Total_ CPlusPlus</a:t>
+            </a:r>
+          </a:p>
+          <a:p>
+            <a:r>
+              <a:rPr lang="es-CO" sz="1000" dirty="0">
                 <a:solidFill>
                   <a:schemeClr val="bg1">
                     <a:lumMod val="50000"/>
                   </a:schemeClr>
                 </a:solidFill>
               </a:rPr>
-              <a:t>CSharp,</a:t>
-            </a:r>
-          </a:p>
-          <a:p>
-            <a:r>
-              <a:rPr lang="es-CO" sz="1000" dirty="0" smtClean="0">
+              <a:t>Total_ CSharp,</a:t>
+            </a:r>
+          </a:p>
+          <a:p>
+            <a:r>
+              <a:rPr lang="es-CO" sz="1000" dirty="0">
                 <a:solidFill>
                   <a:schemeClr val="bg1">
                     <a:lumMod val="50000"/>
                   </a:schemeClr>
                 </a:solidFill>
               </a:rPr>
-              <a:t>CSS</a:t>
-            </a:r>
-          </a:p>
-          <a:p>
-            <a:r>
-              <a:rPr lang="es-CO" sz="1000" dirty="0" smtClean="0">
+              <a:t>Total_ CSS</a:t>
+            </a:r>
+          </a:p>
+          <a:p>
+            <a:r>
+              <a:rPr lang="es-CO" sz="1000" dirty="0">
                 <a:solidFill>
                   <a:schemeClr val="bg1">
                     <a:lumMod val="50000"/>
                   </a:schemeClr>
                 </a:solidFill>
               </a:rPr>
-              <a:t>HTML5</a:t>
-            </a:r>
-          </a:p>
-          <a:p>
-            <a:r>
-              <a:rPr lang="es-CO" sz="1000" dirty="0" smtClean="0">
+              <a:t>Total_ HTML5</a:t>
+            </a:r>
+          </a:p>
+          <a:p>
+            <a:r>
+              <a:rPr lang="es-CO" sz="1000" dirty="0">
                 <a:solidFill>
                   <a:schemeClr val="bg1">
                     <a:lumMod val="50000"/>
                   </a:schemeClr>
                 </a:solidFill>
               </a:rPr>
-              <a:t>Java</a:t>
-            </a:r>
-          </a:p>
-          <a:p>
-            <a:r>
-              <a:rPr lang="es-CO" sz="1000" dirty="0" smtClean="0">
+              <a:t>Total_ Java</a:t>
+            </a:r>
+          </a:p>
+          <a:p>
+            <a:r>
+              <a:rPr lang="es-CO" sz="1000" dirty="0">
                 <a:solidFill>
                   <a:schemeClr val="bg1">
                     <a:lumMod val="50000"/>
                   </a:schemeClr>
                 </a:solidFill>
               </a:rPr>
-              <a:t>JavaScript,</a:t>
-            </a:r>
-          </a:p>
-          <a:p>
-            <a:r>
-              <a:rPr lang="es-CO" sz="1000" dirty="0" smtClean="0">
+              <a:t>Total_ JavaScript,</a:t>
+            </a:r>
+          </a:p>
+          <a:p>
+            <a:r>
+              <a:rPr lang="es-CO" sz="1000" dirty="0">
                 <a:solidFill>
                   <a:schemeClr val="bg1">
                     <a:lumMod val="50000"/>
                   </a:schemeClr>
                 </a:solidFill>
               </a:rPr>
-              <a:t>jQuery</a:t>
-            </a:r>
-          </a:p>
-          <a:p>
-            <a:r>
-              <a:rPr lang="es-CO" sz="1000" dirty="0" smtClean="0">
+              <a:t>Total_ jQuery</a:t>
+            </a:r>
+          </a:p>
+          <a:p>
+            <a:r>
+              <a:rPr lang="es-CO" sz="1000" dirty="0">
                 <a:solidFill>
                   <a:schemeClr val="bg1">
                     <a:lumMod val="50000"/>
                   </a:schemeClr>
                 </a:solidFill>
               </a:rPr>
-              <a:t>Nodejs</a:t>
-            </a:r>
-          </a:p>
-          <a:p>
-            <a:r>
-              <a:rPr lang="es-CO" sz="1000" dirty="0" smtClean="0">
+              <a:t>Total_ Nodejs</a:t>
+            </a:r>
+          </a:p>
+          <a:p>
+            <a:r>
+              <a:rPr lang="es-CO" sz="1000" dirty="0">
                 <a:solidFill>
                   <a:schemeClr val="bg1">
                     <a:lumMod val="50000"/>
                   </a:schemeClr>
                 </a:solidFill>
               </a:rPr>
-              <a:t>ObjectiveC</a:t>
-            </a:r>
-          </a:p>
-          <a:p>
-            <a:r>
-              <a:rPr lang="es-CO" sz="1000" dirty="0" smtClean="0">
+              <a:t>Total_ ObjectiveC</a:t>
+            </a:r>
+          </a:p>
+          <a:p>
+            <a:r>
+              <a:rPr lang="es-CO" sz="1000" dirty="0">
                 <a:solidFill>
                   <a:schemeClr val="bg1">
                     <a:lumMod val="50000"/>
                   </a:schemeClr>
                 </a:solidFill>
               </a:rPr>
-              <a:t>Perl</a:t>
-            </a:r>
-          </a:p>
-          <a:p>
-            <a:r>
-              <a:rPr lang="es-CO" sz="1000" dirty="0" smtClean="0">
+              <a:t>Total_ Perl</a:t>
+            </a:r>
+          </a:p>
+          <a:p>
+            <a:r>
+              <a:rPr lang="es-CO" sz="1000" dirty="0">
                 <a:solidFill>
                   <a:schemeClr val="bg1">
                     <a:lumMod val="50000"/>
                   </a:schemeClr>
                 </a:solidFill>
               </a:rPr>
-              <a:t>PHP</a:t>
-            </a:r>
-          </a:p>
-          <a:p>
-            <a:r>
-              <a:rPr lang="es-CO" sz="1000" dirty="0" smtClean="0">
+              <a:t>Total_ PHP</a:t>
+            </a:r>
+          </a:p>
+          <a:p>
+            <a:r>
+              <a:rPr lang="es-CO" sz="1000" dirty="0">
                 <a:solidFill>
                   <a:schemeClr val="bg1">
                     <a:lumMod val="50000"/>
                   </a:schemeClr>
                 </a:solidFill>
               </a:rPr>
-              <a:t> Python</a:t>
-            </a:r>
-          </a:p>
-          <a:p>
-            <a:r>
-              <a:rPr lang="es-CO" sz="1000" dirty="0" smtClean="0">
+              <a:t>Total_ Python</a:t>
+            </a:r>
+          </a:p>
+          <a:p>
+            <a:r>
+              <a:rPr lang="es-CO" sz="1000" dirty="0">
                 <a:solidFill>
                   <a:schemeClr val="bg1">
                     <a:lumMod val="50000"/>
                   </a:schemeClr>
                 </a:solidFill>
               </a:rPr>
-              <a:t>Ruby</a:t>
-            </a:r>
-          </a:p>
-          <a:p>
-            <a:r>
-              <a:rPr lang="es-CO" sz="1000" dirty="0" smtClean="0">
+              <a:t>Total_ Ruby</a:t>
+            </a:r>
+          </a:p>
+          <a:p>
+            <a:r>
+              <a:rPr lang="es-CO" sz="1000" dirty="0">
                 <a:solidFill>
                   <a:schemeClr val="bg1">
                     <a:lumMod val="50000"/>
                   </a:schemeClr>
                 </a:solidFill>
               </a:rPr>
-              <a:t>SQL</a:t>
-            </a:r>
-          </a:p>
-          <a:p>
-            <a:r>
-              <a:rPr lang="es-CO" sz="1000" dirty="0" smtClean="0">
+              <a:t>Total_ SQL</a:t>
+            </a:r>
+          </a:p>
+          <a:p>
+            <a:r>
+              <a:rPr lang="es-CO" sz="1000" dirty="0">
                 <a:solidFill>
                   <a:schemeClr val="bg1">
                     <a:lumMod val="50000"/>
                   </a:schemeClr>
                 </a:solidFill>
               </a:rPr>
-              <a:t>SQL_Server</a:t>
-            </a:r>
-          </a:p>
-          <a:p>
-            <a:r>
-              <a:rPr lang="es-CO" sz="1000" dirty="0" smtClean="0">
+              <a:t>Total_ SQL_Server</a:t>
+            </a:r>
+          </a:p>
+          <a:p>
+            <a:r>
+              <a:rPr lang="es-CO" sz="1000" dirty="0">
                 <a:solidFill>
                   <a:schemeClr val="bg1">
                     <a:lumMod val="50000"/>
                   </a:schemeClr>
                 </a:solidFill>
               </a:rPr>
-              <a:t>TypeScript</a:t>
-            </a:r>
-            <a:endParaRPr lang="es-CO" sz="1000" dirty="0">
-              <a:solidFill>
-                <a:schemeClr val="bg1">
-                  <a:lumMod val="50000"/>
-                </a:schemeClr>
-              </a:solidFill>
-            </a:endParaRPr>
+              <a:t>Total_ TypeScript</a:t>
+            </a:r>
           </a:p>
         </p:txBody>
       </p:sp>
@@ -4904,6 +4589,7 @@
         <p:nvCxnSpPr>
           <p:cNvPr id="23" name="22 Conector recto"/>
           <p:cNvCxnSpPr>
+            <a:cxnSpLocks/>
             <a:endCxn id="33" idx="3"/>
           </p:cNvCxnSpPr>
           <p:nvPr/>
@@ -5001,7 +4687,7 @@
           <a:p>
             <a:pPr algn="ctr"/>
             <a:r>
-              <a:rPr lang="es-CO" sz="1600" b="1" dirty="0" smtClean="0">
+              <a:rPr lang="es-CO" sz="1600" b="1" dirty="0">
                 <a:solidFill>
                   <a:schemeClr val="bg1">
                     <a:lumMod val="50000"/>
@@ -5013,7 +4699,7 @@
           </a:p>
           <a:p>
             <a:r>
-              <a:rPr lang="es-CO" sz="1600" dirty="0" smtClean="0">
+              <a:rPr lang="es-CO" sz="1600" dirty="0">
                 <a:solidFill>
                   <a:schemeClr val="bg1">
                     <a:lumMod val="50000"/>
@@ -5025,7 +4711,7 @@
           </a:p>
           <a:p>
             <a:r>
-              <a:rPr lang="es-CO" sz="1600" dirty="0" smtClean="0">
+              <a:rPr lang="es-CO" sz="1600" dirty="0">
                 <a:solidFill>
                   <a:schemeClr val="bg1">
                     <a:lumMod val="50000"/>
@@ -5034,13 +4720,6 @@
               </a:rPr>
               <a:t>Des_Country</a:t>
             </a:r>
-            <a:endParaRPr lang="es-CO" sz="1600" dirty="0">
-              <a:solidFill>
-                <a:schemeClr val="bg1">
-                  <a:lumMod val="50000"/>
-                </a:schemeClr>
-              </a:solidFill>
-            </a:endParaRPr>
           </a:p>
         </p:txBody>
       </p:sp>
@@ -5088,49 +4767,32 @@
                   </a:schemeClr>
                 </a:solidFill>
               </a:rPr>
-              <a:t>A</a:t>
-            </a:r>
-            <a:r>
-              <a:rPr lang="es-CO" sz="1600" b="1" dirty="0" smtClean="0">
+              <a:t>AGE</a:t>
+            </a:r>
+          </a:p>
+          <a:p>
+            <a:r>
+              <a:rPr lang="es-CO" sz="1600" dirty="0">
                 <a:solidFill>
                   <a:schemeClr val="bg1">
                     <a:lumMod val="50000"/>
                   </a:schemeClr>
                 </a:solidFill>
               </a:rPr>
-              <a:t>GE</a:t>
-            </a:r>
-          </a:p>
-          <a:p>
-            <a:r>
-              <a:rPr lang="es-CO" sz="1600" dirty="0" smtClean="0">
+              <a:t>Id_Age</a:t>
+            </a:r>
+          </a:p>
+          <a:p>
+            <a:r>
+              <a:rPr lang="es-CO" sz="1600" dirty="0">
                 <a:solidFill>
                   <a:schemeClr val="bg1">
                     <a:lumMod val="50000"/>
                   </a:schemeClr>
                 </a:solidFill>
               </a:rPr>
-              <a:t>Id_Age</a:t>
-            </a:r>
-          </a:p>
-          <a:p>
-            <a:r>
-              <a:rPr lang="es-CO" sz="1600" dirty="0" smtClean="0">
-                <a:solidFill>
-                  <a:schemeClr val="bg1">
-                    <a:lumMod val="50000"/>
-                  </a:schemeClr>
-                </a:solidFill>
-              </a:rPr>
               <a:t>Desc_Age</a:t>
             </a:r>
-            <a:endParaRPr lang="es-CO" sz="1600" dirty="0">
-              <a:solidFill>
-                <a:schemeClr val="bg1">
-                  <a:lumMod val="50000"/>
-                </a:schemeClr>
-              </a:solidFill>
-            </a:endParaRPr>
           </a:p>
         </p:txBody>
       </p:sp>
@@ -5171,7 +4833,7 @@
           <a:p>
             <a:pPr algn="ctr"/>
             <a:r>
-              <a:rPr lang="es-CO" sz="1600" b="1" dirty="0" smtClean="0">
+              <a:rPr lang="es-CO" sz="1600" b="1" dirty="0">
                 <a:solidFill>
                   <a:schemeClr val="bg1">
                     <a:lumMod val="50000"/>
@@ -5183,7 +4845,7 @@
           </a:p>
           <a:p>
             <a:r>
-              <a:rPr lang="es-CO" sz="1600" dirty="0" smtClean="0">
+              <a:rPr lang="es-CO" sz="1600" dirty="0">
                 <a:solidFill>
                   <a:schemeClr val="bg1">
                     <a:lumMod val="50000"/>
@@ -5195,7 +4857,7 @@
           </a:p>
           <a:p>
             <a:r>
-              <a:rPr lang="es-CO" sz="1600" dirty="0" smtClean="0">
+              <a:rPr lang="es-CO" sz="1600" dirty="0">
                 <a:solidFill>
                   <a:schemeClr val="bg1">
                     <a:lumMod val="50000"/>
@@ -5204,13 +4866,6 @@
               </a:rPr>
               <a:t>Desc_Country</a:t>
             </a:r>
-            <a:endParaRPr lang="es-CO" sz="1600" dirty="0">
-              <a:solidFill>
-                <a:schemeClr val="bg1">
-                  <a:lumMod val="50000"/>
-                </a:schemeClr>
-              </a:solidFill>
-            </a:endParaRPr>
           </a:p>
         </p:txBody>
       </p:sp>
@@ -5251,7 +4906,7 @@
           <a:p>
             <a:pPr algn="ctr"/>
             <a:r>
-              <a:rPr lang="es-CO" sz="1600" b="1" dirty="0" smtClean="0">
+              <a:rPr lang="es-CO" sz="1600" b="1" dirty="0">
                 <a:solidFill>
                   <a:schemeClr val="bg1">
                     <a:lumMod val="50000"/>
@@ -5263,7 +4918,7 @@
           </a:p>
           <a:p>
             <a:r>
-              <a:rPr lang="es-CO" sz="1600" dirty="0" smtClean="0">
+              <a:rPr lang="es-CO" sz="1600" dirty="0">
                 <a:solidFill>
                   <a:schemeClr val="bg1">
                     <a:lumMod val="50000"/>
@@ -5275,7 +4930,7 @@
           </a:p>
           <a:p>
             <a:r>
-              <a:rPr lang="es-CO" sz="1600" dirty="0" smtClean="0">
+              <a:rPr lang="es-CO" sz="1600" dirty="0">
                 <a:solidFill>
                   <a:schemeClr val="bg1">
                     <a:lumMod val="50000"/>
@@ -5284,13 +4939,6 @@
               </a:rPr>
               <a:t>Desc_Gender</a:t>
             </a:r>
-            <a:endParaRPr lang="es-CO" sz="1600" dirty="0">
-              <a:solidFill>
-                <a:schemeClr val="bg1">
-                  <a:lumMod val="50000"/>
-                </a:schemeClr>
-              </a:solidFill>
-            </a:endParaRPr>
           </a:p>
         </p:txBody>
       </p:sp>
@@ -5331,7 +4979,7 @@
           <a:p>
             <a:pPr algn="ctr"/>
             <a:r>
-              <a:rPr lang="es-CO" sz="1600" b="1" dirty="0" smtClean="0">
+              <a:rPr lang="es-CO" sz="1600" b="1" dirty="0">
                 <a:solidFill>
                   <a:schemeClr val="bg1">
                     <a:lumMod val="50000"/>
@@ -5343,7 +4991,7 @@
           </a:p>
           <a:p>
             <a:r>
-              <a:rPr lang="es-CO" sz="1600" dirty="0" smtClean="0">
+              <a:rPr lang="es-CO" sz="1600" dirty="0">
                 <a:solidFill>
                   <a:schemeClr val="bg1">
                     <a:lumMod val="50000"/>
@@ -5355,7 +5003,7 @@
           </a:p>
           <a:p>
             <a:r>
-              <a:rPr lang="es-CO" sz="1600" dirty="0" smtClean="0">
+              <a:rPr lang="es-CO" sz="1600" dirty="0">
                 <a:solidFill>
                   <a:schemeClr val="bg1">
                     <a:lumMod val="50000"/>
@@ -5364,78 +5012,9 @@
               </a:rPr>
               <a:t>Desc_Experience</a:t>
             </a:r>
-            <a:endParaRPr lang="es-CO" sz="1600" dirty="0">
-              <a:solidFill>
-                <a:schemeClr val="bg1">
-                  <a:lumMod val="50000"/>
-                </a:schemeClr>
-              </a:solidFill>
-            </a:endParaRPr>
-          </a:p>
-        </p:txBody>
-      </p:sp>
-      <p:cxnSp>
-        <p:nvCxnSpPr>
-          <p:cNvPr id="42" name="41 Conector recto"/>
-          <p:cNvCxnSpPr/>
-          <p:nvPr/>
-        </p:nvCxnSpPr>
-        <p:spPr>
-          <a:xfrm flipV="1">
-            <a:off x="4929190" y="2143116"/>
-            <a:ext cx="357190" cy="71438"/>
-          </a:xfrm>
-          <a:prstGeom prst="line">
-            <a:avLst/>
-          </a:prstGeom>
-          <a:ln w="19050"/>
-        </p:spPr>
-        <p:style>
-          <a:lnRef idx="2">
-            <a:schemeClr val="dk1"/>
-          </a:lnRef>
-          <a:fillRef idx="0">
-            <a:schemeClr val="dk1"/>
-          </a:fillRef>
-          <a:effectRef idx="1">
-            <a:schemeClr val="dk1"/>
-          </a:effectRef>
-          <a:fontRef idx="minor">
-            <a:schemeClr val="tx1"/>
-          </a:fontRef>
-        </p:style>
-      </p:cxnSp>
-      <p:cxnSp>
-        <p:nvCxnSpPr>
-          <p:cNvPr id="47" name="46 Conector recto"/>
-          <p:cNvCxnSpPr/>
-          <p:nvPr/>
-        </p:nvCxnSpPr>
-        <p:spPr>
-          <a:xfrm rot="5400000" flipH="1" flipV="1">
-            <a:off x="5072066" y="2214554"/>
-            <a:ext cx="285752" cy="142876"/>
-          </a:xfrm>
-          <a:prstGeom prst="line">
-            <a:avLst/>
-          </a:prstGeom>
-          <a:ln w="19050"/>
-        </p:spPr>
-        <p:style>
-          <a:lnRef idx="2">
-            <a:schemeClr val="dk1"/>
-          </a:lnRef>
-          <a:fillRef idx="0">
-            <a:schemeClr val="dk1"/>
-          </a:fillRef>
-          <a:effectRef idx="1">
-            <a:schemeClr val="dk1"/>
-          </a:effectRef>
-          <a:fontRef idx="minor">
-            <a:schemeClr val="tx1"/>
-          </a:fontRef>
-        </p:style>
-      </p:cxnSp>
+          </a:p>
+        </p:txBody>
+      </p:sp>
       <p:grpSp>
         <p:nvGrpSpPr>
           <p:cNvPr id="13" name="12 Grupo"/>
@@ -5513,7 +5092,7 @@
             <a:p>
               <a:pPr algn="ctr"/>
               <a:r>
-                <a:rPr lang="es-CO" b="1" dirty="0" smtClean="0">
+                <a:rPr lang="es-CO" b="1" dirty="0">
                   <a:solidFill>
                     <a:schemeClr val="bg1">
                       <a:lumMod val="50000"/>
@@ -5522,13 +5101,6 @@
                 </a:rPr>
                 <a:t>LENGUAJES</a:t>
               </a:r>
-              <a:endParaRPr lang="es-CO" b="1" dirty="0">
-                <a:solidFill>
-                  <a:schemeClr val="bg1">
-                    <a:lumMod val="50000"/>
-                  </a:schemeClr>
-                </a:solidFill>
-              </a:endParaRPr>
             </a:p>
           </p:txBody>
         </p:sp>
@@ -5566,37 +5138,6 @@
           </p:style>
         </p:cxnSp>
       </p:grpSp>
-      <p:cxnSp>
-        <p:nvCxnSpPr>
-          <p:cNvPr id="62" name="61 Conector recto"/>
-          <p:cNvCxnSpPr/>
-          <p:nvPr/>
-        </p:nvCxnSpPr>
-        <p:spPr>
-          <a:xfrm flipV="1">
-            <a:off x="3643306" y="3071810"/>
-            <a:ext cx="285752" cy="71438"/>
-          </a:xfrm>
-          <a:prstGeom prst="line">
-            <a:avLst/>
-          </a:prstGeom>
-          <a:ln w="19050"/>
-        </p:spPr>
-        <p:style>
-          <a:lnRef idx="2">
-            <a:schemeClr val="dk1"/>
-          </a:lnRef>
-          <a:fillRef idx="0">
-            <a:schemeClr val="dk1"/>
-          </a:fillRef>
-          <a:effectRef idx="1">
-            <a:schemeClr val="dk1"/>
-          </a:effectRef>
-          <a:fontRef idx="minor">
-            <a:schemeClr val="tx1"/>
-          </a:fontRef>
-        </p:style>
-      </p:cxnSp>
     </p:spTree>
   </p:cSld>
   <p:clrMapOvr>
@@ -6695,14 +6236,9 @@
           <a:lstStyle/>
           <a:p>
             <a:r>
-              <a:rPr lang="es-CO" sz="1600" dirty="0" smtClean="0"/>
-              <a:t>2</a:t>
-            </a:r>
-            <a:r>
-              <a:rPr lang="es-CO" sz="1600" dirty="0" smtClean="0"/>
-              <a:t>4</a:t>
-            </a:r>
-            <a:endParaRPr lang="es-CO" sz="1600" dirty="0"/>
+              <a:rPr lang="es-CO" sz="1600" dirty="0"/>
+              <a:t>24</a:t>
+            </a:r>
           </a:p>
         </p:txBody>
       </p:sp>
@@ -6729,10 +6265,9 @@
           <a:lstStyle/>
           <a:p>
             <a:r>
-              <a:rPr lang="es-CO" sz="1600" dirty="0" smtClean="0"/>
+              <a:rPr lang="es-CO" sz="1600" dirty="0"/>
               <a:t>34</a:t>
             </a:r>
-            <a:endParaRPr lang="es-CO" sz="1600" dirty="0"/>
           </a:p>
         </p:txBody>
       </p:sp>
@@ -6759,10 +6294,9 @@
           <a:lstStyle/>
           <a:p>
             <a:r>
-              <a:rPr lang="es-CO" sz="1600" dirty="0" smtClean="0"/>
+              <a:rPr lang="es-CO" sz="1600" dirty="0"/>
               <a:t>…</a:t>
             </a:r>
-            <a:endParaRPr lang="es-CO" sz="1600" dirty="0"/>
           </a:p>
         </p:txBody>
       </p:sp>
@@ -6789,10 +6323,9 @@
           <a:lstStyle/>
           <a:p>
             <a:r>
-              <a:rPr lang="es-CO" sz="1600" dirty="0" smtClean="0"/>
+              <a:rPr lang="es-CO" sz="1600" dirty="0"/>
               <a:t>67</a:t>
             </a:r>
-            <a:endParaRPr lang="es-CO" sz="1600" dirty="0"/>
           </a:p>
         </p:txBody>
       </p:sp>
@@ -6819,10 +6352,9 @@
           <a:lstStyle/>
           <a:p>
             <a:r>
-              <a:rPr lang="es-CO" sz="1600" dirty="0" smtClean="0"/>
+              <a:rPr lang="es-CO" sz="1600" dirty="0"/>
               <a:t>32</a:t>
             </a:r>
-            <a:endParaRPr lang="es-CO" sz="1600" dirty="0"/>
           </a:p>
         </p:txBody>
       </p:sp>
@@ -6849,10 +6381,9 @@
           <a:lstStyle/>
           <a:p>
             <a:r>
-              <a:rPr lang="es-CO" sz="1600" dirty="0" smtClean="0"/>
+              <a:rPr lang="es-CO" sz="1600" dirty="0"/>
               <a:t>38</a:t>
             </a:r>
-            <a:endParaRPr lang="es-CO" sz="1600" dirty="0"/>
           </a:p>
         </p:txBody>
       </p:sp>
@@ -6879,10 +6410,9 @@
           <a:lstStyle/>
           <a:p>
             <a:r>
-              <a:rPr lang="es-CO" sz="1600" dirty="0" smtClean="0"/>
+              <a:rPr lang="es-CO" sz="1600" dirty="0"/>
               <a:t>44</a:t>
             </a:r>
-            <a:endParaRPr lang="es-CO" sz="1600" dirty="0"/>
           </a:p>
         </p:txBody>
       </p:sp>
@@ -6909,10 +6439,9 @@
           <a:lstStyle/>
           <a:p>
             <a:r>
-              <a:rPr lang="es-CO" sz="1600" dirty="0" smtClean="0"/>
+              <a:rPr lang="es-CO" sz="1600" dirty="0"/>
               <a:t>…</a:t>
             </a:r>
-            <a:endParaRPr lang="es-CO" sz="1600" dirty="0"/>
           </a:p>
         </p:txBody>
       </p:sp>
@@ -6939,10 +6468,9 @@
           <a:lstStyle/>
           <a:p>
             <a:r>
-              <a:rPr lang="es-CO" sz="1600" dirty="0" smtClean="0"/>
+              <a:rPr lang="es-CO" sz="1600" dirty="0"/>
               <a:t>34</a:t>
             </a:r>
-            <a:endParaRPr lang="es-CO" sz="1600" dirty="0"/>
           </a:p>
         </p:txBody>
       </p:sp>
@@ -6969,10 +6497,9 @@
           <a:lstStyle/>
           <a:p>
             <a:r>
-              <a:rPr lang="es-CO" sz="1600" dirty="0" smtClean="0"/>
+              <a:rPr lang="es-CO" sz="1600" dirty="0"/>
               <a:t>59</a:t>
             </a:r>
-            <a:endParaRPr lang="es-CO" sz="1600" dirty="0"/>
           </a:p>
         </p:txBody>
       </p:sp>
@@ -6999,10 +6526,9 @@
           <a:lstStyle/>
           <a:p>
             <a:r>
-              <a:rPr lang="es-CO" sz="1600" dirty="0" smtClean="0"/>
+              <a:rPr lang="es-CO" sz="1600" dirty="0"/>
               <a:t>…</a:t>
             </a:r>
-            <a:endParaRPr lang="es-CO" sz="1600" dirty="0"/>
           </a:p>
         </p:txBody>
       </p:sp>
@@ -7028,10 +6554,10 @@
           </a:bodyPr>
           <a:lstStyle/>
           <a:p>
-            <a:endParaRPr lang="es-CO" sz="1600" dirty="0" smtClean="0"/>
-          </a:p>
-          <a:p>
-            <a:endParaRPr lang="es-CO" sz="1600" dirty="0" smtClean="0"/>
+            <a:endParaRPr lang="es-CO" sz="1600" dirty="0"/>
+          </a:p>
+          <a:p>
+            <a:endParaRPr lang="es-CO" sz="1600" dirty="0"/>
           </a:p>
           <a:p>
             <a:endParaRPr lang="es-CO" sz="1600" dirty="0"/>
@@ -7061,14 +6587,9 @@
           <a:lstStyle/>
           <a:p>
             <a:r>
-              <a:rPr lang="es-CO" sz="1600" dirty="0" smtClean="0"/>
-              <a:t> </a:t>
-            </a:r>
-            <a:r>
-              <a:rPr lang="es-CO" sz="1600" dirty="0" smtClean="0"/>
-              <a:t>…</a:t>
-            </a:r>
-            <a:endParaRPr lang="es-CO" sz="1600" dirty="0"/>
+              <a:rPr lang="es-CO" sz="1600" dirty="0"/>
+              <a:t> …</a:t>
+            </a:r>
           </a:p>
         </p:txBody>
       </p:sp>
@@ -7095,10 +6616,9 @@
           <a:lstStyle/>
           <a:p>
             <a:r>
-              <a:rPr lang="es-CO" sz="1600" dirty="0" smtClean="0"/>
+              <a:rPr lang="es-CO" sz="1600" dirty="0"/>
               <a:t>…</a:t>
             </a:r>
-            <a:endParaRPr lang="es-CO" sz="1600" dirty="0"/>
           </a:p>
         </p:txBody>
       </p:sp>
@@ -7125,10 +6645,9 @@
           <a:lstStyle/>
           <a:p>
             <a:r>
-              <a:rPr lang="es-CO" sz="1600" dirty="0" smtClean="0"/>
+              <a:rPr lang="es-CO" sz="1600" dirty="0"/>
               <a:t>15</a:t>
             </a:r>
-            <a:endParaRPr lang="es-CO" sz="1600" dirty="0"/>
           </a:p>
         </p:txBody>
       </p:sp>
@@ -7155,10 +6674,9 @@
           <a:lstStyle/>
           <a:p>
             <a:r>
-              <a:rPr lang="es-CO" sz="1600" dirty="0" smtClean="0"/>
+              <a:rPr lang="es-CO" sz="1600" dirty="0"/>
               <a:t>12</a:t>
             </a:r>
-            <a:endParaRPr lang="es-CO" sz="1600" dirty="0"/>
           </a:p>
         </p:txBody>
       </p:sp>
@@ -7185,14 +6703,9 @@
           <a:lstStyle/>
           <a:p>
             <a:r>
-              <a:rPr lang="es-CO" sz="1600" dirty="0" smtClean="0"/>
-              <a:t> </a:t>
-            </a:r>
-            <a:r>
-              <a:rPr lang="es-CO" sz="1600" dirty="0" smtClean="0"/>
-              <a:t>….</a:t>
-            </a:r>
-            <a:endParaRPr lang="es-CO" sz="1600" dirty="0"/>
+              <a:rPr lang="es-CO" sz="1600" dirty="0"/>
+              <a:t> ….</a:t>
+            </a:r>
           </a:p>
         </p:txBody>
       </p:sp>
@@ -7219,10 +6732,9 @@
           <a:lstStyle/>
           <a:p>
             <a:r>
-              <a:rPr lang="es-CO" sz="1600" dirty="0" smtClean="0"/>
+              <a:rPr lang="es-CO" sz="1600" dirty="0"/>
               <a:t>80</a:t>
             </a:r>
-            <a:endParaRPr lang="es-CO" sz="1600" dirty="0"/>
           </a:p>
         </p:txBody>
       </p:sp>
@@ -7249,10 +6761,9 @@
           <a:lstStyle/>
           <a:p>
             <a:r>
-              <a:rPr lang="es-CO" sz="1600" dirty="0" smtClean="0"/>
+              <a:rPr lang="es-CO" sz="1600" dirty="0"/>
               <a:t>29</a:t>
             </a:r>
-            <a:endParaRPr lang="es-CO" sz="1600" dirty="0"/>
           </a:p>
         </p:txBody>
       </p:sp>
@@ -7279,10 +6790,9 @@
           <a:lstStyle/>
           <a:p>
             <a:r>
-              <a:rPr lang="es-CO" sz="1600" dirty="0" smtClean="0"/>
+              <a:rPr lang="es-CO" sz="1600" dirty="0"/>
               <a:t>86</a:t>
             </a:r>
-            <a:endParaRPr lang="es-CO" sz="1600" dirty="0"/>
           </a:p>
         </p:txBody>
       </p:sp>
@@ -7309,10 +6819,9 @@
           <a:lstStyle/>
           <a:p>
             <a:r>
-              <a:rPr lang="es-CO" sz="1600" dirty="0" smtClean="0"/>
+              <a:rPr lang="es-CO" sz="1600" dirty="0"/>
               <a:t>15</a:t>
             </a:r>
-            <a:endParaRPr lang="es-CO" sz="1600" dirty="0"/>
           </a:p>
         </p:txBody>
       </p:sp>
@@ -7339,14 +6848,9 @@
           <a:lstStyle/>
           <a:p>
             <a:r>
-              <a:rPr lang="es-CO" sz="1600" dirty="0" smtClean="0"/>
-              <a:t> </a:t>
-            </a:r>
-            <a:r>
-              <a:rPr lang="es-CO" sz="1600" dirty="0" smtClean="0"/>
-              <a:t>…</a:t>
-            </a:r>
-            <a:endParaRPr lang="es-CO" sz="1600" dirty="0"/>
+              <a:rPr lang="es-CO" sz="1600" dirty="0"/>
+              <a:t> …</a:t>
+            </a:r>
           </a:p>
         </p:txBody>
       </p:sp>
@@ -7373,10 +6877,9 @@
           <a:lstStyle/>
           <a:p>
             <a:r>
-              <a:rPr lang="es-CO" sz="1600" dirty="0" smtClean="0"/>
+              <a:rPr lang="es-CO" sz="1600" dirty="0"/>
               <a:t>58</a:t>
             </a:r>
-            <a:endParaRPr lang="es-CO" sz="1600" dirty="0"/>
           </a:p>
         </p:txBody>
       </p:sp>
@@ -7403,10 +6906,9 @@
           <a:lstStyle/>
           <a:p>
             <a:r>
-              <a:rPr lang="es-CO" sz="1600" dirty="0" smtClean="0"/>
+              <a:rPr lang="es-CO" sz="1600" dirty="0"/>
               <a:t>97</a:t>
             </a:r>
-            <a:endParaRPr lang="es-CO" sz="1600" dirty="0"/>
           </a:p>
         </p:txBody>
       </p:sp>
@@ -7433,10 +6935,9 @@
           <a:lstStyle/>
           <a:p>
             <a:r>
-              <a:rPr lang="es-CO" sz="1600" dirty="0" smtClean="0"/>
+              <a:rPr lang="es-CO" sz="1600" dirty="0"/>
               <a:t>18</a:t>
             </a:r>
-            <a:endParaRPr lang="es-CO" sz="1600" dirty="0"/>
           </a:p>
         </p:txBody>
       </p:sp>
@@ -7463,10 +6964,9 @@
           <a:lstStyle/>
           <a:p>
             <a:r>
-              <a:rPr lang="es-CO" sz="1600" dirty="0" smtClean="0"/>
+              <a:rPr lang="es-CO" sz="1600" dirty="0"/>
               <a:t>95</a:t>
             </a:r>
-            <a:endParaRPr lang="es-CO" sz="1600" dirty="0"/>
           </a:p>
         </p:txBody>
       </p:sp>
@@ -7493,14 +6993,9 @@
           <a:lstStyle/>
           <a:p>
             <a:r>
-              <a:rPr lang="es-CO" sz="1600" dirty="0" smtClean="0"/>
-              <a:t> </a:t>
-            </a:r>
-            <a:r>
-              <a:rPr lang="es-CO" sz="1600" dirty="0" smtClean="0"/>
-              <a:t>…</a:t>
-            </a:r>
-            <a:endParaRPr lang="es-CO" sz="1600" dirty="0"/>
+              <a:rPr lang="es-CO" sz="1600" dirty="0"/>
+              <a:t> …</a:t>
+            </a:r>
           </a:p>
         </p:txBody>
       </p:sp>
@@ -7527,10 +7022,9 @@
           <a:lstStyle/>
           <a:p>
             <a:r>
-              <a:rPr lang="es-CO" sz="1600" dirty="0" smtClean="0"/>
+              <a:rPr lang="es-CO" sz="1600" dirty="0"/>
               <a:t>11</a:t>
             </a:r>
-            <a:endParaRPr lang="es-CO" sz="1600" dirty="0"/>
           </a:p>
         </p:txBody>
       </p:sp>
@@ -7557,10 +7051,9 @@
           <a:lstStyle/>
           <a:p>
             <a:r>
-              <a:rPr lang="es-CO" sz="1600" dirty="0" smtClean="0"/>
+              <a:rPr lang="es-CO" sz="1600" dirty="0"/>
               <a:t>70</a:t>
             </a:r>
-            <a:endParaRPr lang="es-CO" sz="1600" dirty="0"/>
           </a:p>
         </p:txBody>
       </p:sp>
@@ -7587,10 +7080,9 @@
           <a:lstStyle/>
           <a:p>
             <a:r>
-              <a:rPr lang="es-CO" sz="1600" dirty="0" smtClean="0"/>
+              <a:rPr lang="es-CO" sz="1600" dirty="0"/>
               <a:t>13</a:t>
             </a:r>
-            <a:endParaRPr lang="es-CO" sz="1600" dirty="0"/>
           </a:p>
         </p:txBody>
       </p:sp>
@@ -7617,10 +7109,9 @@
           <a:lstStyle/>
           <a:p>
             <a:r>
-              <a:rPr lang="es-CO" sz="1600" dirty="0" smtClean="0"/>
+              <a:rPr lang="es-CO" sz="1600" dirty="0"/>
               <a:t>32</a:t>
             </a:r>
-            <a:endParaRPr lang="es-CO" sz="1600" dirty="0"/>
           </a:p>
         </p:txBody>
       </p:sp>
@@ -7647,10 +7138,9 @@
           <a:lstStyle/>
           <a:p>
             <a:r>
-              <a:rPr lang="es-CO" sz="1600" dirty="0" smtClean="0"/>
+              <a:rPr lang="es-CO" sz="1600" dirty="0"/>
               <a:t>25</a:t>
             </a:r>
-            <a:endParaRPr lang="es-CO" sz="1600" dirty="0"/>
           </a:p>
         </p:txBody>
       </p:sp>
@@ -7677,10 +7167,9 @@
           <a:lstStyle/>
           <a:p>
             <a:r>
-              <a:rPr lang="es-CO" sz="1600" dirty="0" smtClean="0"/>
+              <a:rPr lang="es-CO" sz="1600" dirty="0"/>
               <a:t>48</a:t>
             </a:r>
-            <a:endParaRPr lang="es-CO" sz="1600" dirty="0"/>
           </a:p>
         </p:txBody>
       </p:sp>
@@ -7707,10 +7196,9 @@
           <a:lstStyle/>
           <a:p>
             <a:r>
-              <a:rPr lang="es-CO" sz="1600" dirty="0" smtClean="0"/>
+              <a:rPr lang="es-CO" sz="1600" dirty="0"/>
               <a:t>17</a:t>
             </a:r>
-            <a:endParaRPr lang="es-CO" sz="1600" dirty="0"/>
           </a:p>
         </p:txBody>
       </p:sp>
@@ -7737,10 +7225,9 @@
           <a:lstStyle/>
           <a:p>
             <a:r>
-              <a:rPr lang="es-CO" sz="1600" dirty="0" smtClean="0"/>
+              <a:rPr lang="es-CO" sz="1600" dirty="0"/>
               <a:t>83</a:t>
             </a:r>
-            <a:endParaRPr lang="es-CO" sz="1600" dirty="0"/>
           </a:p>
         </p:txBody>
       </p:sp>
@@ -7767,10 +7254,9 @@
           <a:lstStyle/>
           <a:p>
             <a:r>
-              <a:rPr lang="es-CO" sz="1600" dirty="0" smtClean="0"/>
+              <a:rPr lang="es-CO" sz="1600" dirty="0"/>
               <a:t>…</a:t>
             </a:r>
-            <a:endParaRPr lang="es-CO" sz="1600" dirty="0"/>
           </a:p>
         </p:txBody>
       </p:sp>
@@ -7797,10 +7283,9 @@
           <a:lstStyle/>
           <a:p>
             <a:r>
-              <a:rPr lang="es-CO" sz="1600" dirty="0" smtClean="0"/>
+              <a:rPr lang="es-CO" sz="1600" dirty="0"/>
               <a:t>…</a:t>
             </a:r>
-            <a:endParaRPr lang="es-CO" sz="1600" dirty="0"/>
           </a:p>
         </p:txBody>
       </p:sp>
@@ -7827,10 +7312,9 @@
           <a:lstStyle/>
           <a:p>
             <a:r>
-              <a:rPr lang="es-CO" sz="1600" dirty="0" smtClean="0"/>
+              <a:rPr lang="es-CO" sz="1600" dirty="0"/>
               <a:t>…</a:t>
             </a:r>
-            <a:endParaRPr lang="es-CO" sz="1600" dirty="0"/>
           </a:p>
         </p:txBody>
       </p:sp>
@@ -7857,14 +7341,9 @@
           <a:lstStyle/>
           <a:p>
             <a:r>
-              <a:rPr lang="es-CO" sz="1600" dirty="0" smtClean="0"/>
-              <a:t>2</a:t>
-            </a:r>
-            <a:r>
-              <a:rPr lang="es-CO" sz="1600" dirty="0" smtClean="0"/>
-              <a:t>4</a:t>
-            </a:r>
-            <a:endParaRPr lang="es-CO" sz="1600" dirty="0"/>
+              <a:rPr lang="es-CO" sz="1600" dirty="0"/>
+              <a:t>24</a:t>
+            </a:r>
           </a:p>
         </p:txBody>
       </p:sp>
@@ -7891,10 +7370,9 @@
           <a:lstStyle/>
           <a:p>
             <a:r>
-              <a:rPr lang="es-CO" sz="1600" dirty="0" smtClean="0"/>
+              <a:rPr lang="es-CO" sz="1600" dirty="0"/>
               <a:t>81</a:t>
             </a:r>
-            <a:endParaRPr lang="es-CO" sz="1600" dirty="0"/>
           </a:p>
         </p:txBody>
       </p:sp>
@@ -7921,10 +7399,9 @@
           <a:lstStyle/>
           <a:p>
             <a:r>
-              <a:rPr lang="es-CO" sz="1600" dirty="0" smtClean="0"/>
+              <a:rPr lang="es-CO" sz="1600" dirty="0"/>
               <a:t>21</a:t>
             </a:r>
-            <a:endParaRPr lang="es-CO" sz="1600" dirty="0"/>
           </a:p>
         </p:txBody>
       </p:sp>
@@ -7951,10 +7428,9 @@
           <a:lstStyle/>
           <a:p>
             <a:r>
-              <a:rPr lang="es-CO" sz="1600" dirty="0" smtClean="0"/>
+              <a:rPr lang="es-CO" sz="1600" dirty="0"/>
               <a:t>58</a:t>
             </a:r>
-            <a:endParaRPr lang="es-CO" sz="1600" dirty="0"/>
           </a:p>
         </p:txBody>
       </p:sp>
@@ -7981,10 +7457,9 @@
           <a:lstStyle/>
           <a:p>
             <a:r>
-              <a:rPr lang="es-CO" sz="1600" dirty="0" smtClean="0"/>
+              <a:rPr lang="es-CO" sz="1600" dirty="0"/>
               <a:t>85</a:t>
             </a:r>
-            <a:endParaRPr lang="es-CO" sz="1600" dirty="0"/>
           </a:p>
         </p:txBody>
       </p:sp>
@@ -8011,10 +7486,9 @@
           <a:lstStyle/>
           <a:p>
             <a:r>
-              <a:rPr lang="es-CO" sz="1600" dirty="0" smtClean="0"/>
+              <a:rPr lang="es-CO" sz="1600" dirty="0"/>
               <a:t>69</a:t>
             </a:r>
-            <a:endParaRPr lang="es-CO" sz="1600" dirty="0"/>
           </a:p>
         </p:txBody>
       </p:sp>
@@ -8041,14 +7515,9 @@
           <a:lstStyle/>
           <a:p>
             <a:r>
-              <a:rPr lang="es-CO" sz="1600" dirty="0" smtClean="0"/>
-              <a:t>1</a:t>
-            </a:r>
-            <a:r>
-              <a:rPr lang="es-CO" sz="1600" dirty="0" smtClean="0"/>
-              <a:t>4</a:t>
-            </a:r>
-            <a:endParaRPr lang="es-CO" sz="1600" dirty="0"/>
+              <a:rPr lang="es-CO" sz="1600" dirty="0"/>
+              <a:t>14</a:t>
+            </a:r>
           </a:p>
         </p:txBody>
       </p:sp>
@@ -8075,10 +7544,9 @@
           <a:lstStyle/>
           <a:p>
             <a:r>
-              <a:rPr lang="es-CO" sz="1600" dirty="0" smtClean="0"/>
+              <a:rPr lang="es-CO" sz="1600" dirty="0"/>
               <a:t>…</a:t>
             </a:r>
-            <a:endParaRPr lang="es-CO" sz="1600" dirty="0"/>
           </a:p>
         </p:txBody>
       </p:sp>
@@ -8105,10 +7573,9 @@
           <a:lstStyle/>
           <a:p>
             <a:r>
-              <a:rPr lang="es-CO" sz="1600" dirty="0" smtClean="0"/>
+              <a:rPr lang="es-CO" sz="1600" dirty="0"/>
               <a:t>76</a:t>
             </a:r>
-            <a:endParaRPr lang="es-CO" sz="1600" dirty="0"/>
           </a:p>
         </p:txBody>
       </p:sp>
@@ -8135,10 +7602,9 @@
           <a:lstStyle/>
           <a:p>
             <a:r>
-              <a:rPr lang="es-CO" sz="1600" dirty="0" smtClean="0"/>
+              <a:rPr lang="es-CO" sz="1600" dirty="0"/>
               <a:t>15</a:t>
             </a:r>
-            <a:endParaRPr lang="es-CO" sz="1600" dirty="0"/>
           </a:p>
         </p:txBody>
       </p:sp>
@@ -8165,10 +7631,9 @@
           <a:lstStyle/>
           <a:p>
             <a:r>
-              <a:rPr lang="es-CO" sz="1600" dirty="0" smtClean="0"/>
+              <a:rPr lang="es-CO" sz="1600" dirty="0"/>
               <a:t>…</a:t>
             </a:r>
-            <a:endParaRPr lang="es-CO" sz="1600" dirty="0"/>
           </a:p>
         </p:txBody>
       </p:sp>
@@ -8195,10 +7660,9 @@
           <a:lstStyle/>
           <a:p>
             <a:r>
-              <a:rPr lang="es-CO" sz="1600" dirty="0" smtClean="0"/>
+              <a:rPr lang="es-CO" sz="1600" dirty="0"/>
               <a:t>…</a:t>
             </a:r>
-            <a:endParaRPr lang="es-CO" sz="1600" dirty="0"/>
           </a:p>
         </p:txBody>
       </p:sp>
@@ -8225,10 +7689,9 @@
           <a:lstStyle/>
           <a:p>
             <a:r>
-              <a:rPr lang="es-CO" sz="1600" dirty="0" smtClean="0"/>
+              <a:rPr lang="es-CO" sz="1600" dirty="0"/>
               <a:t>…</a:t>
             </a:r>
-            <a:endParaRPr lang="es-CO" sz="1600" dirty="0"/>
           </a:p>
         </p:txBody>
       </p:sp>
@@ -8255,10 +7718,9 @@
           <a:lstStyle/>
           <a:p>
             <a:r>
-              <a:rPr lang="es-CO" sz="1600" dirty="0" smtClean="0"/>
+              <a:rPr lang="es-CO" sz="1600" dirty="0"/>
               <a:t>…</a:t>
             </a:r>
-            <a:endParaRPr lang="es-CO" sz="1600" dirty="0"/>
           </a:p>
         </p:txBody>
       </p:sp>
@@ -8285,10 +7747,9 @@
           <a:lstStyle/>
           <a:p>
             <a:r>
-              <a:rPr lang="es-CO" sz="1600" dirty="0" smtClean="0"/>
+              <a:rPr lang="es-CO" sz="1600" dirty="0"/>
               <a:t>98</a:t>
             </a:r>
-            <a:endParaRPr lang="es-CO" sz="1600" dirty="0"/>
           </a:p>
         </p:txBody>
       </p:sp>
@@ -8315,10 +7776,9 @@
           <a:lstStyle/>
           <a:p>
             <a:r>
-              <a:rPr lang="es-CO" sz="1600" dirty="0" smtClean="0"/>
+              <a:rPr lang="es-CO" sz="1600" dirty="0"/>
               <a:t>…</a:t>
             </a:r>
-            <a:endParaRPr lang="es-CO" sz="1600" dirty="0"/>
           </a:p>
         </p:txBody>
       </p:sp>
@@ -8345,14 +7805,9 @@
           <a:lstStyle/>
           <a:p>
             <a:r>
-              <a:rPr lang="es-CO" sz="1600" dirty="0" smtClean="0"/>
-              <a:t>9</a:t>
-            </a:r>
-            <a:r>
-              <a:rPr lang="es-CO" sz="1600" dirty="0" smtClean="0"/>
-              <a:t>4</a:t>
-            </a:r>
-            <a:endParaRPr lang="es-CO" sz="1600" dirty="0"/>
+              <a:rPr lang="es-CO" sz="1600" dirty="0"/>
+              <a:t>94</a:t>
+            </a:r>
           </a:p>
         </p:txBody>
       </p:sp>
@@ -8379,10 +7834,9 @@
           <a:lstStyle/>
           <a:p>
             <a:r>
-              <a:rPr lang="es-CO" sz="1600" dirty="0" smtClean="0"/>
+              <a:rPr lang="es-CO" sz="1600" dirty="0"/>
               <a:t>32</a:t>
             </a:r>
-            <a:endParaRPr lang="es-CO" sz="1600" dirty="0"/>
           </a:p>
         </p:txBody>
       </p:sp>
@@ -8409,10 +7863,9 @@
           <a:lstStyle/>
           <a:p>
             <a:r>
-              <a:rPr lang="es-CO" sz="1600" dirty="0" smtClean="0"/>
+              <a:rPr lang="es-CO" sz="1600" dirty="0"/>
               <a:t>71</a:t>
             </a:r>
-            <a:endParaRPr lang="es-CO" sz="1600" dirty="0"/>
           </a:p>
         </p:txBody>
       </p:sp>
@@ -8439,10 +7892,9 @@
           <a:lstStyle/>
           <a:p>
             <a:r>
-              <a:rPr lang="es-CO" sz="1600" dirty="0" smtClean="0"/>
+              <a:rPr lang="es-CO" sz="1600" dirty="0"/>
               <a:t>…</a:t>
             </a:r>
-            <a:endParaRPr lang="es-CO" sz="1600" dirty="0"/>
           </a:p>
         </p:txBody>
       </p:sp>
@@ -8469,10 +7921,9 @@
           <a:lstStyle/>
           <a:p>
             <a:r>
-              <a:rPr lang="es-CO" sz="1600" dirty="0" smtClean="0"/>
+              <a:rPr lang="es-CO" sz="1600" dirty="0"/>
               <a:t>23</a:t>
             </a:r>
-            <a:endParaRPr lang="es-CO" sz="1600" dirty="0"/>
           </a:p>
         </p:txBody>
       </p:sp>
@@ -8499,10 +7950,9 @@
           <a:lstStyle/>
           <a:p>
             <a:r>
-              <a:rPr lang="es-CO" sz="1600" dirty="0" smtClean="0"/>
+              <a:rPr lang="es-CO" sz="1600" dirty="0"/>
               <a:t>82</a:t>
             </a:r>
-            <a:endParaRPr lang="es-CO" sz="1600" dirty="0"/>
           </a:p>
         </p:txBody>
       </p:sp>
@@ -8529,10 +7979,9 @@
           <a:lstStyle/>
           <a:p>
             <a:r>
-              <a:rPr lang="es-CO" sz="1600" dirty="0" smtClean="0"/>
+              <a:rPr lang="es-CO" sz="1600" dirty="0"/>
               <a:t>98</a:t>
             </a:r>
-            <a:endParaRPr lang="es-CO" sz="1600" dirty="0"/>
           </a:p>
         </p:txBody>
       </p:sp>
@@ -8559,10 +8008,9 @@
           <a:lstStyle/>
           <a:p>
             <a:r>
-              <a:rPr lang="es-CO" sz="1600" dirty="0" smtClean="0"/>
+              <a:rPr lang="es-CO" sz="1600" dirty="0"/>
               <a:t>…</a:t>
             </a:r>
-            <a:endParaRPr lang="es-CO" sz="1600" dirty="0"/>
           </a:p>
         </p:txBody>
       </p:sp>
@@ -8589,10 +8037,9 @@
           <a:lstStyle/>
           <a:p>
             <a:r>
-              <a:rPr lang="es-CO" sz="1600" dirty="0" smtClean="0"/>
+              <a:rPr lang="es-CO" sz="1600" dirty="0"/>
               <a:t>34</a:t>
             </a:r>
-            <a:endParaRPr lang="es-CO" sz="1600" dirty="0"/>
           </a:p>
         </p:txBody>
       </p:sp>
@@ -8619,10 +8066,9 @@
           <a:lstStyle/>
           <a:p>
             <a:r>
-              <a:rPr lang="es-CO" sz="1600" dirty="0" smtClean="0"/>
+              <a:rPr lang="es-CO" sz="1600" dirty="0"/>
               <a:t>12</a:t>
             </a:r>
-            <a:endParaRPr lang="es-CO" sz="1600" dirty="0"/>
           </a:p>
         </p:txBody>
       </p:sp>
@@ -8649,10 +8095,9 @@
           <a:lstStyle/>
           <a:p>
             <a:r>
-              <a:rPr lang="es-CO" sz="1600" dirty="0" smtClean="0"/>
+              <a:rPr lang="es-CO" sz="1600" dirty="0"/>
               <a:t>…</a:t>
             </a:r>
-            <a:endParaRPr lang="es-CO" sz="1600" dirty="0"/>
           </a:p>
         </p:txBody>
       </p:sp>
@@ -8679,10 +8124,9 @@
           <a:lstStyle/>
           <a:p>
             <a:r>
-              <a:rPr lang="es-CO" sz="1600" dirty="0" smtClean="0"/>
+              <a:rPr lang="es-CO" sz="1600" dirty="0"/>
               <a:t>…</a:t>
             </a:r>
-            <a:endParaRPr lang="es-CO" sz="1600" dirty="0"/>
           </a:p>
         </p:txBody>
       </p:sp>
@@ -8709,10 +8153,9 @@
           <a:lstStyle/>
           <a:p>
             <a:r>
-              <a:rPr lang="es-CO" sz="1600" dirty="0" smtClean="0"/>
+              <a:rPr lang="es-CO" sz="1600" dirty="0"/>
               <a:t>…</a:t>
             </a:r>
-            <a:endParaRPr lang="es-CO" sz="1600" dirty="0"/>
           </a:p>
         </p:txBody>
       </p:sp>
@@ -8739,10 +8182,9 @@
           <a:lstStyle/>
           <a:p>
             <a:r>
-              <a:rPr lang="es-CO" sz="1600" dirty="0" smtClean="0"/>
+              <a:rPr lang="es-CO" sz="1600" dirty="0"/>
               <a:t>…</a:t>
             </a:r>
-            <a:endParaRPr lang="es-CO" sz="1600" dirty="0"/>
           </a:p>
         </p:txBody>
       </p:sp>
@@ -8769,10 +8211,9 @@
           <a:lstStyle/>
           <a:p>
             <a:r>
-              <a:rPr lang="es-CO" sz="1600" dirty="0" smtClean="0"/>
+              <a:rPr lang="es-CO" sz="1600" dirty="0"/>
               <a:t>…</a:t>
             </a:r>
-            <a:endParaRPr lang="es-CO" sz="1600" dirty="0"/>
           </a:p>
         </p:txBody>
       </p:sp>
@@ -8799,10 +8240,9 @@
           <a:lstStyle/>
           <a:p>
             <a:r>
-              <a:rPr lang="es-CO" sz="1600" dirty="0" smtClean="0"/>
+              <a:rPr lang="es-CO" sz="1600" dirty="0"/>
               <a:t>…</a:t>
             </a:r>
-            <a:endParaRPr lang="es-CO" sz="1600" dirty="0"/>
           </a:p>
         </p:txBody>
       </p:sp>
@@ -8829,10 +8269,9 @@
           <a:lstStyle/>
           <a:p>
             <a:r>
-              <a:rPr lang="es-CO" dirty="0" smtClean="0"/>
+              <a:rPr lang="es-CO" dirty="0"/>
               <a:t>2011</a:t>
             </a:r>
-            <a:endParaRPr lang="es-CO" dirty="0"/>
           </a:p>
         </p:txBody>
       </p:sp>
@@ -8859,10 +8298,9 @@
           <a:lstStyle/>
           <a:p>
             <a:r>
-              <a:rPr lang="es-CO" dirty="0" smtClean="0"/>
+              <a:rPr lang="es-CO" dirty="0"/>
               <a:t>2012</a:t>
             </a:r>
-            <a:endParaRPr lang="es-CO" dirty="0"/>
           </a:p>
         </p:txBody>
       </p:sp>
@@ -8889,10 +8327,9 @@
           <a:lstStyle/>
           <a:p>
             <a:r>
-              <a:rPr lang="es-CO" dirty="0" smtClean="0"/>
+              <a:rPr lang="es-CO" dirty="0"/>
               <a:t>2016</a:t>
             </a:r>
-            <a:endParaRPr lang="es-CO" dirty="0"/>
           </a:p>
         </p:txBody>
       </p:sp>
@@ -8919,10 +8356,9 @@
           <a:lstStyle/>
           <a:p>
             <a:r>
-              <a:rPr lang="es-CO" dirty="0" smtClean="0"/>
+              <a:rPr lang="es-CO" dirty="0"/>
               <a:t>2017</a:t>
             </a:r>
-            <a:endParaRPr lang="es-CO" dirty="0"/>
           </a:p>
         </p:txBody>
       </p:sp>
@@ -8949,10 +8385,9 @@
           <a:lstStyle/>
           <a:p>
             <a:r>
-              <a:rPr lang="es-CO" sz="1600" dirty="0" smtClean="0"/>
+              <a:rPr lang="es-CO" sz="1600" dirty="0"/>
               <a:t>…</a:t>
             </a:r>
-            <a:endParaRPr lang="es-CO" sz="1600" dirty="0"/>
           </a:p>
         </p:txBody>
       </p:sp>
@@ -8980,10 +8415,9 @@
           <a:p>
             <a:pPr algn="ctr"/>
             <a:r>
-              <a:rPr lang="es-CO" sz="2400" b="1" dirty="0" smtClean="0"/>
+              <a:rPr lang="es-CO" sz="2400" b="1" dirty="0"/>
               <a:t>YEAR</a:t>
             </a:r>
-            <a:endParaRPr lang="es-CO" sz="2400" b="1" dirty="0"/>
           </a:p>
         </p:txBody>
       </p:sp>
@@ -9011,10 +8445,9 @@
           <a:p>
             <a:pPr algn="ctr"/>
             <a:r>
-              <a:rPr lang="es-CO" sz="2400" b="1" dirty="0" smtClean="0"/>
+              <a:rPr lang="es-CO" sz="2400" b="1" dirty="0"/>
               <a:t>LENGUAJE</a:t>
             </a:r>
-            <a:endParaRPr lang="es-CO" sz="2400" b="1" dirty="0"/>
           </a:p>
         </p:txBody>
       </p:sp>
@@ -9041,10 +8474,9 @@
           <a:lstStyle/>
           <a:p>
             <a:r>
-              <a:rPr lang="es-CO" dirty="0" smtClean="0"/>
+              <a:rPr lang="es-CO" dirty="0"/>
               <a:t>AngularJS</a:t>
             </a:r>
-            <a:endParaRPr lang="es-CO" dirty="0"/>
           </a:p>
         </p:txBody>
       </p:sp>
@@ -9071,10 +8503,9 @@
           <a:lstStyle/>
           <a:p>
             <a:r>
-              <a:rPr lang="es-CO" dirty="0" smtClean="0"/>
+              <a:rPr lang="es-CO" dirty="0"/>
               <a:t>C</a:t>
             </a:r>
-            <a:endParaRPr lang="es-CO" dirty="0"/>
           </a:p>
         </p:txBody>
       </p:sp>
@@ -9101,10 +8532,9 @@
           <a:lstStyle/>
           <a:p>
             <a:r>
-              <a:rPr lang="es-CO" dirty="0" smtClean="0"/>
+              <a:rPr lang="es-CO" dirty="0"/>
               <a:t>SQL_Server</a:t>
             </a:r>
-            <a:endParaRPr lang="es-CO" dirty="0"/>
           </a:p>
         </p:txBody>
       </p:sp>
@@ -9131,10 +8561,9 @@
           <a:lstStyle/>
           <a:p>
             <a:r>
-              <a:rPr lang="es-CO" sz="1600" dirty="0" smtClean="0"/>
+              <a:rPr lang="es-CO" sz="1600" dirty="0"/>
               <a:t>…</a:t>
             </a:r>
-            <a:endParaRPr lang="es-CO" sz="1600" dirty="0"/>
           </a:p>
         </p:txBody>
       </p:sp>
@@ -9160,10 +8589,9 @@
           <a:lstStyle/>
           <a:p>
             <a:r>
-              <a:rPr lang="es-CO" dirty="0" smtClean="0"/>
+              <a:rPr lang="es-CO" dirty="0"/>
               <a:t>TypeScript</a:t>
             </a:r>
-            <a:endParaRPr lang="es-CO" dirty="0"/>
           </a:p>
         </p:txBody>
       </p:sp>
@@ -9191,10 +8619,9 @@
           <a:p>
             <a:pPr algn="ctr"/>
             <a:r>
-              <a:rPr lang="es-CO" sz="2400" b="1" dirty="0" smtClean="0"/>
+              <a:rPr lang="es-CO" sz="2400" b="1" dirty="0"/>
               <a:t>COUNTRY</a:t>
             </a:r>
-            <a:endParaRPr lang="es-CO" sz="2400" b="1" dirty="0"/>
           </a:p>
         </p:txBody>
       </p:sp>
@@ -9221,10 +8648,9 @@
           <a:lstStyle/>
           <a:p>
             <a:r>
-              <a:rPr lang="es-CO" sz="1600" dirty="0" smtClean="0"/>
+              <a:rPr lang="es-CO" sz="1600" dirty="0"/>
               <a:t>…</a:t>
             </a:r>
-            <a:endParaRPr lang="es-CO" sz="1600" dirty="0"/>
           </a:p>
         </p:txBody>
       </p:sp>
@@ -9251,14 +8677,9 @@
           <a:lstStyle/>
           <a:p>
             <a:r>
-              <a:rPr lang="es-CO" sz="1600" dirty="0" smtClean="0"/>
-              <a:t> </a:t>
-            </a:r>
-            <a:r>
-              <a:rPr lang="es-CO" sz="1600" dirty="0" smtClean="0"/>
-              <a:t>…</a:t>
-            </a:r>
-            <a:endParaRPr lang="es-CO" sz="1600" dirty="0"/>
+              <a:rPr lang="es-CO" sz="1600" dirty="0"/>
+              <a:t> …</a:t>
+            </a:r>
           </a:p>
         </p:txBody>
       </p:sp>
@@ -9285,10 +8706,9 @@
           <a:lstStyle/>
           <a:p>
             <a:r>
-              <a:rPr lang="es-CO" sz="1600" dirty="0" smtClean="0"/>
+              <a:rPr lang="es-CO" sz="1600" dirty="0"/>
               <a:t>…</a:t>
             </a:r>
-            <a:endParaRPr lang="es-CO" sz="1600" dirty="0"/>
           </a:p>
         </p:txBody>
       </p:sp>
@@ -9314,10 +8734,9 @@
           <a:lstStyle/>
           <a:p>
             <a:r>
-              <a:rPr lang="es-CO" dirty="0" smtClean="0"/>
+              <a:rPr lang="es-CO" dirty="0"/>
               <a:t>Algeria</a:t>
             </a:r>
-            <a:endParaRPr lang="es-CO" dirty="0"/>
           </a:p>
         </p:txBody>
       </p:sp>
@@ -9343,10 +8762,9 @@
           <a:lstStyle/>
           <a:p>
             <a:r>
-              <a:rPr lang="es-CO" dirty="0" smtClean="0"/>
+              <a:rPr lang="es-CO" dirty="0"/>
               <a:t>Turkey</a:t>
             </a:r>
-            <a:endParaRPr lang="es-CO" dirty="0"/>
           </a:p>
         </p:txBody>
       </p:sp>
@@ -9372,10 +8790,9 @@
           <a:lstStyle/>
           <a:p>
             <a:r>
-              <a:rPr lang="es-CO" dirty="0" smtClean="0"/>
+              <a:rPr lang="es-CO" dirty="0"/>
               <a:t>Austria</a:t>
             </a:r>
-            <a:endParaRPr lang="es-CO" dirty="0"/>
           </a:p>
         </p:txBody>
       </p:sp>
@@ -9401,10 +8818,9 @@
           <a:lstStyle/>
           <a:p>
             <a:r>
-              <a:rPr lang="es-CO" dirty="0" smtClean="0"/>
+              <a:rPr lang="es-CO" dirty="0"/>
               <a:t>Bolivia</a:t>
             </a:r>
-            <a:endParaRPr lang="es-CO" dirty="0"/>
           </a:p>
         </p:txBody>
       </p:sp>
@@ -9430,10 +8846,9 @@
           <a:lstStyle/>
           <a:p>
             <a:r>
-              <a:rPr lang="es-CO" dirty="0" smtClean="0"/>
+              <a:rPr lang="es-CO" dirty="0"/>
               <a:t>Colombia</a:t>
             </a:r>
-            <a:endParaRPr lang="es-CO" dirty="0"/>
           </a:p>
         </p:txBody>
       </p:sp>
